--- a/[참고] lawfirm/(노트) lawfirm.pptx
+++ b/[참고] lawfirm/(노트) lawfirm.pptx
@@ -286,7 +286,7 @@
           <a:p>
             <a:fld id="{4D217293-0FE5-4C44-B6CF-2C7B9F2C9204}" type="datetimeFigureOut">
               <a:rPr lang="ko-KR" altLang="en-US" smtClean="0"/>
-              <a:t>2022-01-08</a:t>
+              <a:t>2022-01-09</a:t>
             </a:fld>
             <a:endParaRPr lang="ko-KR" altLang="en-US"/>
           </a:p>
@@ -484,7 +484,7 @@
           <a:p>
             <a:fld id="{4D217293-0FE5-4C44-B6CF-2C7B9F2C9204}" type="datetimeFigureOut">
               <a:rPr lang="ko-KR" altLang="en-US" smtClean="0"/>
-              <a:t>2022-01-08</a:t>
+              <a:t>2022-01-09</a:t>
             </a:fld>
             <a:endParaRPr lang="ko-KR" altLang="en-US"/>
           </a:p>
@@ -692,7 +692,7 @@
           <a:p>
             <a:fld id="{4D217293-0FE5-4C44-B6CF-2C7B9F2C9204}" type="datetimeFigureOut">
               <a:rPr lang="ko-KR" altLang="en-US" smtClean="0"/>
-              <a:t>2022-01-08</a:t>
+              <a:t>2022-01-09</a:t>
             </a:fld>
             <a:endParaRPr lang="ko-KR" altLang="en-US"/>
           </a:p>
@@ -890,7 +890,7 @@
           <a:p>
             <a:fld id="{4D217293-0FE5-4C44-B6CF-2C7B9F2C9204}" type="datetimeFigureOut">
               <a:rPr lang="ko-KR" altLang="en-US" smtClean="0"/>
-              <a:t>2022-01-08</a:t>
+              <a:t>2022-01-09</a:t>
             </a:fld>
             <a:endParaRPr lang="ko-KR" altLang="en-US"/>
           </a:p>
@@ -1165,7 +1165,7 @@
           <a:p>
             <a:fld id="{4D217293-0FE5-4C44-B6CF-2C7B9F2C9204}" type="datetimeFigureOut">
               <a:rPr lang="ko-KR" altLang="en-US" smtClean="0"/>
-              <a:t>2022-01-08</a:t>
+              <a:t>2022-01-09</a:t>
             </a:fld>
             <a:endParaRPr lang="ko-KR" altLang="en-US"/>
           </a:p>
@@ -1430,7 +1430,7 @@
           <a:p>
             <a:fld id="{4D217293-0FE5-4C44-B6CF-2C7B9F2C9204}" type="datetimeFigureOut">
               <a:rPr lang="ko-KR" altLang="en-US" smtClean="0"/>
-              <a:t>2022-01-08</a:t>
+              <a:t>2022-01-09</a:t>
             </a:fld>
             <a:endParaRPr lang="ko-KR" altLang="en-US"/>
           </a:p>
@@ -1842,7 +1842,7 @@
           <a:p>
             <a:fld id="{4D217293-0FE5-4C44-B6CF-2C7B9F2C9204}" type="datetimeFigureOut">
               <a:rPr lang="ko-KR" altLang="en-US" smtClean="0"/>
-              <a:t>2022-01-08</a:t>
+              <a:t>2022-01-09</a:t>
             </a:fld>
             <a:endParaRPr lang="ko-KR" altLang="en-US"/>
           </a:p>
@@ -1983,7 +1983,7 @@
           <a:p>
             <a:fld id="{4D217293-0FE5-4C44-B6CF-2C7B9F2C9204}" type="datetimeFigureOut">
               <a:rPr lang="ko-KR" altLang="en-US" smtClean="0"/>
-              <a:t>2022-01-08</a:t>
+              <a:t>2022-01-09</a:t>
             </a:fld>
             <a:endParaRPr lang="ko-KR" altLang="en-US"/>
           </a:p>
@@ -2096,7 +2096,7 @@
           <a:p>
             <a:fld id="{4D217293-0FE5-4C44-B6CF-2C7B9F2C9204}" type="datetimeFigureOut">
               <a:rPr lang="ko-KR" altLang="en-US" smtClean="0"/>
-              <a:t>2022-01-08</a:t>
+              <a:t>2022-01-09</a:t>
             </a:fld>
             <a:endParaRPr lang="ko-KR" altLang="en-US"/>
           </a:p>
@@ -2407,7 +2407,7 @@
           <a:p>
             <a:fld id="{4D217293-0FE5-4C44-B6CF-2C7B9F2C9204}" type="datetimeFigureOut">
               <a:rPr lang="ko-KR" altLang="en-US" smtClean="0"/>
-              <a:t>2022-01-08</a:t>
+              <a:t>2022-01-09</a:t>
             </a:fld>
             <a:endParaRPr lang="ko-KR" altLang="en-US"/>
           </a:p>
@@ -2695,7 +2695,7 @@
           <a:p>
             <a:fld id="{4D217293-0FE5-4C44-B6CF-2C7B9F2C9204}" type="datetimeFigureOut">
               <a:rPr lang="ko-KR" altLang="en-US" smtClean="0"/>
-              <a:t>2022-01-08</a:t>
+              <a:t>2022-01-09</a:t>
             </a:fld>
             <a:endParaRPr lang="ko-KR" altLang="en-US"/>
           </a:p>
@@ -2936,7 +2936,7 @@
           <a:p>
             <a:fld id="{4D217293-0FE5-4C44-B6CF-2C7B9F2C9204}" type="datetimeFigureOut">
               <a:rPr lang="ko-KR" altLang="en-US" smtClean="0"/>
-              <a:t>2022-01-08</a:t>
+              <a:t>2022-01-09</a:t>
             </a:fld>
             <a:endParaRPr lang="ko-KR" altLang="en-US"/>
           </a:p>
@@ -5504,7 +5504,7 @@
         <p:spPr>
           <a:xfrm>
             <a:off x="2041583" y="2279273"/>
-            <a:ext cx="1529521" cy="369332"/>
+            <a:ext cx="1723549" cy="369332"/>
           </a:xfrm>
           <a:prstGeom prst="rect">
             <a:avLst/>
@@ -5521,7 +5521,11 @@
               <a:rPr lang="en-US" altLang="ko-KR" dirty="0" err="1">
                 <a:effectLst/>
               </a:rPr>
-              <a:t>section.share</a:t>
+              <a:t>section.</a:t>
+            </a:r>
+            <a:r>
+              <a:rPr lang="en-US" altLang="ko-KR" dirty="0" err="1"/>
+              <a:t>consult</a:t>
             </a:r>
             <a:endParaRPr lang="ko-KR" altLang="en-US" dirty="0"/>
           </a:p>
@@ -5594,7 +5598,7 @@
         <p:spPr>
           <a:xfrm>
             <a:off x="699074" y="2794808"/>
-            <a:ext cx="1273938" cy="369332"/>
+            <a:ext cx="1340688" cy="369332"/>
           </a:xfrm>
           <a:prstGeom prst="rect">
             <a:avLst/>
@@ -5617,7 +5621,7 @@
               <a:rPr lang="en-US" altLang="ko-KR" dirty="0">
                 <a:effectLst/>
               </a:rPr>
-              <a:t>-txt</a:t>
+              <a:t>-left</a:t>
             </a:r>
             <a:endParaRPr lang="ko-KR" altLang="en-US" dirty="0"/>
           </a:p>
@@ -5743,8 +5747,8 @@
         </p:nvSpPr>
         <p:spPr>
           <a:xfrm>
-            <a:off x="4345497" y="2937005"/>
-            <a:ext cx="5519956" cy="1391929"/>
+            <a:off x="4345496" y="2937005"/>
+            <a:ext cx="5562359" cy="1391929"/>
           </a:xfrm>
           <a:prstGeom prst="rect">
             <a:avLst/>
@@ -5795,8 +5799,8 @@
         </p:nvSpPr>
         <p:spPr>
           <a:xfrm>
-            <a:off x="3326496" y="3032613"/>
-            <a:ext cx="1282613" cy="734718"/>
+            <a:off x="3380763" y="3032613"/>
+            <a:ext cx="1199626" cy="734718"/>
           </a:xfrm>
           <a:prstGeom prst="rect">
             <a:avLst/>
@@ -5847,46 +5851,8 @@
         </p:nvSpPr>
         <p:spPr>
           <a:xfrm>
-            <a:off x="3237274" y="3176224"/>
-            <a:ext cx="1348446" cy="369332"/>
-          </a:xfrm>
-          <a:prstGeom prst="rect">
-            <a:avLst/>
-          </a:prstGeom>
-          <a:noFill/>
-        </p:spPr>
-        <p:txBody>
-          <a:bodyPr wrap="none" rtlCol="0">
-            <a:spAutoFit/>
-          </a:bodyPr>
-          <a:lstStyle/>
-          <a:p>
-            <a:r>
-              <a:rPr lang="en-US" altLang="ko-KR" dirty="0">
-                <a:effectLst/>
-              </a:rPr>
-              <a:t>div &gt; h1, p</a:t>
-            </a:r>
-            <a:endParaRPr lang="ko-KR" altLang="en-US" dirty="0"/>
-          </a:p>
-        </p:txBody>
-      </p:sp>
-      <p:sp>
-        <p:nvSpPr>
-          <p:cNvPr id="17" name="TextBox 16">
-            <a:extLst>
-              <a:ext uri="{FF2B5EF4-FFF2-40B4-BE49-F238E27FC236}">
-                <a16:creationId xmlns:a16="http://schemas.microsoft.com/office/drawing/2014/main" id="{F2E54191-59FA-4489-9B12-E9418B4B5183}"/>
-              </a:ext>
-            </a:extLst>
-          </p:cNvPr>
-          <p:cNvSpPr txBox="1"/>
-          <p:nvPr/>
-        </p:nvSpPr>
-        <p:spPr>
-          <a:xfrm>
-            <a:off x="10015505" y="2979474"/>
-            <a:ext cx="1382686" cy="369332"/>
+            <a:off x="2230419" y="3176224"/>
+            <a:ext cx="3112519" cy="369332"/>
           </a:xfrm>
           <a:prstGeom prst="rect">
             <a:avLst/>
@@ -5909,7 +5875,17 @@
               <a:rPr lang="en-US" altLang="ko-KR" dirty="0">
                 <a:effectLst/>
               </a:rPr>
-              <a:t>-con</a:t>
+              <a:t>-txt</a:t>
+            </a:r>
+            <a:r>
+              <a:rPr lang="ko-KR" altLang="en-US" dirty="0"/>
+              <a:t> </a:t>
+            </a:r>
+            <a:r>
+              <a:rPr lang="en-US" altLang="ko-KR" dirty="0">
+                <a:effectLst/>
+              </a:rPr>
+              <a:t>&gt; div &gt; h1, span</a:t>
             </a:r>
             <a:endParaRPr lang="ko-KR" altLang="en-US" dirty="0"/>
           </a:p>
@@ -5917,6 +5893,50 @@
       </p:sp>
       <p:sp>
         <p:nvSpPr>
+          <p:cNvPr id="17" name="TextBox 16">
+            <a:extLst>
+              <a:ext uri="{FF2B5EF4-FFF2-40B4-BE49-F238E27FC236}">
+                <a16:creationId xmlns:a16="http://schemas.microsoft.com/office/drawing/2014/main" id="{F2E54191-59FA-4489-9B12-E9418B4B5183}"/>
+              </a:ext>
+            </a:extLst>
+          </p:cNvPr>
+          <p:cNvSpPr txBox="1"/>
+          <p:nvPr/>
+        </p:nvSpPr>
+        <p:spPr>
+          <a:xfrm>
+            <a:off x="9961581" y="2937005"/>
+            <a:ext cx="1493294" cy="369332"/>
+          </a:xfrm>
+          <a:prstGeom prst="rect">
+            <a:avLst/>
+          </a:prstGeom>
+          <a:noFill/>
+        </p:spPr>
+        <p:txBody>
+          <a:bodyPr wrap="none" rtlCol="0">
+            <a:spAutoFit/>
+          </a:bodyPr>
+          <a:lstStyle/>
+          <a:p>
+            <a:r>
+              <a:rPr lang="en-US" altLang="ko-KR" dirty="0" err="1">
+                <a:effectLst/>
+              </a:rPr>
+              <a:t>div.box</a:t>
+            </a:r>
+            <a:r>
+              <a:rPr lang="en-US" altLang="ko-KR" dirty="0">
+                <a:effectLst/>
+              </a:rPr>
+              <a:t>-right</a:t>
+            </a:r>
+            <a:endParaRPr lang="ko-KR" altLang="en-US" dirty="0"/>
+          </a:p>
+        </p:txBody>
+      </p:sp>
+      <p:sp>
+        <p:nvSpPr>
           <p:cNvPr id="22" name="직사각형 21">
             <a:extLst>
               <a:ext uri="{FF2B5EF4-FFF2-40B4-BE49-F238E27FC236}">
@@ -5929,7 +5949,7 @@
         </p:nvSpPr>
         <p:spPr>
           <a:xfrm>
-            <a:off x="5481151" y="3078743"/>
+            <a:off x="5611332" y="3094526"/>
             <a:ext cx="1918896" cy="1076886"/>
           </a:xfrm>
           <a:prstGeom prst="rect">
@@ -6072,7 +6092,7 @@
         <p:spPr>
           <a:xfrm>
             <a:off x="2120673" y="1908060"/>
-            <a:ext cx="2969083" cy="369332"/>
+            <a:ext cx="3050835" cy="369332"/>
           </a:xfrm>
           <a:prstGeom prst="rect">
             <a:avLst/>
@@ -6088,17 +6108,61 @@
           <a:lstStyle/>
           <a:p>
             <a:r>
-              <a:rPr lang="ko-KR" altLang="en-US"/>
-              <a:t>상단 섹션에 </a:t>
-            </a:r>
-            <a:r>
-              <a:rPr lang="ko-KR" altLang="en-US" dirty="0" err="1"/>
-              <a:t>걸쳐있는</a:t>
-            </a:r>
-            <a:r>
               <a:rPr lang="ko-KR" altLang="en-US" dirty="0"/>
-              <a:t> 느낌</a:t>
-            </a:r>
+              <a:t>상단 섹션에 걸쳐 있는 느낌</a:t>
+            </a:r>
+          </a:p>
+        </p:txBody>
+      </p:sp>
+      <p:sp>
+        <p:nvSpPr>
+          <p:cNvPr id="19" name="직사각형 18">
+            <a:extLst>
+              <a:ext uri="{FF2B5EF4-FFF2-40B4-BE49-F238E27FC236}">
+                <a16:creationId xmlns:a16="http://schemas.microsoft.com/office/drawing/2014/main" id="{98117080-E27A-496A-81F8-FB0474FD574E}"/>
+              </a:ext>
+            </a:extLst>
+          </p:cNvPr>
+          <p:cNvSpPr/>
+          <p:nvPr/>
+        </p:nvSpPr>
+        <p:spPr>
+          <a:xfrm>
+            <a:off x="7697880" y="3003347"/>
+            <a:ext cx="1076102" cy="1258259"/>
+          </a:xfrm>
+          <a:prstGeom prst="rect">
+            <a:avLst/>
+          </a:prstGeom>
+          <a:noFill/>
+          <a:ln w="38100">
+            <a:solidFill>
+              <a:srgbClr val="00B050"/>
+            </a:solidFill>
+          </a:ln>
+        </p:spPr>
+        <p:style>
+          <a:lnRef idx="2">
+            <a:schemeClr val="accent1">
+              <a:shade val="50000"/>
+            </a:schemeClr>
+          </a:lnRef>
+          <a:fillRef idx="1">
+            <a:schemeClr val="accent1"/>
+          </a:fillRef>
+          <a:effectRef idx="0">
+            <a:schemeClr val="accent1"/>
+          </a:effectRef>
+          <a:fontRef idx="minor">
+            <a:schemeClr val="lt1"/>
+          </a:fontRef>
+        </p:style>
+        <p:txBody>
+          <a:bodyPr rtlCol="0" anchor="ctr"/>
+          <a:lstStyle/>
+          <a:p>
+            <a:pPr algn="ctr"/>
+            <a:endParaRPr lang="ko-KR" altLang="en-US" dirty="0"/>
           </a:p>
         </p:txBody>
       </p:sp>
@@ -6414,8 +6478,8 @@
         </p:nvSpPr>
         <p:spPr>
           <a:xfrm>
-            <a:off x="3671929" y="3232466"/>
-            <a:ext cx="1193686" cy="928473"/>
+            <a:off x="3671928" y="3232466"/>
+            <a:ext cx="2436207" cy="928473"/>
           </a:xfrm>
           <a:prstGeom prst="rect">
             <a:avLst/>
@@ -6505,7 +6569,7 @@
         <p:spPr>
           <a:xfrm>
             <a:off x="7407479" y="2410844"/>
-            <a:ext cx="1257011" cy="369332"/>
+            <a:ext cx="444352" cy="369332"/>
           </a:xfrm>
           <a:prstGeom prst="rect">
             <a:avLst/>
@@ -6522,7 +6586,7 @@
               <a:rPr lang="en-US" altLang="ko-KR" dirty="0">
                 <a:effectLst/>
               </a:rPr>
-              <a:t>h1 &gt; span</a:t>
+              <a:t>h1</a:t>
             </a:r>
             <a:endParaRPr lang="ko-KR" altLang="en-US" dirty="0"/>
           </a:p>
@@ -6530,10 +6594,65 @@
       </p:sp>
       <p:sp>
         <p:nvSpPr>
-          <p:cNvPr id="20" name="직사각형 19">
-            <a:extLst>
-              <a:ext uri="{FF2B5EF4-FFF2-40B4-BE49-F238E27FC236}">
-                <a16:creationId xmlns:a16="http://schemas.microsoft.com/office/drawing/2014/main" id="{DB8185D3-865E-43BA-8A0C-D2D81E410441}"/>
+          <p:cNvPr id="26" name="TextBox 25">
+            <a:extLst>
+              <a:ext uri="{FF2B5EF4-FFF2-40B4-BE49-F238E27FC236}">
+                <a16:creationId xmlns:a16="http://schemas.microsoft.com/office/drawing/2014/main" id="{78120F51-566B-4B15-B1D3-B763216263ED}"/>
+              </a:ext>
+            </a:extLst>
+          </p:cNvPr>
+          <p:cNvSpPr txBox="1"/>
+          <p:nvPr/>
+        </p:nvSpPr>
+        <p:spPr>
+          <a:xfrm>
+            <a:off x="10771418" y="0"/>
+            <a:ext cx="1420582" cy="646331"/>
+          </a:xfrm>
+          <a:prstGeom prst="rect">
+            <a:avLst/>
+          </a:prstGeom>
+          <a:solidFill>
+            <a:srgbClr val="FFFF00"/>
+          </a:solidFill>
+        </p:spPr>
+        <p:txBody>
+          <a:bodyPr wrap="none" rtlCol="0">
+            <a:spAutoFit/>
+          </a:bodyPr>
+          <a:lstStyle/>
+          <a:p>
+            <a:pPr algn="r"/>
+            <a:r>
+              <a:rPr lang="ko-KR" altLang="en-US" dirty="0">
+                <a:effectLst/>
+              </a:rPr>
+              <a:t>봉사 사진</a:t>
+            </a:r>
+            <a:endParaRPr lang="en-US" altLang="ko-KR" dirty="0">
+              <a:effectLst/>
+            </a:endParaRPr>
+          </a:p>
+          <a:p>
+            <a:pPr algn="r"/>
+            <a:r>
+              <a:rPr lang="ko-KR" altLang="en-US" dirty="0">
+                <a:effectLst/>
+              </a:rPr>
+              <a:t>미디어 사진</a:t>
+            </a:r>
+            <a:endParaRPr lang="en-US" altLang="ko-KR" dirty="0">
+              <a:effectLst/>
+            </a:endParaRPr>
+          </a:p>
+        </p:txBody>
+      </p:sp>
+      <p:sp>
+        <p:nvSpPr>
+          <p:cNvPr id="22" name="직사각형 21">
+            <a:extLst>
+              <a:ext uri="{FF2B5EF4-FFF2-40B4-BE49-F238E27FC236}">
+                <a16:creationId xmlns:a16="http://schemas.microsoft.com/office/drawing/2014/main" id="{AADF2C7D-834E-4791-9766-9827E6A22181}"/>
               </a:ext>
             </a:extLst>
           </p:cNvPr>
@@ -6542,8 +6661,8 @@
         </p:nvSpPr>
         <p:spPr>
           <a:xfrm>
-            <a:off x="4914451" y="3232466"/>
-            <a:ext cx="1193686" cy="928473"/>
+            <a:off x="6240185" y="3232466"/>
+            <a:ext cx="2436207" cy="928473"/>
           </a:xfrm>
           <a:prstGeom prst="rect">
             <a:avLst/>
@@ -6582,131 +6701,25 @@
       </p:sp>
       <p:sp>
         <p:nvSpPr>
-          <p:cNvPr id="21" name="직사각형 20">
-            <a:extLst>
-              <a:ext uri="{FF2B5EF4-FFF2-40B4-BE49-F238E27FC236}">
-                <a16:creationId xmlns:a16="http://schemas.microsoft.com/office/drawing/2014/main" id="{FAC0041A-807F-449D-99CF-17791021C632}"/>
-              </a:ext>
-            </a:extLst>
-          </p:cNvPr>
-          <p:cNvSpPr/>
-          <p:nvPr/>
-        </p:nvSpPr>
-        <p:spPr>
-          <a:xfrm>
-            <a:off x="6240185" y="3232466"/>
-            <a:ext cx="1193686" cy="928473"/>
+          <p:cNvPr id="23" name="TextBox 22">
+            <a:extLst>
+              <a:ext uri="{FF2B5EF4-FFF2-40B4-BE49-F238E27FC236}">
+                <a16:creationId xmlns:a16="http://schemas.microsoft.com/office/drawing/2014/main" id="{003D8C7F-3402-40D4-993D-331E950583D7}"/>
+              </a:ext>
+            </a:extLst>
+          </p:cNvPr>
+          <p:cNvSpPr txBox="1"/>
+          <p:nvPr/>
+        </p:nvSpPr>
+        <p:spPr>
+          <a:xfrm>
+            <a:off x="4767448" y="3236808"/>
+            <a:ext cx="1340688" cy="369332"/>
           </a:xfrm>
           <a:prstGeom prst="rect">
             <a:avLst/>
           </a:prstGeom>
           <a:noFill/>
-          <a:ln w="38100">
-            <a:solidFill>
-              <a:srgbClr val="00B050"/>
-            </a:solidFill>
-          </a:ln>
-        </p:spPr>
-        <p:style>
-          <a:lnRef idx="2">
-            <a:schemeClr val="accent1">
-              <a:shade val="50000"/>
-            </a:schemeClr>
-          </a:lnRef>
-          <a:fillRef idx="1">
-            <a:schemeClr val="accent1"/>
-          </a:fillRef>
-          <a:effectRef idx="0">
-            <a:schemeClr val="accent1"/>
-          </a:effectRef>
-          <a:fontRef idx="minor">
-            <a:schemeClr val="lt1"/>
-          </a:fontRef>
-        </p:style>
-        <p:txBody>
-          <a:bodyPr rtlCol="0" anchor="ctr"/>
-          <a:lstStyle/>
-          <a:p>
-            <a:pPr algn="ctr"/>
-            <a:endParaRPr lang="ko-KR" altLang="en-US" dirty="0"/>
-          </a:p>
-        </p:txBody>
-      </p:sp>
-      <p:sp>
-        <p:nvSpPr>
-          <p:cNvPr id="25" name="직사각형 24">
-            <a:extLst>
-              <a:ext uri="{FF2B5EF4-FFF2-40B4-BE49-F238E27FC236}">
-                <a16:creationId xmlns:a16="http://schemas.microsoft.com/office/drawing/2014/main" id="{6955E011-F3B2-49E4-AE51-73E2AB7D1E75}"/>
-              </a:ext>
-            </a:extLst>
-          </p:cNvPr>
-          <p:cNvSpPr/>
-          <p:nvPr/>
-        </p:nvSpPr>
-        <p:spPr>
-          <a:xfrm>
-            <a:off x="7482707" y="3232466"/>
-            <a:ext cx="1193686" cy="928473"/>
-          </a:xfrm>
-          <a:prstGeom prst="rect">
-            <a:avLst/>
-          </a:prstGeom>
-          <a:noFill/>
-          <a:ln w="38100">
-            <a:solidFill>
-              <a:srgbClr val="00B050"/>
-            </a:solidFill>
-          </a:ln>
-        </p:spPr>
-        <p:style>
-          <a:lnRef idx="2">
-            <a:schemeClr val="accent1">
-              <a:shade val="50000"/>
-            </a:schemeClr>
-          </a:lnRef>
-          <a:fillRef idx="1">
-            <a:schemeClr val="accent1"/>
-          </a:fillRef>
-          <a:effectRef idx="0">
-            <a:schemeClr val="accent1"/>
-          </a:effectRef>
-          <a:fontRef idx="minor">
-            <a:schemeClr val="lt1"/>
-          </a:fontRef>
-        </p:style>
-        <p:txBody>
-          <a:bodyPr rtlCol="0" anchor="ctr"/>
-          <a:lstStyle/>
-          <a:p>
-            <a:pPr algn="ctr"/>
-            <a:endParaRPr lang="ko-KR" altLang="en-US" dirty="0"/>
-          </a:p>
-        </p:txBody>
-      </p:sp>
-      <p:sp>
-        <p:nvSpPr>
-          <p:cNvPr id="26" name="TextBox 25">
-            <a:extLst>
-              <a:ext uri="{FF2B5EF4-FFF2-40B4-BE49-F238E27FC236}">
-                <a16:creationId xmlns:a16="http://schemas.microsoft.com/office/drawing/2014/main" id="{78120F51-566B-4B15-B1D3-B763216263ED}"/>
-              </a:ext>
-            </a:extLst>
-          </p:cNvPr>
-          <p:cNvSpPr txBox="1"/>
-          <p:nvPr/>
-        </p:nvSpPr>
-        <p:spPr>
-          <a:xfrm>
-            <a:off x="10771418" y="0"/>
-            <a:ext cx="1420582" cy="646331"/>
-          </a:xfrm>
-          <a:prstGeom prst="rect">
-            <a:avLst/>
-          </a:prstGeom>
-          <a:solidFill>
-            <a:srgbClr val="FFFF00"/>
-          </a:solidFill>
         </p:spPr>
         <p:txBody>
           <a:bodyPr wrap="none" rtlCol="0">
@@ -6714,28 +6727,63 @@
           </a:bodyPr>
           <a:lstStyle/>
           <a:p>
-            <a:pPr algn="r"/>
-            <a:r>
-              <a:rPr lang="ko-KR" altLang="en-US" dirty="0">
+            <a:r>
+              <a:rPr lang="en-US" altLang="ko-KR" dirty="0" err="1">
                 <a:effectLst/>
               </a:rPr>
-              <a:t>봉사 사진</a:t>
-            </a:r>
-            <a:endParaRPr lang="en-US" altLang="ko-KR" dirty="0">
-              <a:effectLst/>
-            </a:endParaRPr>
-          </a:p>
-          <a:p>
-            <a:pPr algn="r"/>
-            <a:r>
-              <a:rPr lang="ko-KR" altLang="en-US" dirty="0">
+              <a:t>div.box</a:t>
+            </a:r>
+            <a:r>
+              <a:rPr lang="en-US" altLang="ko-KR" dirty="0">
                 <a:effectLst/>
               </a:rPr>
-              <a:t>미디어 사진</a:t>
-            </a:r>
-            <a:endParaRPr lang="en-US" altLang="ko-KR" dirty="0">
-              <a:effectLst/>
-            </a:endParaRPr>
+              <a:t>-left</a:t>
+            </a:r>
+            <a:endParaRPr lang="ko-KR" altLang="en-US" dirty="0"/>
+          </a:p>
+        </p:txBody>
+      </p:sp>
+      <p:sp>
+        <p:nvSpPr>
+          <p:cNvPr id="24" name="TextBox 23">
+            <a:extLst>
+              <a:ext uri="{FF2B5EF4-FFF2-40B4-BE49-F238E27FC236}">
+                <a16:creationId xmlns:a16="http://schemas.microsoft.com/office/drawing/2014/main" id="{FAF536F9-427A-41E6-97F2-467CFF5130A5}"/>
+              </a:ext>
+            </a:extLst>
+          </p:cNvPr>
+          <p:cNvSpPr txBox="1"/>
+          <p:nvPr/>
+        </p:nvSpPr>
+        <p:spPr>
+          <a:xfrm>
+            <a:off x="6240184" y="3236808"/>
+            <a:ext cx="1493294" cy="369332"/>
+          </a:xfrm>
+          <a:prstGeom prst="rect">
+            <a:avLst/>
+          </a:prstGeom>
+          <a:noFill/>
+        </p:spPr>
+        <p:txBody>
+          <a:bodyPr wrap="none" rtlCol="0">
+            <a:spAutoFit/>
+          </a:bodyPr>
+          <a:lstStyle/>
+          <a:p>
+            <a:r>
+              <a:rPr lang="en-US" altLang="ko-KR" dirty="0" err="1">
+                <a:effectLst/>
+              </a:rPr>
+              <a:t>div.box</a:t>
+            </a:r>
+            <a:r>
+              <a:rPr lang="en-US" altLang="ko-KR" dirty="0">
+                <a:effectLst/>
+              </a:rPr>
+              <a:t>-right</a:t>
+            </a:r>
+            <a:endParaRPr lang="ko-KR" altLang="en-US" dirty="0"/>
           </a:p>
         </p:txBody>
       </p:sp>

--- a/[참고] lawfirm/(노트) lawfirm.pptx
+++ b/[참고] lawfirm/(노트) lawfirm.pptx
@@ -286,7 +286,7 @@
           <a:p>
             <a:fld id="{4D217293-0FE5-4C44-B6CF-2C7B9F2C9204}" type="datetimeFigureOut">
               <a:rPr lang="ko-KR" altLang="en-US" smtClean="0"/>
-              <a:t>2022-01-09</a:t>
+              <a:t>2022-01-10</a:t>
             </a:fld>
             <a:endParaRPr lang="ko-KR" altLang="en-US"/>
           </a:p>
@@ -484,7 +484,7 @@
           <a:p>
             <a:fld id="{4D217293-0FE5-4C44-B6CF-2C7B9F2C9204}" type="datetimeFigureOut">
               <a:rPr lang="ko-KR" altLang="en-US" smtClean="0"/>
-              <a:t>2022-01-09</a:t>
+              <a:t>2022-01-10</a:t>
             </a:fld>
             <a:endParaRPr lang="ko-KR" altLang="en-US"/>
           </a:p>
@@ -692,7 +692,7 @@
           <a:p>
             <a:fld id="{4D217293-0FE5-4C44-B6CF-2C7B9F2C9204}" type="datetimeFigureOut">
               <a:rPr lang="ko-KR" altLang="en-US" smtClean="0"/>
-              <a:t>2022-01-09</a:t>
+              <a:t>2022-01-10</a:t>
             </a:fld>
             <a:endParaRPr lang="ko-KR" altLang="en-US"/>
           </a:p>
@@ -890,7 +890,7 @@
           <a:p>
             <a:fld id="{4D217293-0FE5-4C44-B6CF-2C7B9F2C9204}" type="datetimeFigureOut">
               <a:rPr lang="ko-KR" altLang="en-US" smtClean="0"/>
-              <a:t>2022-01-09</a:t>
+              <a:t>2022-01-10</a:t>
             </a:fld>
             <a:endParaRPr lang="ko-KR" altLang="en-US"/>
           </a:p>
@@ -1165,7 +1165,7 @@
           <a:p>
             <a:fld id="{4D217293-0FE5-4C44-B6CF-2C7B9F2C9204}" type="datetimeFigureOut">
               <a:rPr lang="ko-KR" altLang="en-US" smtClean="0"/>
-              <a:t>2022-01-09</a:t>
+              <a:t>2022-01-10</a:t>
             </a:fld>
             <a:endParaRPr lang="ko-KR" altLang="en-US"/>
           </a:p>
@@ -1430,7 +1430,7 @@
           <a:p>
             <a:fld id="{4D217293-0FE5-4C44-B6CF-2C7B9F2C9204}" type="datetimeFigureOut">
               <a:rPr lang="ko-KR" altLang="en-US" smtClean="0"/>
-              <a:t>2022-01-09</a:t>
+              <a:t>2022-01-10</a:t>
             </a:fld>
             <a:endParaRPr lang="ko-KR" altLang="en-US"/>
           </a:p>
@@ -1842,7 +1842,7 @@
           <a:p>
             <a:fld id="{4D217293-0FE5-4C44-B6CF-2C7B9F2C9204}" type="datetimeFigureOut">
               <a:rPr lang="ko-KR" altLang="en-US" smtClean="0"/>
-              <a:t>2022-01-09</a:t>
+              <a:t>2022-01-10</a:t>
             </a:fld>
             <a:endParaRPr lang="ko-KR" altLang="en-US"/>
           </a:p>
@@ -1983,7 +1983,7 @@
           <a:p>
             <a:fld id="{4D217293-0FE5-4C44-B6CF-2C7B9F2C9204}" type="datetimeFigureOut">
               <a:rPr lang="ko-KR" altLang="en-US" smtClean="0"/>
-              <a:t>2022-01-09</a:t>
+              <a:t>2022-01-10</a:t>
             </a:fld>
             <a:endParaRPr lang="ko-KR" altLang="en-US"/>
           </a:p>
@@ -2096,7 +2096,7 @@
           <a:p>
             <a:fld id="{4D217293-0FE5-4C44-B6CF-2C7B9F2C9204}" type="datetimeFigureOut">
               <a:rPr lang="ko-KR" altLang="en-US" smtClean="0"/>
-              <a:t>2022-01-09</a:t>
+              <a:t>2022-01-10</a:t>
             </a:fld>
             <a:endParaRPr lang="ko-KR" altLang="en-US"/>
           </a:p>
@@ -2407,7 +2407,7 @@
           <a:p>
             <a:fld id="{4D217293-0FE5-4C44-B6CF-2C7B9F2C9204}" type="datetimeFigureOut">
               <a:rPr lang="ko-KR" altLang="en-US" smtClean="0"/>
-              <a:t>2022-01-09</a:t>
+              <a:t>2022-01-10</a:t>
             </a:fld>
             <a:endParaRPr lang="ko-KR" altLang="en-US"/>
           </a:p>
@@ -2695,7 +2695,7 @@
           <a:p>
             <a:fld id="{4D217293-0FE5-4C44-B6CF-2C7B9F2C9204}" type="datetimeFigureOut">
               <a:rPr lang="ko-KR" altLang="en-US" smtClean="0"/>
-              <a:t>2022-01-09</a:t>
+              <a:t>2022-01-10</a:t>
             </a:fld>
             <a:endParaRPr lang="ko-KR" altLang="en-US"/>
           </a:p>
@@ -2936,7 +2936,7 @@
           <a:p>
             <a:fld id="{4D217293-0FE5-4C44-B6CF-2C7B9F2C9204}" type="datetimeFigureOut">
               <a:rPr lang="ko-KR" altLang="en-US" smtClean="0"/>
-              <a:t>2022-01-09</a:t>
+              <a:t>2022-01-10</a:t>
             </a:fld>
             <a:endParaRPr lang="ko-KR" altLang="en-US"/>
           </a:p>
@@ -7207,7 +7207,7 @@
         <p:spPr>
           <a:xfrm>
             <a:off x="2496002" y="2098224"/>
-            <a:ext cx="1553630" cy="369332"/>
+            <a:ext cx="817531" cy="369332"/>
           </a:xfrm>
           <a:prstGeom prst="rect">
             <a:avLst/>
@@ -7221,10 +7221,10 @@
           <a:lstStyle/>
           <a:p>
             <a:r>
-              <a:rPr lang="en-US" altLang="ko-KR" dirty="0" err="1">
+              <a:rPr lang="en-US" altLang="ko-KR" dirty="0">
                 <a:effectLst/>
               </a:rPr>
-              <a:t>section.social</a:t>
+              <a:t>footer</a:t>
             </a:r>
             <a:endParaRPr lang="ko-KR" altLang="en-US" dirty="0"/>
           </a:p>

--- a/[참고] lawfirm/(노트) lawfirm.pptx
+++ b/[참고] lawfirm/(노트) lawfirm.pptx
@@ -13,6 +13,7 @@
     <p:sldId id="261" r:id="rId7"/>
     <p:sldId id="262" r:id="rId8"/>
     <p:sldId id="263" r:id="rId9"/>
+    <p:sldId id="266" r:id="rId10"/>
   </p:sldIdLst>
   <p:sldSz cx="12192000" cy="6858000"/>
   <p:notesSz cx="6858000" cy="9144000"/>
@@ -128,6 +129,11 @@
             <p14:sldId id="261"/>
             <p14:sldId id="262"/>
             <p14:sldId id="263"/>
+          </p14:sldIdLst>
+        </p14:section>
+        <p14:section name="반응형" id="{3CF52938-8629-44D0-A68D-CECA86E0DB13}">
+          <p14:sldIdLst>
+            <p14:sldId id="266"/>
           </p14:sldIdLst>
         </p14:section>
       </p14:sectionLst>
@@ -3368,7 +3374,7 @@
         <p:spPr>
           <a:xfrm>
             <a:off x="2657500" y="602885"/>
-            <a:ext cx="1478290" cy="1200329"/>
+            <a:ext cx="2319866" cy="1200329"/>
           </a:xfrm>
           <a:prstGeom prst="rect">
             <a:avLst/>
@@ -3400,7 +3406,7 @@
               <a:rPr lang="ko-KR" altLang="en-US" dirty="0">
                 <a:effectLst/>
               </a:rPr>
-              <a:t>주요 업무</a:t>
+              <a:t>주요 업무분야</a:t>
             </a:r>
             <a:endParaRPr lang="en-US" altLang="ko-KR" dirty="0">
               <a:effectLst/>
@@ -3415,6 +3421,14 @@
               <a:rPr lang="ko-KR" altLang="en-US" dirty="0"/>
               <a:t>진행 사례</a:t>
             </a:r>
+            <a:r>
+              <a:rPr lang="en-US" altLang="ko-KR" dirty="0"/>
+              <a:t>·</a:t>
+            </a:r>
+            <a:r>
+              <a:rPr lang="ko-KR" altLang="en-US" dirty="0"/>
+              <a:t>후기</a:t>
+            </a:r>
             <a:endParaRPr lang="en-US" altLang="ko-KR" dirty="0"/>
           </a:p>
           <a:p>
@@ -3423,10 +3437,10 @@
               <a:buChar char="-"/>
             </a:pPr>
             <a:r>
-              <a:rPr lang="ko-KR" altLang="en-US" dirty="0">
+              <a:rPr lang="ko-KR" altLang="en-US" dirty="0" err="1">
                 <a:effectLst/>
               </a:rPr>
-              <a:t>고객 후기</a:t>
+              <a:t>ㅇㄹㄴㅇㄹㄴㅇㄹ</a:t>
             </a:r>
             <a:endParaRPr lang="en-US" altLang="ko-KR" dirty="0">
               <a:effectLst/>
@@ -3449,7 +3463,7 @@
         <p:spPr>
           <a:xfrm>
             <a:off x="6149896" y="602885"/>
-            <a:ext cx="1858201" cy="923330"/>
+            <a:ext cx="2021707" cy="923330"/>
           </a:xfrm>
           <a:prstGeom prst="rect">
             <a:avLst/>
@@ -3485,8 +3499,8 @@
               <a:buChar char="-"/>
             </a:pPr>
             <a:r>
-              <a:rPr lang="ko-KR" altLang="en-US" dirty="0" err="1"/>
-              <a:t>자주묻는질문</a:t>
+              <a:rPr lang="ko-KR" altLang="en-US" dirty="0"/>
+              <a:t>자주 묻는 질문</a:t>
             </a:r>
             <a:endParaRPr lang="en-US" altLang="ko-KR" dirty="0"/>
           </a:p>
@@ -3656,7 +3670,7 @@
         <p:spPr>
           <a:xfrm>
             <a:off x="8432299" y="602885"/>
-            <a:ext cx="1396536" cy="923330"/>
+            <a:ext cx="1447832" cy="1200329"/>
           </a:xfrm>
           <a:prstGeom prst="rect">
             <a:avLst/>
@@ -3703,6 +3717,26 @@
               <a:rPr lang="ko-KR" altLang="en-US" dirty="0"/>
               <a:t>자료실</a:t>
             </a:r>
+            <a:endParaRPr lang="en-US" altLang="ko-KR" dirty="0"/>
+          </a:p>
+          <a:p>
+            <a:pPr marL="285750" indent="-285750">
+              <a:buFontTx/>
+              <a:buChar char="-"/>
+            </a:pPr>
+            <a:r>
+              <a:rPr lang="ko-KR" altLang="en-US" dirty="0"/>
+              <a:t>활동</a:t>
+            </a:r>
+            <a:r>
+              <a:rPr lang="en-US" altLang="ko-KR" dirty="0"/>
+              <a:t>·</a:t>
+            </a:r>
+            <a:r>
+              <a:rPr lang="ko-KR" altLang="en-US" dirty="0"/>
+              <a:t>언론</a:t>
+            </a:r>
+            <a:endParaRPr lang="en-US" altLang="ko-KR" dirty="0"/>
           </a:p>
         </p:txBody>
       </p:sp>
@@ -4653,7 +4687,7 @@
         </p:nvSpPr>
         <p:spPr>
           <a:xfrm>
-            <a:off x="6388198" y="2082088"/>
+            <a:off x="6467912" y="2067699"/>
             <a:ext cx="1257011" cy="369332"/>
           </a:xfrm>
           <a:prstGeom prst="rect">
@@ -4692,7 +4726,7 @@
         <p:spPr>
           <a:xfrm>
             <a:off x="3674377" y="4369839"/>
-            <a:ext cx="3383940" cy="646331"/>
+            <a:ext cx="4025076" cy="646331"/>
           </a:xfrm>
           <a:prstGeom prst="rect">
             <a:avLst/>
@@ -4718,17 +4752,27 @@
             </a:endParaRPr>
           </a:p>
           <a:p>
+            <a:pPr marL="285750" indent="-285750">
+              <a:buFontTx/>
+              <a:buChar char="-"/>
+            </a:pPr>
             <a:r>
               <a:rPr lang="en-US" altLang="ko-KR" dirty="0"/>
-              <a:t>- button </a:t>
+              <a:t>button </a:t>
             </a:r>
             <a:r>
               <a:rPr lang="ko-KR" altLang="en-US" dirty="0"/>
-              <a:t>노출되면서 크기 확장</a:t>
-            </a:r>
-            <a:endParaRPr lang="en-US" altLang="ko-KR" dirty="0">
-              <a:effectLst/>
-            </a:endParaRPr>
+              <a:t>노출되면서 </a:t>
+            </a:r>
+            <a:r>
+              <a:rPr lang="en-US" altLang="ko-KR" dirty="0"/>
+              <a:t>card </a:t>
+            </a:r>
+            <a:r>
+              <a:rPr lang="ko-KR" altLang="en-US" dirty="0"/>
+              <a:t>크기 확장</a:t>
+            </a:r>
+            <a:endParaRPr lang="en-US" altLang="ko-KR" dirty="0"/>
           </a:p>
         </p:txBody>
       </p:sp>
@@ -4747,7 +4791,7 @@
         <p:spPr>
           <a:xfrm>
             <a:off x="3608662" y="2583512"/>
-            <a:ext cx="492443" cy="369332"/>
+            <a:ext cx="1382686" cy="369332"/>
           </a:xfrm>
           <a:prstGeom prst="rect">
             <a:avLst/>
@@ -4761,10 +4805,16 @@
           <a:lstStyle/>
           <a:p>
             <a:r>
+              <a:rPr lang="en-US" altLang="ko-KR" dirty="0" err="1">
+                <a:effectLst/>
+              </a:rPr>
+              <a:t>div.box</a:t>
+            </a:r>
+            <a:r>
               <a:rPr lang="en-US" altLang="ko-KR" dirty="0">
                 <a:effectLst/>
               </a:rPr>
-              <a:t>div</a:t>
+              <a:t>-con</a:t>
             </a:r>
             <a:endParaRPr lang="ko-KR" altLang="en-US" dirty="0"/>
           </a:p>
@@ -4941,7 +4991,7 @@
         <p:spPr>
           <a:xfrm>
             <a:off x="4771938" y="3009044"/>
-            <a:ext cx="3211392" cy="369332"/>
+            <a:ext cx="2803973" cy="369332"/>
           </a:xfrm>
           <a:prstGeom prst="rect">
             <a:avLst/>
@@ -4958,13 +5008,13 @@
               <a:rPr lang="en-US" altLang="ko-KR" dirty="0" err="1">
                 <a:effectLst/>
               </a:rPr>
-              <a:t>div.box</a:t>
+              <a:t>div.card</a:t>
             </a:r>
             <a:r>
               <a:rPr lang="en-US" altLang="ko-KR" dirty="0">
                 <a:effectLst/>
               </a:rPr>
-              <a:t>-con &gt; </a:t>
+              <a:t> &gt; </a:t>
             </a:r>
             <a:r>
               <a:rPr lang="en-US" altLang="ko-KR" dirty="0" err="1">
@@ -5037,6 +5087,66 @@
               </a:rPr>
               <a:t>)</a:t>
             </a:r>
+          </a:p>
+        </p:txBody>
+      </p:sp>
+      <p:sp>
+        <p:nvSpPr>
+          <p:cNvPr id="13" name="TextBox 12">
+            <a:extLst>
+              <a:ext uri="{FF2B5EF4-FFF2-40B4-BE49-F238E27FC236}">
+                <a16:creationId xmlns:a16="http://schemas.microsoft.com/office/drawing/2014/main" id="{F043DB1B-610C-4ABD-805D-442B8D85CB9A}"/>
+              </a:ext>
+            </a:extLst>
+          </p:cNvPr>
+          <p:cNvSpPr txBox="1"/>
+          <p:nvPr/>
+        </p:nvSpPr>
+        <p:spPr>
+          <a:xfrm>
+            <a:off x="6467912" y="1744534"/>
+            <a:ext cx="1899879" cy="369332"/>
+          </a:xfrm>
+          <a:prstGeom prst="rect">
+            <a:avLst/>
+          </a:prstGeom>
+          <a:solidFill>
+            <a:srgbClr val="FFC000"/>
+          </a:solidFill>
+        </p:spPr>
+        <p:txBody>
+          <a:bodyPr wrap="none" rtlCol="0">
+            <a:spAutoFit/>
+          </a:bodyPr>
+          <a:lstStyle/>
+          <a:p>
+            <a:r>
+              <a:rPr lang="en-US" altLang="ko-KR" b="1" dirty="0">
+                <a:effectLst/>
+              </a:rPr>
+              <a:t>(</a:t>
+            </a:r>
+            <a:r>
+              <a:rPr lang="ko-KR" altLang="en-US" b="1" dirty="0">
+                <a:effectLst/>
+              </a:rPr>
+              <a:t>수정</a:t>
+            </a:r>
+            <a:r>
+              <a:rPr lang="en-US" altLang="ko-KR" b="1" dirty="0">
+                <a:effectLst/>
+              </a:rPr>
+              <a:t>) </a:t>
+            </a:r>
+            <a:r>
+              <a:rPr lang="ko-KR" altLang="en-US" b="1" dirty="0">
+                <a:effectLst/>
+              </a:rPr>
+              <a:t>좌측 정렬</a:t>
+            </a:r>
+            <a:endParaRPr lang="en-US" altLang="ko-KR" b="1" dirty="0">
+              <a:effectLst/>
+            </a:endParaRPr>
           </a:p>
         </p:txBody>
       </p:sp>
@@ -5658,7 +5768,7 @@
           <a:lstStyle/>
           <a:p>
             <a:r>
-              <a:rPr lang="ko-KR" altLang="en-US" dirty="0"/>
+              <a:rPr lang="ko-KR" altLang="en-US"/>
               <a:t>클릭 </a:t>
             </a:r>
             <a:r>
@@ -6787,6 +6897,67 @@
           </a:p>
         </p:txBody>
       </p:sp>
+      <p:sp>
+        <p:nvSpPr>
+          <p:cNvPr id="18" name="TextBox 17">
+            <a:extLst>
+              <a:ext uri="{FF2B5EF4-FFF2-40B4-BE49-F238E27FC236}">
+                <a16:creationId xmlns:a16="http://schemas.microsoft.com/office/drawing/2014/main" id="{B47389DD-BA12-49B7-8E5D-CDB503DA9741}"/>
+              </a:ext>
+            </a:extLst>
+          </p:cNvPr>
+          <p:cNvSpPr txBox="1"/>
+          <p:nvPr/>
+        </p:nvSpPr>
+        <p:spPr>
+          <a:xfrm>
+            <a:off x="3671928" y="4621855"/>
+            <a:ext cx="2578078" cy="369332"/>
+          </a:xfrm>
+          <a:prstGeom prst="rect">
+            <a:avLst/>
+          </a:prstGeom>
+          <a:solidFill>
+            <a:srgbClr val="FFC000"/>
+          </a:solidFill>
+        </p:spPr>
+        <p:txBody>
+          <a:bodyPr wrap="none" rtlCol="0">
+            <a:spAutoFit/>
+          </a:bodyPr>
+          <a:lstStyle/>
+          <a:p>
+            <a:r>
+              <a:rPr lang="en-US" altLang="ko-KR" dirty="0" err="1">
+                <a:effectLst/>
+              </a:rPr>
+              <a:t>div:hover</a:t>
+            </a:r>
+            <a:r>
+              <a:rPr lang="ko-KR" altLang="en-US" dirty="0"/>
+              <a:t> </a:t>
+            </a:r>
+            <a:r>
+              <a:rPr lang="en-US" altLang="ko-KR" dirty="0"/>
+              <a:t>&gt;</a:t>
+            </a:r>
+            <a:r>
+              <a:rPr lang="ko-KR" altLang="en-US" dirty="0">
+                <a:effectLst/>
+              </a:rPr>
+              <a:t> </a:t>
+            </a:r>
+            <a:r>
+              <a:rPr lang="en-US" altLang="ko-KR" dirty="0"/>
+              <a:t>width</a:t>
+            </a:r>
+            <a:r>
+              <a:rPr lang="ko-KR" altLang="en-US" dirty="0"/>
+              <a:t> 확장</a:t>
+            </a:r>
+          </a:p>
+        </p:txBody>
+      </p:sp>
     </p:spTree>
     <p:extLst>
       <p:ext uri="{BB962C8B-B14F-4D97-AF65-F5344CB8AC3E}">
@@ -7133,6 +7304,79 @@
           </a:p>
         </p:txBody>
       </p:sp>
+      <p:sp>
+        <p:nvSpPr>
+          <p:cNvPr id="9" name="TextBox 8">
+            <a:extLst>
+              <a:ext uri="{FF2B5EF4-FFF2-40B4-BE49-F238E27FC236}">
+                <a16:creationId xmlns:a16="http://schemas.microsoft.com/office/drawing/2014/main" id="{FCC9768B-CCEF-4CC8-9AD2-E3DD2D568BE2}"/>
+              </a:ext>
+            </a:extLst>
+          </p:cNvPr>
+          <p:cNvSpPr txBox="1"/>
+          <p:nvPr/>
+        </p:nvSpPr>
+        <p:spPr>
+          <a:xfrm>
+            <a:off x="7193697" y="2426141"/>
+            <a:ext cx="3682418" cy="369332"/>
+          </a:xfrm>
+          <a:prstGeom prst="rect">
+            <a:avLst/>
+          </a:prstGeom>
+          <a:solidFill>
+            <a:srgbClr val="FFC000"/>
+          </a:solidFill>
+        </p:spPr>
+        <p:txBody>
+          <a:bodyPr wrap="none" rtlCol="0">
+            <a:spAutoFit/>
+          </a:bodyPr>
+          <a:lstStyle/>
+          <a:p>
+            <a:r>
+              <a:rPr lang="ko-KR" altLang="en-US" dirty="0"/>
+              <a:t>클릭 </a:t>
+            </a:r>
+            <a:r>
+              <a:rPr lang="en-US" altLang="ko-KR" dirty="0"/>
+              <a:t>&gt; </a:t>
+            </a:r>
+            <a:r>
+              <a:rPr lang="en-US" altLang="ko-KR" dirty="0">
+                <a:effectLst/>
+              </a:rPr>
+              <a:t>‘</a:t>
+            </a:r>
+            <a:r>
+              <a:rPr lang="ko-KR" altLang="en-US" dirty="0">
+                <a:effectLst/>
+              </a:rPr>
+              <a:t>사례</a:t>
+            </a:r>
+            <a:r>
+              <a:rPr lang="en-US" altLang="ko-KR" dirty="0">
+                <a:effectLst/>
+              </a:rPr>
+              <a:t>·</a:t>
+            </a:r>
+            <a:r>
+              <a:rPr lang="ko-KR" altLang="en-US" dirty="0">
+                <a:effectLst/>
+              </a:rPr>
+              <a:t>후기</a:t>
+            </a:r>
+            <a:r>
+              <a:rPr lang="en-US" altLang="ko-KR" dirty="0"/>
+              <a:t>’ </a:t>
+            </a:r>
+            <a:r>
+              <a:rPr lang="ko-KR" altLang="en-US" dirty="0"/>
+              <a:t>페이지로 이동</a:t>
+            </a:r>
+          </a:p>
+        </p:txBody>
+      </p:sp>
     </p:spTree>
     <p:extLst>
       <p:ext uri="{BB962C8B-B14F-4D97-AF65-F5344CB8AC3E}">
@@ -7532,7 +7776,7 @@
         <p:spPr>
           <a:xfrm>
             <a:off x="7663336" y="3932556"/>
-            <a:ext cx="1810047" cy="369332"/>
+            <a:ext cx="2353465" cy="369332"/>
           </a:xfrm>
           <a:prstGeom prst="rect">
             <a:avLst/>
@@ -7549,12 +7793,17 @@
           <a:p>
             <a:r>
               <a:rPr lang="en-US" altLang="ko-KR" dirty="0"/>
-              <a:t>span : </a:t>
-            </a:r>
-            <a:r>
-              <a:rPr lang="ko-KR" altLang="en-US" dirty="0"/>
-              <a:t>전화번호</a:t>
-            </a:r>
+              <a:t>span </a:t>
+            </a:r>
+            <a:r>
+              <a:rPr lang="en-US" altLang="ko-KR"/>
+              <a:t>: </a:t>
+            </a:r>
+            <a:r>
+              <a:rPr lang="ko-KR" altLang="en-US"/>
+              <a:t>전화번호 크게</a:t>
+            </a:r>
+            <a:endParaRPr lang="ko-KR" altLang="en-US" dirty="0"/>
           </a:p>
         </p:txBody>
       </p:sp>
@@ -7562,6 +7811,187 @@
     <p:extLst>
       <p:ext uri="{BB962C8B-B14F-4D97-AF65-F5344CB8AC3E}">
         <p14:creationId xmlns:p14="http://schemas.microsoft.com/office/powerpoint/2010/main" val="2921373938"/>
+      </p:ext>
+    </p:extLst>
+  </p:cSld>
+  <p:clrMapOvr>
+    <a:masterClrMapping/>
+  </p:clrMapOvr>
+</p:sld>
+</file>
+
+<file path=ppt/slides/slide9.xml><?xml version="1.0" encoding="utf-8"?>
+<p:sld xmlns:a="http://schemas.openxmlformats.org/drawingml/2006/main" xmlns:r="http://schemas.openxmlformats.org/officeDocument/2006/relationships" xmlns:p="http://schemas.openxmlformats.org/presentationml/2006/main">
+  <p:cSld>
+    <p:spTree>
+      <p:nvGrpSpPr>
+        <p:cNvPr id="1" name=""/>
+        <p:cNvGrpSpPr/>
+        <p:nvPr/>
+      </p:nvGrpSpPr>
+      <p:grpSpPr>
+        <a:xfrm>
+          <a:off x="0" y="0"/>
+          <a:ext cx="0" cy="0"/>
+          <a:chOff x="0" y="0"/>
+          <a:chExt cx="0" cy="0"/>
+        </a:xfrm>
+      </p:grpSpPr>
+      <p:sp>
+        <p:nvSpPr>
+          <p:cNvPr id="26" name="TextBox 25">
+            <a:extLst>
+              <a:ext uri="{FF2B5EF4-FFF2-40B4-BE49-F238E27FC236}">
+                <a16:creationId xmlns:a16="http://schemas.microsoft.com/office/drawing/2014/main" id="{78120F51-566B-4B15-B1D3-B763216263ED}"/>
+              </a:ext>
+            </a:extLst>
+          </p:cNvPr>
+          <p:cNvSpPr txBox="1"/>
+          <p:nvPr/>
+        </p:nvSpPr>
+        <p:spPr>
+          <a:xfrm>
+            <a:off x="10771418" y="0"/>
+            <a:ext cx="1420582" cy="369332"/>
+          </a:xfrm>
+          <a:prstGeom prst="rect">
+            <a:avLst/>
+          </a:prstGeom>
+          <a:solidFill>
+            <a:srgbClr val="FFFF00"/>
+          </a:solidFill>
+        </p:spPr>
+        <p:txBody>
+          <a:bodyPr wrap="none" rtlCol="0">
+            <a:spAutoFit/>
+          </a:bodyPr>
+          <a:lstStyle/>
+          <a:p>
+            <a:pPr algn="r"/>
+            <a:r>
+              <a:rPr lang="ko-KR" altLang="en-US" dirty="0">
+                <a:effectLst/>
+              </a:rPr>
+              <a:t>로고 이미지</a:t>
+            </a:r>
+            <a:endParaRPr lang="en-US" altLang="ko-KR" dirty="0">
+              <a:effectLst/>
+            </a:endParaRPr>
+          </a:p>
+        </p:txBody>
+      </p:sp>
+      <p:pic>
+        <p:nvPicPr>
+          <p:cNvPr id="3" name="그림 2">
+            <a:extLst>
+              <a:ext uri="{FF2B5EF4-FFF2-40B4-BE49-F238E27FC236}">
+                <a16:creationId xmlns:a16="http://schemas.microsoft.com/office/drawing/2014/main" id="{EBECA62B-95AD-4D6C-9F72-B01E9D647BED}"/>
+              </a:ext>
+            </a:extLst>
+          </p:cNvPr>
+          <p:cNvPicPr>
+            <a:picLocks noChangeAspect="1"/>
+          </p:cNvPicPr>
+          <p:nvPr/>
+        </p:nvPicPr>
+        <p:blipFill>
+          <a:blip r:embed="rId2"/>
+          <a:stretch>
+            <a:fillRect/>
+          </a:stretch>
+        </p:blipFill>
+        <p:spPr>
+          <a:xfrm>
+            <a:off x="3340609" y="1018830"/>
+            <a:ext cx="3600000" cy="4820339"/>
+          </a:xfrm>
+          <a:prstGeom prst="rect">
+            <a:avLst/>
+          </a:prstGeom>
+        </p:spPr>
+      </p:pic>
+      <p:sp>
+        <p:nvSpPr>
+          <p:cNvPr id="24" name="TextBox 23">
+            <a:extLst>
+              <a:ext uri="{FF2B5EF4-FFF2-40B4-BE49-F238E27FC236}">
+                <a16:creationId xmlns:a16="http://schemas.microsoft.com/office/drawing/2014/main" id="{1074B669-EB79-490D-A564-46053BCE654B}"/>
+              </a:ext>
+            </a:extLst>
+          </p:cNvPr>
+          <p:cNvSpPr txBox="1"/>
+          <p:nvPr/>
+        </p:nvSpPr>
+        <p:spPr>
+          <a:xfrm>
+            <a:off x="6258750" y="1606060"/>
+            <a:ext cx="2712602" cy="923330"/>
+          </a:xfrm>
+          <a:prstGeom prst="rect">
+            <a:avLst/>
+          </a:prstGeom>
+          <a:solidFill>
+            <a:srgbClr val="FFC000"/>
+          </a:solidFill>
+        </p:spPr>
+        <p:txBody>
+          <a:bodyPr wrap="none" rtlCol="0">
+            <a:spAutoFit/>
+          </a:bodyPr>
+          <a:lstStyle/>
+          <a:p>
+            <a:r>
+              <a:rPr lang="ko-KR" altLang="en-US" dirty="0"/>
+              <a:t>햄버거버튼</a:t>
+            </a:r>
+            <a:endParaRPr lang="en-US" altLang="ko-KR" dirty="0"/>
+          </a:p>
+          <a:p>
+            <a:pPr marL="285750" indent="-285750">
+              <a:buFontTx/>
+              <a:buChar char="-"/>
+            </a:pPr>
+            <a:r>
+              <a:rPr lang="en-US" altLang="ko-KR" dirty="0" err="1"/>
+              <a:t>div.btn</a:t>
+            </a:r>
+            <a:r>
+              <a:rPr lang="en-US" altLang="ko-KR" dirty="0"/>
+              <a:t>-nav &gt; </a:t>
+            </a:r>
+            <a:r>
+              <a:rPr lang="en-US" altLang="ko-KR" dirty="0" err="1"/>
+              <a:t>i</a:t>
+            </a:r>
+            <a:endParaRPr lang="en-US" altLang="ko-KR" dirty="0"/>
+          </a:p>
+          <a:p>
+            <a:pPr marL="285750" indent="-285750">
+              <a:buFontTx/>
+              <a:buChar char="-"/>
+            </a:pPr>
+            <a:r>
+              <a:rPr lang="ko-KR" altLang="en-US" dirty="0"/>
+              <a:t>클릭 </a:t>
+            </a:r>
+            <a:r>
+              <a:rPr lang="en-US" altLang="ko-KR" dirty="0"/>
+              <a:t>&gt; nav </a:t>
+            </a:r>
+            <a:r>
+              <a:rPr lang="ko-KR" altLang="en-US" dirty="0"/>
+              <a:t>영역 등장</a:t>
+            </a:r>
+            <a:endParaRPr lang="en-US" altLang="ko-KR" dirty="0">
+              <a:effectLst/>
+            </a:endParaRPr>
+          </a:p>
+        </p:txBody>
+      </p:sp>
+    </p:spTree>
+    <p:extLst>
+      <p:ext uri="{BB962C8B-B14F-4D97-AF65-F5344CB8AC3E}">
+        <p14:creationId xmlns:p14="http://schemas.microsoft.com/office/powerpoint/2010/main" val="3893693923"/>
       </p:ext>
     </p:extLst>
   </p:cSld>

--- a/[참고] lawfirm/(노트) lawfirm.pptx
+++ b/[참고] lawfirm/(노트) lawfirm.pptx
@@ -13,7 +13,9 @@
     <p:sldId id="261" r:id="rId7"/>
     <p:sldId id="262" r:id="rId8"/>
     <p:sldId id="263" r:id="rId9"/>
-    <p:sldId id="266" r:id="rId10"/>
+    <p:sldId id="267" r:id="rId10"/>
+    <p:sldId id="266" r:id="rId11"/>
+    <p:sldId id="268" r:id="rId12"/>
   </p:sldIdLst>
   <p:sldSz cx="12192000" cy="6858000"/>
   <p:notesSz cx="6858000" cy="9144000"/>
@@ -129,11 +131,13 @@
             <p14:sldId id="261"/>
             <p14:sldId id="262"/>
             <p14:sldId id="263"/>
+            <p14:sldId id="267"/>
           </p14:sldIdLst>
         </p14:section>
         <p14:section name="반응형" id="{3CF52938-8629-44D0-A68D-CECA86E0DB13}">
           <p14:sldIdLst>
             <p14:sldId id="266"/>
+            <p14:sldId id="268"/>
           </p14:sldIdLst>
         </p14:section>
       </p14:sectionLst>
@@ -292,7 +296,7 @@
           <a:p>
             <a:fld id="{4D217293-0FE5-4C44-B6CF-2C7B9F2C9204}" type="datetimeFigureOut">
               <a:rPr lang="ko-KR" altLang="en-US" smtClean="0"/>
-              <a:t>2022-01-10</a:t>
+              <a:t>2022-01-14</a:t>
             </a:fld>
             <a:endParaRPr lang="ko-KR" altLang="en-US"/>
           </a:p>
@@ -490,7 +494,7 @@
           <a:p>
             <a:fld id="{4D217293-0FE5-4C44-B6CF-2C7B9F2C9204}" type="datetimeFigureOut">
               <a:rPr lang="ko-KR" altLang="en-US" smtClean="0"/>
-              <a:t>2022-01-10</a:t>
+              <a:t>2022-01-14</a:t>
             </a:fld>
             <a:endParaRPr lang="ko-KR" altLang="en-US"/>
           </a:p>
@@ -698,7 +702,7 @@
           <a:p>
             <a:fld id="{4D217293-0FE5-4C44-B6CF-2C7B9F2C9204}" type="datetimeFigureOut">
               <a:rPr lang="ko-KR" altLang="en-US" smtClean="0"/>
-              <a:t>2022-01-10</a:t>
+              <a:t>2022-01-14</a:t>
             </a:fld>
             <a:endParaRPr lang="ko-KR" altLang="en-US"/>
           </a:p>
@@ -896,7 +900,7 @@
           <a:p>
             <a:fld id="{4D217293-0FE5-4C44-B6CF-2C7B9F2C9204}" type="datetimeFigureOut">
               <a:rPr lang="ko-KR" altLang="en-US" smtClean="0"/>
-              <a:t>2022-01-10</a:t>
+              <a:t>2022-01-14</a:t>
             </a:fld>
             <a:endParaRPr lang="ko-KR" altLang="en-US"/>
           </a:p>
@@ -1171,7 +1175,7 @@
           <a:p>
             <a:fld id="{4D217293-0FE5-4C44-B6CF-2C7B9F2C9204}" type="datetimeFigureOut">
               <a:rPr lang="ko-KR" altLang="en-US" smtClean="0"/>
-              <a:t>2022-01-10</a:t>
+              <a:t>2022-01-14</a:t>
             </a:fld>
             <a:endParaRPr lang="ko-KR" altLang="en-US"/>
           </a:p>
@@ -1436,7 +1440,7 @@
           <a:p>
             <a:fld id="{4D217293-0FE5-4C44-B6CF-2C7B9F2C9204}" type="datetimeFigureOut">
               <a:rPr lang="ko-KR" altLang="en-US" smtClean="0"/>
-              <a:t>2022-01-10</a:t>
+              <a:t>2022-01-14</a:t>
             </a:fld>
             <a:endParaRPr lang="ko-KR" altLang="en-US"/>
           </a:p>
@@ -1848,7 +1852,7 @@
           <a:p>
             <a:fld id="{4D217293-0FE5-4C44-B6CF-2C7B9F2C9204}" type="datetimeFigureOut">
               <a:rPr lang="ko-KR" altLang="en-US" smtClean="0"/>
-              <a:t>2022-01-10</a:t>
+              <a:t>2022-01-14</a:t>
             </a:fld>
             <a:endParaRPr lang="ko-KR" altLang="en-US"/>
           </a:p>
@@ -1989,7 +1993,7 @@
           <a:p>
             <a:fld id="{4D217293-0FE5-4C44-B6CF-2C7B9F2C9204}" type="datetimeFigureOut">
               <a:rPr lang="ko-KR" altLang="en-US" smtClean="0"/>
-              <a:t>2022-01-10</a:t>
+              <a:t>2022-01-14</a:t>
             </a:fld>
             <a:endParaRPr lang="ko-KR" altLang="en-US"/>
           </a:p>
@@ -2102,7 +2106,7 @@
           <a:p>
             <a:fld id="{4D217293-0FE5-4C44-B6CF-2C7B9F2C9204}" type="datetimeFigureOut">
               <a:rPr lang="ko-KR" altLang="en-US" smtClean="0"/>
-              <a:t>2022-01-10</a:t>
+              <a:t>2022-01-14</a:t>
             </a:fld>
             <a:endParaRPr lang="ko-KR" altLang="en-US"/>
           </a:p>
@@ -2413,7 +2417,7 @@
           <a:p>
             <a:fld id="{4D217293-0FE5-4C44-B6CF-2C7B9F2C9204}" type="datetimeFigureOut">
               <a:rPr lang="ko-KR" altLang="en-US" smtClean="0"/>
-              <a:t>2022-01-10</a:t>
+              <a:t>2022-01-14</a:t>
             </a:fld>
             <a:endParaRPr lang="ko-KR" altLang="en-US"/>
           </a:p>
@@ -2701,7 +2705,7 @@
           <a:p>
             <a:fld id="{4D217293-0FE5-4C44-B6CF-2C7B9F2C9204}" type="datetimeFigureOut">
               <a:rPr lang="ko-KR" altLang="en-US" smtClean="0"/>
-              <a:t>2022-01-10</a:t>
+              <a:t>2022-01-14</a:t>
             </a:fld>
             <a:endParaRPr lang="ko-KR" altLang="en-US"/>
           </a:p>
@@ -2942,7 +2946,7 @@
           <a:p>
             <a:fld id="{4D217293-0FE5-4C44-B6CF-2C7B9F2C9204}" type="datetimeFigureOut">
               <a:rPr lang="ko-KR" altLang="en-US" smtClean="0"/>
-              <a:t>2022-01-10</a:t>
+              <a:t>2022-01-14</a:t>
             </a:fld>
             <a:endParaRPr lang="ko-KR" altLang="en-US"/>
           </a:p>
@@ -3753,6 +3757,910 @@
 </p:sld>
 </file>
 
+<file path=ppt/slides/slide10.xml><?xml version="1.0" encoding="utf-8"?>
+<p:sld xmlns:a="http://schemas.openxmlformats.org/drawingml/2006/main" xmlns:r="http://schemas.openxmlformats.org/officeDocument/2006/relationships" xmlns:p="http://schemas.openxmlformats.org/presentationml/2006/main">
+  <p:cSld>
+    <p:spTree>
+      <p:nvGrpSpPr>
+        <p:cNvPr id="1" name=""/>
+        <p:cNvGrpSpPr/>
+        <p:nvPr/>
+      </p:nvGrpSpPr>
+      <p:grpSpPr>
+        <a:xfrm>
+          <a:off x="0" y="0"/>
+          <a:ext cx="0" cy="0"/>
+          <a:chOff x="0" y="0"/>
+          <a:chExt cx="0" cy="0"/>
+        </a:xfrm>
+      </p:grpSpPr>
+      <p:sp>
+        <p:nvSpPr>
+          <p:cNvPr id="26" name="TextBox 25">
+            <a:extLst>
+              <a:ext uri="{FF2B5EF4-FFF2-40B4-BE49-F238E27FC236}">
+                <a16:creationId xmlns:a16="http://schemas.microsoft.com/office/drawing/2014/main" id="{78120F51-566B-4B15-B1D3-B763216263ED}"/>
+              </a:ext>
+            </a:extLst>
+          </p:cNvPr>
+          <p:cNvSpPr txBox="1"/>
+          <p:nvPr/>
+        </p:nvSpPr>
+        <p:spPr>
+          <a:xfrm>
+            <a:off x="10771418" y="0"/>
+            <a:ext cx="1420582" cy="369332"/>
+          </a:xfrm>
+          <a:prstGeom prst="rect">
+            <a:avLst/>
+          </a:prstGeom>
+          <a:solidFill>
+            <a:srgbClr val="FFFF00"/>
+          </a:solidFill>
+        </p:spPr>
+        <p:txBody>
+          <a:bodyPr wrap="none" rtlCol="0">
+            <a:spAutoFit/>
+          </a:bodyPr>
+          <a:lstStyle/>
+          <a:p>
+            <a:pPr algn="r"/>
+            <a:r>
+              <a:rPr lang="ko-KR" altLang="en-US" dirty="0">
+                <a:effectLst/>
+              </a:rPr>
+              <a:t>로고 이미지</a:t>
+            </a:r>
+            <a:endParaRPr lang="en-US" altLang="ko-KR" dirty="0">
+              <a:effectLst/>
+            </a:endParaRPr>
+          </a:p>
+        </p:txBody>
+      </p:sp>
+      <p:pic>
+        <p:nvPicPr>
+          <p:cNvPr id="3" name="그림 2">
+            <a:extLst>
+              <a:ext uri="{FF2B5EF4-FFF2-40B4-BE49-F238E27FC236}">
+                <a16:creationId xmlns:a16="http://schemas.microsoft.com/office/drawing/2014/main" id="{EBECA62B-95AD-4D6C-9F72-B01E9D647BED}"/>
+              </a:ext>
+            </a:extLst>
+          </p:cNvPr>
+          <p:cNvPicPr>
+            <a:picLocks noChangeAspect="1"/>
+          </p:cNvPicPr>
+          <p:nvPr/>
+        </p:nvPicPr>
+        <p:blipFill>
+          <a:blip r:embed="rId2"/>
+          <a:stretch>
+            <a:fillRect/>
+          </a:stretch>
+        </p:blipFill>
+        <p:spPr>
+          <a:xfrm>
+            <a:off x="3340609" y="1018830"/>
+            <a:ext cx="3600000" cy="4820339"/>
+          </a:xfrm>
+          <a:prstGeom prst="rect">
+            <a:avLst/>
+          </a:prstGeom>
+        </p:spPr>
+      </p:pic>
+      <p:sp>
+        <p:nvSpPr>
+          <p:cNvPr id="24" name="TextBox 23">
+            <a:extLst>
+              <a:ext uri="{FF2B5EF4-FFF2-40B4-BE49-F238E27FC236}">
+                <a16:creationId xmlns:a16="http://schemas.microsoft.com/office/drawing/2014/main" id="{1074B669-EB79-490D-A564-46053BCE654B}"/>
+              </a:ext>
+            </a:extLst>
+          </p:cNvPr>
+          <p:cNvSpPr txBox="1"/>
+          <p:nvPr/>
+        </p:nvSpPr>
+        <p:spPr>
+          <a:xfrm>
+            <a:off x="6258750" y="1606060"/>
+            <a:ext cx="2712602" cy="923330"/>
+          </a:xfrm>
+          <a:prstGeom prst="rect">
+            <a:avLst/>
+          </a:prstGeom>
+          <a:solidFill>
+            <a:srgbClr val="FFC000"/>
+          </a:solidFill>
+        </p:spPr>
+        <p:txBody>
+          <a:bodyPr wrap="none" rtlCol="0">
+            <a:spAutoFit/>
+          </a:bodyPr>
+          <a:lstStyle/>
+          <a:p>
+            <a:r>
+              <a:rPr lang="ko-KR" altLang="en-US" dirty="0"/>
+              <a:t>햄버거버튼</a:t>
+            </a:r>
+            <a:endParaRPr lang="en-US" altLang="ko-KR" dirty="0"/>
+          </a:p>
+          <a:p>
+            <a:pPr marL="285750" indent="-285750">
+              <a:buFontTx/>
+              <a:buChar char="-"/>
+            </a:pPr>
+            <a:r>
+              <a:rPr lang="en-US" altLang="ko-KR" dirty="0" err="1"/>
+              <a:t>div.btn</a:t>
+            </a:r>
+            <a:r>
+              <a:rPr lang="en-US" altLang="ko-KR" dirty="0"/>
+              <a:t>-nav &gt; </a:t>
+            </a:r>
+            <a:r>
+              <a:rPr lang="en-US" altLang="ko-KR" dirty="0" err="1"/>
+              <a:t>i</a:t>
+            </a:r>
+            <a:endParaRPr lang="en-US" altLang="ko-KR" dirty="0"/>
+          </a:p>
+          <a:p>
+            <a:pPr marL="285750" indent="-285750">
+              <a:buFontTx/>
+              <a:buChar char="-"/>
+            </a:pPr>
+            <a:r>
+              <a:rPr lang="ko-KR" altLang="en-US" dirty="0"/>
+              <a:t>클릭 </a:t>
+            </a:r>
+            <a:r>
+              <a:rPr lang="en-US" altLang="ko-KR" dirty="0"/>
+              <a:t>&gt; nav </a:t>
+            </a:r>
+            <a:r>
+              <a:rPr lang="ko-KR" altLang="en-US" dirty="0"/>
+              <a:t>영역 등장</a:t>
+            </a:r>
+            <a:endParaRPr lang="en-US" altLang="ko-KR" dirty="0">
+              <a:effectLst/>
+            </a:endParaRPr>
+          </a:p>
+        </p:txBody>
+      </p:sp>
+      <p:sp>
+        <p:nvSpPr>
+          <p:cNvPr id="6" name="직사각형 5">
+            <a:extLst>
+              <a:ext uri="{FF2B5EF4-FFF2-40B4-BE49-F238E27FC236}">
+                <a16:creationId xmlns:a16="http://schemas.microsoft.com/office/drawing/2014/main" id="{934937AB-46A6-4D2C-9560-2DCD993C970F}"/>
+              </a:ext>
+            </a:extLst>
+          </p:cNvPr>
+          <p:cNvSpPr/>
+          <p:nvPr/>
+        </p:nvSpPr>
+        <p:spPr>
+          <a:xfrm>
+            <a:off x="3340610" y="5251939"/>
+            <a:ext cx="3600000" cy="587229"/>
+          </a:xfrm>
+          <a:prstGeom prst="rect">
+            <a:avLst/>
+          </a:prstGeom>
+          <a:noFill/>
+          <a:ln w="38100">
+            <a:solidFill>
+              <a:srgbClr val="FF0000"/>
+            </a:solidFill>
+          </a:ln>
+        </p:spPr>
+        <p:style>
+          <a:lnRef idx="2">
+            <a:schemeClr val="accent1">
+              <a:shade val="50000"/>
+            </a:schemeClr>
+          </a:lnRef>
+          <a:fillRef idx="1">
+            <a:schemeClr val="accent1"/>
+          </a:fillRef>
+          <a:effectRef idx="0">
+            <a:schemeClr val="accent1"/>
+          </a:effectRef>
+          <a:fontRef idx="minor">
+            <a:schemeClr val="lt1"/>
+          </a:fontRef>
+        </p:style>
+        <p:txBody>
+          <a:bodyPr rtlCol="0" anchor="ctr"/>
+          <a:lstStyle/>
+          <a:p>
+            <a:pPr algn="ctr"/>
+            <a:endParaRPr lang="ko-KR" altLang="en-US" dirty="0"/>
+          </a:p>
+        </p:txBody>
+      </p:sp>
+      <p:sp>
+        <p:nvSpPr>
+          <p:cNvPr id="7" name="직사각형 6">
+            <a:extLst>
+              <a:ext uri="{FF2B5EF4-FFF2-40B4-BE49-F238E27FC236}">
+                <a16:creationId xmlns:a16="http://schemas.microsoft.com/office/drawing/2014/main" id="{04FD5183-DE7A-45B9-81CE-C8743AF1A259}"/>
+              </a:ext>
+            </a:extLst>
+          </p:cNvPr>
+          <p:cNvSpPr/>
+          <p:nvPr/>
+        </p:nvSpPr>
+        <p:spPr>
+          <a:xfrm>
+            <a:off x="3413550" y="5318304"/>
+            <a:ext cx="813253" cy="442415"/>
+          </a:xfrm>
+          <a:prstGeom prst="rect">
+            <a:avLst/>
+          </a:prstGeom>
+          <a:solidFill>
+            <a:srgbClr val="555555"/>
+          </a:solidFill>
+          <a:ln w="38100">
+            <a:solidFill>
+              <a:srgbClr val="FFFF00"/>
+            </a:solidFill>
+          </a:ln>
+        </p:spPr>
+        <p:style>
+          <a:lnRef idx="2">
+            <a:schemeClr val="accent1">
+              <a:shade val="50000"/>
+            </a:schemeClr>
+          </a:lnRef>
+          <a:fillRef idx="1">
+            <a:schemeClr val="accent1"/>
+          </a:fillRef>
+          <a:effectRef idx="0">
+            <a:schemeClr val="accent1"/>
+          </a:effectRef>
+          <a:fontRef idx="minor">
+            <a:schemeClr val="lt1"/>
+          </a:fontRef>
+        </p:style>
+        <p:txBody>
+          <a:bodyPr rtlCol="0" anchor="ctr"/>
+          <a:lstStyle/>
+          <a:p>
+            <a:pPr algn="ctr"/>
+            <a:endParaRPr lang="ko-KR" altLang="en-US" dirty="0"/>
+          </a:p>
+        </p:txBody>
+      </p:sp>
+      <p:sp>
+        <p:nvSpPr>
+          <p:cNvPr id="8" name="직사각형 7">
+            <a:extLst>
+              <a:ext uri="{FF2B5EF4-FFF2-40B4-BE49-F238E27FC236}">
+                <a16:creationId xmlns:a16="http://schemas.microsoft.com/office/drawing/2014/main" id="{911C0A4D-5591-4B24-A514-4733BC0217CB}"/>
+              </a:ext>
+            </a:extLst>
+          </p:cNvPr>
+          <p:cNvSpPr/>
+          <p:nvPr/>
+        </p:nvSpPr>
+        <p:spPr>
+          <a:xfrm>
+            <a:off x="4292204" y="5318304"/>
+            <a:ext cx="813253" cy="442415"/>
+          </a:xfrm>
+          <a:prstGeom prst="rect">
+            <a:avLst/>
+          </a:prstGeom>
+          <a:solidFill>
+            <a:srgbClr val="555555"/>
+          </a:solidFill>
+          <a:ln w="38100">
+            <a:solidFill>
+              <a:srgbClr val="FFFF00"/>
+            </a:solidFill>
+          </a:ln>
+        </p:spPr>
+        <p:style>
+          <a:lnRef idx="2">
+            <a:schemeClr val="accent1">
+              <a:shade val="50000"/>
+            </a:schemeClr>
+          </a:lnRef>
+          <a:fillRef idx="1">
+            <a:schemeClr val="accent1"/>
+          </a:fillRef>
+          <a:effectRef idx="0">
+            <a:schemeClr val="accent1"/>
+          </a:effectRef>
+          <a:fontRef idx="minor">
+            <a:schemeClr val="lt1"/>
+          </a:fontRef>
+        </p:style>
+        <p:txBody>
+          <a:bodyPr rtlCol="0" anchor="ctr"/>
+          <a:lstStyle/>
+          <a:p>
+            <a:pPr algn="ctr"/>
+            <a:endParaRPr lang="ko-KR" altLang="en-US" dirty="0"/>
+          </a:p>
+        </p:txBody>
+      </p:sp>
+      <p:sp>
+        <p:nvSpPr>
+          <p:cNvPr id="11" name="직사각형 10">
+            <a:extLst>
+              <a:ext uri="{FF2B5EF4-FFF2-40B4-BE49-F238E27FC236}">
+                <a16:creationId xmlns:a16="http://schemas.microsoft.com/office/drawing/2014/main" id="{8899F2F4-1C10-455F-8421-695EDD4AEC4D}"/>
+              </a:ext>
+            </a:extLst>
+          </p:cNvPr>
+          <p:cNvSpPr/>
+          <p:nvPr/>
+        </p:nvSpPr>
+        <p:spPr>
+          <a:xfrm>
+            <a:off x="5170857" y="5318304"/>
+            <a:ext cx="813253" cy="442415"/>
+          </a:xfrm>
+          <a:prstGeom prst="rect">
+            <a:avLst/>
+          </a:prstGeom>
+          <a:solidFill>
+            <a:srgbClr val="555555"/>
+          </a:solidFill>
+          <a:ln w="38100">
+            <a:solidFill>
+              <a:srgbClr val="FFFF00"/>
+            </a:solidFill>
+          </a:ln>
+        </p:spPr>
+        <p:style>
+          <a:lnRef idx="2">
+            <a:schemeClr val="accent1">
+              <a:shade val="50000"/>
+            </a:schemeClr>
+          </a:lnRef>
+          <a:fillRef idx="1">
+            <a:schemeClr val="accent1"/>
+          </a:fillRef>
+          <a:effectRef idx="0">
+            <a:schemeClr val="accent1"/>
+          </a:effectRef>
+          <a:fontRef idx="minor">
+            <a:schemeClr val="lt1"/>
+          </a:fontRef>
+        </p:style>
+        <p:txBody>
+          <a:bodyPr rtlCol="0" anchor="ctr"/>
+          <a:lstStyle/>
+          <a:p>
+            <a:pPr algn="ctr"/>
+            <a:endParaRPr lang="ko-KR" altLang="en-US" dirty="0"/>
+          </a:p>
+        </p:txBody>
+      </p:sp>
+      <p:sp>
+        <p:nvSpPr>
+          <p:cNvPr id="12" name="직사각형 11">
+            <a:extLst>
+              <a:ext uri="{FF2B5EF4-FFF2-40B4-BE49-F238E27FC236}">
+                <a16:creationId xmlns:a16="http://schemas.microsoft.com/office/drawing/2014/main" id="{66400D56-BBD3-4C77-965B-E57FB1D70525}"/>
+              </a:ext>
+            </a:extLst>
+          </p:cNvPr>
+          <p:cNvSpPr/>
+          <p:nvPr/>
+        </p:nvSpPr>
+        <p:spPr>
+          <a:xfrm>
+            <a:off x="6049511" y="5318304"/>
+            <a:ext cx="813253" cy="442415"/>
+          </a:xfrm>
+          <a:prstGeom prst="rect">
+            <a:avLst/>
+          </a:prstGeom>
+          <a:solidFill>
+            <a:srgbClr val="555555"/>
+          </a:solidFill>
+          <a:ln w="38100">
+            <a:solidFill>
+              <a:srgbClr val="FFFF00"/>
+            </a:solidFill>
+          </a:ln>
+        </p:spPr>
+        <p:style>
+          <a:lnRef idx="2">
+            <a:schemeClr val="accent1">
+              <a:shade val="50000"/>
+            </a:schemeClr>
+          </a:lnRef>
+          <a:fillRef idx="1">
+            <a:schemeClr val="accent1"/>
+          </a:fillRef>
+          <a:effectRef idx="0">
+            <a:schemeClr val="accent1"/>
+          </a:effectRef>
+          <a:fontRef idx="minor">
+            <a:schemeClr val="lt1"/>
+          </a:fontRef>
+        </p:style>
+        <p:txBody>
+          <a:bodyPr rtlCol="0" anchor="ctr"/>
+          <a:lstStyle/>
+          <a:p>
+            <a:pPr algn="ctr"/>
+            <a:endParaRPr lang="ko-KR" altLang="en-US" dirty="0"/>
+          </a:p>
+        </p:txBody>
+      </p:sp>
+      <p:sp>
+        <p:nvSpPr>
+          <p:cNvPr id="14" name="TextBox 13">
+            <a:extLst>
+              <a:ext uri="{FF2B5EF4-FFF2-40B4-BE49-F238E27FC236}">
+                <a16:creationId xmlns:a16="http://schemas.microsoft.com/office/drawing/2014/main" id="{5DA35684-5CCC-46E0-9FFA-C4D39C53BE59}"/>
+              </a:ext>
+            </a:extLst>
+          </p:cNvPr>
+          <p:cNvSpPr txBox="1"/>
+          <p:nvPr/>
+        </p:nvSpPr>
+        <p:spPr>
+          <a:xfrm>
+            <a:off x="7013549" y="5251939"/>
+            <a:ext cx="3262432" cy="923330"/>
+          </a:xfrm>
+          <a:prstGeom prst="rect">
+            <a:avLst/>
+          </a:prstGeom>
+          <a:solidFill>
+            <a:srgbClr val="FFC000"/>
+          </a:solidFill>
+        </p:spPr>
+        <p:txBody>
+          <a:bodyPr wrap="none" rtlCol="0">
+            <a:spAutoFit/>
+          </a:bodyPr>
+          <a:lstStyle/>
+          <a:p>
+            <a:r>
+              <a:rPr lang="ko-KR" altLang="en-US" dirty="0">
+                <a:effectLst/>
+              </a:rPr>
+              <a:t>하단 고정 </a:t>
+            </a:r>
+            <a:r>
+              <a:rPr lang="ko-KR" altLang="en-US" dirty="0" err="1">
+                <a:effectLst/>
+              </a:rPr>
+              <a:t>메뉴바</a:t>
+            </a:r>
+            <a:endParaRPr lang="en-US" altLang="ko-KR" dirty="0"/>
+          </a:p>
+          <a:p>
+            <a:pPr marL="285750" indent="-285750">
+              <a:buFontTx/>
+              <a:buChar char="-"/>
+            </a:pPr>
+            <a:r>
+              <a:rPr lang="ko-KR" altLang="en-US" dirty="0"/>
+              <a:t>전화</a:t>
+            </a:r>
+            <a:r>
+              <a:rPr lang="en-US" altLang="ko-KR" dirty="0"/>
+              <a:t>, </a:t>
+            </a:r>
+            <a:r>
+              <a:rPr lang="ko-KR" altLang="en-US" dirty="0"/>
+              <a:t>카톡</a:t>
+            </a:r>
+            <a:r>
+              <a:rPr lang="en-US" altLang="ko-KR" dirty="0"/>
+              <a:t>, </a:t>
+            </a:r>
+            <a:r>
+              <a:rPr lang="ko-KR" altLang="en-US" dirty="0"/>
+              <a:t>지도</a:t>
+            </a:r>
+            <a:r>
+              <a:rPr lang="en-US" altLang="ko-KR" dirty="0"/>
+              <a:t>, </a:t>
+            </a:r>
+            <a:r>
+              <a:rPr lang="ko-KR" altLang="en-US" dirty="0"/>
+              <a:t>업무 링크</a:t>
+            </a:r>
+            <a:endParaRPr lang="en-US" altLang="ko-KR" dirty="0"/>
+          </a:p>
+          <a:p>
+            <a:pPr marL="285750" indent="-285750">
+              <a:buFontTx/>
+              <a:buChar char="-"/>
+            </a:pPr>
+            <a:r>
+              <a:rPr lang="ko-KR" altLang="en-US" dirty="0"/>
+              <a:t>앵커</a:t>
+            </a:r>
+            <a:r>
+              <a:rPr lang="en-US" altLang="ko-KR" dirty="0"/>
+              <a:t> </a:t>
+            </a:r>
+            <a:r>
+              <a:rPr lang="ko-KR" altLang="en-US" dirty="0"/>
+              <a:t>태그 활용</a:t>
+            </a:r>
+            <a:endParaRPr lang="en-US" altLang="ko-KR" dirty="0"/>
+          </a:p>
+        </p:txBody>
+      </p:sp>
+    </p:spTree>
+    <p:extLst>
+      <p:ext uri="{BB962C8B-B14F-4D97-AF65-F5344CB8AC3E}">
+        <p14:creationId xmlns:p14="http://schemas.microsoft.com/office/powerpoint/2010/main" val="3893693923"/>
+      </p:ext>
+    </p:extLst>
+  </p:cSld>
+  <p:clrMapOvr>
+    <a:masterClrMapping/>
+  </p:clrMapOvr>
+</p:sld>
+</file>
+
+<file path=ppt/slides/slide11.xml><?xml version="1.0" encoding="utf-8"?>
+<p:sld xmlns:a="http://schemas.openxmlformats.org/drawingml/2006/main" xmlns:r="http://schemas.openxmlformats.org/officeDocument/2006/relationships" xmlns:p="http://schemas.openxmlformats.org/presentationml/2006/main">
+  <p:cSld>
+    <p:spTree>
+      <p:nvGrpSpPr>
+        <p:cNvPr id="1" name=""/>
+        <p:cNvGrpSpPr/>
+        <p:nvPr/>
+      </p:nvGrpSpPr>
+      <p:grpSpPr>
+        <a:xfrm>
+          <a:off x="0" y="0"/>
+          <a:ext cx="0" cy="0"/>
+          <a:chOff x="0" y="0"/>
+          <a:chExt cx="0" cy="0"/>
+        </a:xfrm>
+      </p:grpSpPr>
+      <p:pic>
+        <p:nvPicPr>
+          <p:cNvPr id="4" name="그림 3">
+            <a:extLst>
+              <a:ext uri="{FF2B5EF4-FFF2-40B4-BE49-F238E27FC236}">
+                <a16:creationId xmlns:a16="http://schemas.microsoft.com/office/drawing/2014/main" id="{7842EC47-AD2B-4640-ACAD-6842D0DC943E}"/>
+              </a:ext>
+            </a:extLst>
+          </p:cNvPr>
+          <p:cNvPicPr>
+            <a:picLocks noChangeAspect="1"/>
+          </p:cNvPicPr>
+          <p:nvPr/>
+        </p:nvPicPr>
+        <p:blipFill>
+          <a:blip r:embed="rId2"/>
+          <a:stretch>
+            <a:fillRect/>
+          </a:stretch>
+        </p:blipFill>
+        <p:spPr>
+          <a:xfrm>
+            <a:off x="3340610" y="781264"/>
+            <a:ext cx="3600000" cy="5057904"/>
+          </a:xfrm>
+          <a:prstGeom prst="rect">
+            <a:avLst/>
+          </a:prstGeom>
+        </p:spPr>
+      </p:pic>
+      <p:sp>
+        <p:nvSpPr>
+          <p:cNvPr id="26" name="TextBox 25">
+            <a:extLst>
+              <a:ext uri="{FF2B5EF4-FFF2-40B4-BE49-F238E27FC236}">
+                <a16:creationId xmlns:a16="http://schemas.microsoft.com/office/drawing/2014/main" id="{78120F51-566B-4B15-B1D3-B763216263ED}"/>
+              </a:ext>
+            </a:extLst>
+          </p:cNvPr>
+          <p:cNvSpPr txBox="1"/>
+          <p:nvPr/>
+        </p:nvSpPr>
+        <p:spPr>
+          <a:xfrm>
+            <a:off x="10771418" y="0"/>
+            <a:ext cx="1420582" cy="369332"/>
+          </a:xfrm>
+          <a:prstGeom prst="rect">
+            <a:avLst/>
+          </a:prstGeom>
+          <a:solidFill>
+            <a:srgbClr val="FFFF00"/>
+          </a:solidFill>
+        </p:spPr>
+        <p:txBody>
+          <a:bodyPr wrap="none" rtlCol="0">
+            <a:spAutoFit/>
+          </a:bodyPr>
+          <a:lstStyle/>
+          <a:p>
+            <a:pPr algn="r"/>
+            <a:r>
+              <a:rPr lang="ko-KR" altLang="en-US" dirty="0">
+                <a:effectLst/>
+              </a:rPr>
+              <a:t>로고 이미지</a:t>
+            </a:r>
+            <a:endParaRPr lang="en-US" altLang="ko-KR" dirty="0">
+              <a:effectLst/>
+            </a:endParaRPr>
+          </a:p>
+        </p:txBody>
+      </p:sp>
+      <p:sp>
+        <p:nvSpPr>
+          <p:cNvPr id="6" name="직사각형 5">
+            <a:extLst>
+              <a:ext uri="{FF2B5EF4-FFF2-40B4-BE49-F238E27FC236}">
+                <a16:creationId xmlns:a16="http://schemas.microsoft.com/office/drawing/2014/main" id="{934937AB-46A6-4D2C-9560-2DCD993C970F}"/>
+              </a:ext>
+            </a:extLst>
+          </p:cNvPr>
+          <p:cNvSpPr/>
+          <p:nvPr/>
+        </p:nvSpPr>
+        <p:spPr>
+          <a:xfrm>
+            <a:off x="3491800" y="2529391"/>
+            <a:ext cx="3282380" cy="2370269"/>
+          </a:xfrm>
+          <a:prstGeom prst="rect">
+            <a:avLst/>
+          </a:prstGeom>
+          <a:noFill/>
+          <a:ln w="38100">
+            <a:solidFill>
+              <a:srgbClr val="FFFF00"/>
+            </a:solidFill>
+          </a:ln>
+        </p:spPr>
+        <p:style>
+          <a:lnRef idx="2">
+            <a:schemeClr val="accent1">
+              <a:shade val="50000"/>
+            </a:schemeClr>
+          </a:lnRef>
+          <a:fillRef idx="1">
+            <a:schemeClr val="accent1"/>
+          </a:fillRef>
+          <a:effectRef idx="0">
+            <a:schemeClr val="accent1"/>
+          </a:effectRef>
+          <a:fontRef idx="minor">
+            <a:schemeClr val="lt1"/>
+          </a:fontRef>
+        </p:style>
+        <p:txBody>
+          <a:bodyPr rtlCol="0" anchor="ctr"/>
+          <a:lstStyle/>
+          <a:p>
+            <a:pPr algn="ctr"/>
+            <a:endParaRPr lang="ko-KR" altLang="en-US" dirty="0"/>
+          </a:p>
+        </p:txBody>
+      </p:sp>
+      <p:sp>
+        <p:nvSpPr>
+          <p:cNvPr id="24" name="TextBox 23">
+            <a:extLst>
+              <a:ext uri="{FF2B5EF4-FFF2-40B4-BE49-F238E27FC236}">
+                <a16:creationId xmlns:a16="http://schemas.microsoft.com/office/drawing/2014/main" id="{1074B669-EB79-490D-A564-46053BCE654B}"/>
+              </a:ext>
+            </a:extLst>
+          </p:cNvPr>
+          <p:cNvSpPr txBox="1"/>
+          <p:nvPr/>
+        </p:nvSpPr>
+        <p:spPr>
+          <a:xfrm>
+            <a:off x="6273990" y="2366080"/>
+            <a:ext cx="2058384" cy="1200329"/>
+          </a:xfrm>
+          <a:prstGeom prst="rect">
+            <a:avLst/>
+          </a:prstGeom>
+          <a:solidFill>
+            <a:srgbClr val="FFC000"/>
+          </a:solidFill>
+        </p:spPr>
+        <p:txBody>
+          <a:bodyPr wrap="none" rtlCol="0">
+            <a:spAutoFit/>
+          </a:bodyPr>
+          <a:lstStyle/>
+          <a:p>
+            <a:r>
+              <a:rPr lang="en-US" altLang="ko-KR" dirty="0" err="1"/>
+              <a:t>form.consult</a:t>
+            </a:r>
+            <a:r>
+              <a:rPr lang="en-US" altLang="ko-KR" dirty="0"/>
+              <a:t>-form</a:t>
+            </a:r>
+          </a:p>
+          <a:p>
+            <a:pPr marL="285750" indent="-285750">
+              <a:buFontTx/>
+              <a:buChar char="-"/>
+            </a:pPr>
+            <a:r>
+              <a:rPr lang="ko-KR" altLang="en-US" dirty="0"/>
+              <a:t>이름</a:t>
+            </a:r>
+            <a:endParaRPr lang="en-US" altLang="ko-KR" dirty="0"/>
+          </a:p>
+          <a:p>
+            <a:pPr marL="285750" indent="-285750">
+              <a:buFontTx/>
+              <a:buChar char="-"/>
+            </a:pPr>
+            <a:r>
+              <a:rPr lang="ko-KR" altLang="en-US" dirty="0"/>
+              <a:t>연락처</a:t>
+            </a:r>
+            <a:endParaRPr lang="en-US" altLang="ko-KR" dirty="0"/>
+          </a:p>
+          <a:p>
+            <a:pPr marL="285750" indent="-285750">
+              <a:buFontTx/>
+              <a:buChar char="-"/>
+            </a:pPr>
+            <a:r>
+              <a:rPr lang="ko-KR" altLang="en-US" dirty="0"/>
+              <a:t>상담내용</a:t>
+            </a:r>
+            <a:endParaRPr lang="en-US" altLang="ko-KR" dirty="0"/>
+          </a:p>
+        </p:txBody>
+      </p:sp>
+      <p:sp>
+        <p:nvSpPr>
+          <p:cNvPr id="12" name="직사각형 11">
+            <a:extLst>
+              <a:ext uri="{FF2B5EF4-FFF2-40B4-BE49-F238E27FC236}">
+                <a16:creationId xmlns:a16="http://schemas.microsoft.com/office/drawing/2014/main" id="{66400D56-BBD3-4C77-965B-E57FB1D70525}"/>
+              </a:ext>
+            </a:extLst>
+          </p:cNvPr>
+          <p:cNvSpPr/>
+          <p:nvPr/>
+        </p:nvSpPr>
+        <p:spPr>
+          <a:xfrm>
+            <a:off x="4114031" y="5045971"/>
+            <a:ext cx="2020069" cy="577589"/>
+          </a:xfrm>
+          <a:prstGeom prst="rect">
+            <a:avLst/>
+          </a:prstGeom>
+          <a:noFill/>
+          <a:ln w="38100">
+            <a:solidFill>
+              <a:srgbClr val="FFFF00"/>
+            </a:solidFill>
+          </a:ln>
+        </p:spPr>
+        <p:style>
+          <a:lnRef idx="2">
+            <a:schemeClr val="accent1">
+              <a:shade val="50000"/>
+            </a:schemeClr>
+          </a:lnRef>
+          <a:fillRef idx="1">
+            <a:schemeClr val="accent1"/>
+          </a:fillRef>
+          <a:effectRef idx="0">
+            <a:schemeClr val="accent1"/>
+          </a:effectRef>
+          <a:fontRef idx="minor">
+            <a:schemeClr val="lt1"/>
+          </a:fontRef>
+        </p:style>
+        <p:txBody>
+          <a:bodyPr rtlCol="0" anchor="ctr"/>
+          <a:lstStyle/>
+          <a:p>
+            <a:pPr algn="ctr"/>
+            <a:endParaRPr lang="ko-KR" altLang="en-US" dirty="0"/>
+          </a:p>
+        </p:txBody>
+      </p:sp>
+      <p:sp>
+        <p:nvSpPr>
+          <p:cNvPr id="14" name="TextBox 13">
+            <a:extLst>
+              <a:ext uri="{FF2B5EF4-FFF2-40B4-BE49-F238E27FC236}">
+                <a16:creationId xmlns:a16="http://schemas.microsoft.com/office/drawing/2014/main" id="{5DA35684-5CCC-46E0-9FFA-C4D39C53BE59}"/>
+              </a:ext>
+            </a:extLst>
+          </p:cNvPr>
+          <p:cNvSpPr txBox="1">
+            <a:spLocks/>
+          </p:cNvSpPr>
+          <p:nvPr/>
+        </p:nvSpPr>
+        <p:spPr>
+          <a:xfrm>
+            <a:off x="6273990" y="5045971"/>
+            <a:ext cx="2252540" cy="923330"/>
+          </a:xfrm>
+          <a:prstGeom prst="rect">
+            <a:avLst/>
+          </a:prstGeom>
+          <a:solidFill>
+            <a:srgbClr val="FFC000"/>
+          </a:solidFill>
+        </p:spPr>
+        <p:txBody>
+          <a:bodyPr wrap="none" rtlCol="0">
+            <a:spAutoFit/>
+          </a:bodyPr>
+          <a:lstStyle/>
+          <a:p>
+            <a:r>
+              <a:rPr lang="en-US" altLang="ko-KR" dirty="0"/>
+              <a:t>submit </a:t>
+            </a:r>
+            <a:r>
+              <a:rPr lang="ko-KR" altLang="en-US" dirty="0">
+                <a:effectLst/>
+              </a:rPr>
+              <a:t>버튼</a:t>
+            </a:r>
+            <a:endParaRPr lang="en-US" altLang="ko-KR" dirty="0">
+              <a:effectLst/>
+            </a:endParaRPr>
+          </a:p>
+          <a:p>
+            <a:pPr marL="285750" indent="-285750">
+              <a:buFontTx/>
+              <a:buChar char="-"/>
+            </a:pPr>
+            <a:r>
+              <a:rPr lang="ko-KR" altLang="en-US" dirty="0" err="1"/>
+              <a:t>필드별</a:t>
+            </a:r>
+            <a:r>
+              <a:rPr lang="ko-KR" altLang="en-US" dirty="0"/>
+              <a:t> 길이 제한</a:t>
+            </a:r>
+            <a:endParaRPr lang="en-US" altLang="ko-KR" dirty="0"/>
+          </a:p>
+          <a:p>
+            <a:pPr marL="285750" indent="-285750">
+              <a:buFontTx/>
+              <a:buChar char="-"/>
+            </a:pPr>
+            <a:r>
+              <a:rPr lang="ko-KR" altLang="en-US" dirty="0"/>
+              <a:t>유효성 검사 필요</a:t>
+            </a:r>
+            <a:endParaRPr lang="en-US" altLang="ko-KR" dirty="0"/>
+          </a:p>
+        </p:txBody>
+      </p:sp>
+    </p:spTree>
+    <p:extLst>
+      <p:ext uri="{BB962C8B-B14F-4D97-AF65-F5344CB8AC3E}">
+        <p14:creationId xmlns:p14="http://schemas.microsoft.com/office/powerpoint/2010/main" val="2833404440"/>
+      </p:ext>
+    </p:extLst>
+  </p:cSld>
+  <p:clrMapOvr>
+    <a:masterClrMapping/>
+  </p:clrMapOvr>
+</p:sld>
+</file>
+
 <file path=ppt/slides/slide2.xml><?xml version="1.0" encoding="utf-8"?>
 <p:sld xmlns:a="http://schemas.openxmlformats.org/drawingml/2006/main" xmlns:r="http://schemas.openxmlformats.org/officeDocument/2006/relationships" xmlns:p="http://schemas.openxmlformats.org/presentationml/2006/main">
   <p:cSld>
@@ -3772,10 +4680,10 @@
       </p:grpSpPr>
       <p:pic>
         <p:nvPicPr>
-          <p:cNvPr id="18" name="그림 17">
-            <a:extLst>
-              <a:ext uri="{FF2B5EF4-FFF2-40B4-BE49-F238E27FC236}">
-                <a16:creationId xmlns:a16="http://schemas.microsoft.com/office/drawing/2014/main" id="{09817FC8-0C1B-4C77-A219-195CD9318CAC}"/>
+          <p:cNvPr id="3" name="그림 2">
+            <a:extLst>
+              <a:ext uri="{FF2B5EF4-FFF2-40B4-BE49-F238E27FC236}">
+                <a16:creationId xmlns:a16="http://schemas.microsoft.com/office/drawing/2014/main" id="{252036E9-7AB9-4C29-BA5F-76560D3E28BC}"/>
               </a:ext>
             </a:extLst>
           </p:cNvPr>
@@ -3792,8 +4700,8 @@
         </p:blipFill>
         <p:spPr>
           <a:xfrm>
-            <a:off x="1704581" y="2012051"/>
-            <a:ext cx="7200000" cy="2833898"/>
+            <a:off x="1703411" y="1725884"/>
+            <a:ext cx="7200000" cy="3406232"/>
           </a:xfrm>
           <a:prstGeom prst="rect">
             <a:avLst/>
@@ -3814,7 +4722,7 @@
         </p:nvSpPr>
         <p:spPr>
           <a:xfrm>
-            <a:off x="733962" y="2018621"/>
+            <a:off x="733962" y="1725884"/>
             <a:ext cx="906017" cy="369332"/>
           </a:xfrm>
           <a:prstGeom prst="rect">
@@ -3852,8 +4760,8 @@
         </p:nvSpPr>
         <p:spPr>
           <a:xfrm>
-            <a:off x="1704582" y="2012053"/>
-            <a:ext cx="7200000" cy="674446"/>
+            <a:off x="1704582" y="1725884"/>
+            <a:ext cx="7200000" cy="730264"/>
           </a:xfrm>
           <a:prstGeom prst="rect">
             <a:avLst/>
@@ -3904,8 +4812,8 @@
         </p:nvSpPr>
         <p:spPr>
           <a:xfrm>
-            <a:off x="1757146" y="2058079"/>
-            <a:ext cx="7092932" cy="297841"/>
+            <a:off x="1757146" y="1781435"/>
+            <a:ext cx="7092932" cy="356928"/>
           </a:xfrm>
           <a:prstGeom prst="rect">
             <a:avLst/>
@@ -3956,8 +4864,8 @@
         </p:nvSpPr>
         <p:spPr>
           <a:xfrm>
-            <a:off x="1757146" y="2370478"/>
-            <a:ext cx="7092932" cy="273597"/>
+            <a:off x="1757146" y="2138363"/>
+            <a:ext cx="7092932" cy="283087"/>
           </a:xfrm>
           <a:prstGeom prst="rect">
             <a:avLst/>
@@ -4008,8 +4916,8 @@
         </p:nvSpPr>
         <p:spPr>
           <a:xfrm>
-            <a:off x="3031330" y="2447419"/>
-            <a:ext cx="4527785" cy="117215"/>
+            <a:off x="2880086" y="2262977"/>
+            <a:ext cx="4808233" cy="117215"/>
           </a:xfrm>
           <a:prstGeom prst="rect">
             <a:avLst/>
@@ -4060,7 +4968,7 @@
         </p:nvSpPr>
         <p:spPr>
           <a:xfrm>
-            <a:off x="4742025" y="1642719"/>
+            <a:off x="4742025" y="1356550"/>
             <a:ext cx="1106393" cy="369332"/>
           </a:xfrm>
           <a:prstGeom prst="rect">
@@ -4086,10 +4994,10 @@
       </p:sp>
       <p:sp>
         <p:nvSpPr>
-          <p:cNvPr id="16" name="TextBox 15">
-            <a:extLst>
-              <a:ext uri="{FF2B5EF4-FFF2-40B4-BE49-F238E27FC236}">
-                <a16:creationId xmlns:a16="http://schemas.microsoft.com/office/drawing/2014/main" id="{5ACCD810-E8FD-4758-9A5C-6AE6F58D9D94}"/>
+          <p:cNvPr id="21" name="TextBox 20">
+            <a:extLst>
+              <a:ext uri="{FF2B5EF4-FFF2-40B4-BE49-F238E27FC236}">
+                <a16:creationId xmlns:a16="http://schemas.microsoft.com/office/drawing/2014/main" id="{5EC87925-6E0C-4596-91E7-31FAF2CB39E2}"/>
               </a:ext>
             </a:extLst>
           </p:cNvPr>
@@ -4098,13 +5006,15 @@
         </p:nvSpPr>
         <p:spPr>
           <a:xfrm>
-            <a:off x="3031330" y="2644378"/>
-            <a:ext cx="2409634" cy="369332"/>
-          </a:xfrm>
-          <a:prstGeom prst="rect">
-            <a:avLst/>
-          </a:prstGeom>
-          <a:noFill/>
+            <a:off x="7688319" y="1562764"/>
+            <a:ext cx="2056973" cy="646331"/>
+          </a:xfrm>
+          <a:prstGeom prst="rect">
+            <a:avLst/>
+          </a:prstGeom>
+          <a:solidFill>
+            <a:srgbClr val="FFC000"/>
+          </a:solidFill>
         </p:spPr>
         <p:txBody>
           <a:bodyPr wrap="none" rtlCol="0">
@@ -4116,19 +5026,152 @@
               <a:rPr lang="en-US" altLang="ko-KR" dirty="0">
                 <a:effectLst/>
               </a:rPr>
-              <a:t>nav &gt; </a:t>
-            </a:r>
-            <a:r>
-              <a:rPr lang="en-US" altLang="ko-KR" dirty="0" err="1">
+              <a:t>nav &gt; a:hover</a:t>
+            </a:r>
+          </a:p>
+          <a:p>
+            <a:r>
+              <a:rPr lang="en-US" altLang="ko-KR" dirty="0"/>
+              <a:t>- </a:t>
+            </a:r>
+            <a:r>
+              <a:rPr lang="ko-KR" altLang="en-US" dirty="0"/>
+              <a:t>하단에 </a:t>
+            </a:r>
+            <a:r>
+              <a:rPr lang="en-US" altLang="ko-KR" dirty="0"/>
+              <a:t>.</a:t>
+            </a:r>
+            <a:r>
+              <a:rPr lang="en-US" altLang="ko-KR" dirty="0" err="1"/>
+              <a:t>lnb</a:t>
+            </a:r>
+            <a:r>
+              <a:rPr lang="en-US" altLang="ko-KR" dirty="0"/>
+              <a:t> </a:t>
+            </a:r>
+            <a:r>
+              <a:rPr lang="ko-KR" altLang="en-US" dirty="0"/>
+              <a:t>노출</a:t>
+            </a:r>
+            <a:endParaRPr lang="en-US" altLang="ko-KR" dirty="0">
+              <a:effectLst/>
+            </a:endParaRPr>
+          </a:p>
+        </p:txBody>
+      </p:sp>
+      <p:sp>
+        <p:nvSpPr>
+          <p:cNvPr id="23" name="TextBox 22">
+            <a:extLst>
+              <a:ext uri="{FF2B5EF4-FFF2-40B4-BE49-F238E27FC236}">
+                <a16:creationId xmlns:a16="http://schemas.microsoft.com/office/drawing/2014/main" id="{553C34BD-4EEA-4027-852C-D9266FCD7A0B}"/>
+              </a:ext>
+            </a:extLst>
+          </p:cNvPr>
+          <p:cNvSpPr txBox="1"/>
+          <p:nvPr/>
+        </p:nvSpPr>
+        <p:spPr>
+          <a:xfrm>
+            <a:off x="10771418" y="0"/>
+            <a:ext cx="1420582" cy="369332"/>
+          </a:xfrm>
+          <a:prstGeom prst="rect">
+            <a:avLst/>
+          </a:prstGeom>
+          <a:solidFill>
+            <a:srgbClr val="FFFF00"/>
+          </a:solidFill>
+        </p:spPr>
+        <p:txBody>
+          <a:bodyPr wrap="none" rtlCol="0">
+            <a:spAutoFit/>
+          </a:bodyPr>
+          <a:lstStyle/>
+          <a:p>
+            <a:pPr algn="r"/>
+            <a:r>
+              <a:rPr lang="ko-KR" altLang="en-US" strike="sngStrike" dirty="0">
                 <a:effectLst/>
               </a:rPr>
-              <a:t>ul.gnb</a:t>
-            </a:r>
+              <a:t>로고 이미지</a:t>
+            </a:r>
+            <a:endParaRPr lang="en-US" altLang="ko-KR" strike="sngStrike" dirty="0">
+              <a:effectLst/>
+            </a:endParaRPr>
+          </a:p>
+        </p:txBody>
+      </p:sp>
+      <p:sp>
+        <p:nvSpPr>
+          <p:cNvPr id="24" name="TextBox 23">
+            <a:extLst>
+              <a:ext uri="{FF2B5EF4-FFF2-40B4-BE49-F238E27FC236}">
+                <a16:creationId xmlns:a16="http://schemas.microsoft.com/office/drawing/2014/main" id="{E5A277F2-82E4-4F2C-B001-05F98F2F2FAC}"/>
+              </a:ext>
+            </a:extLst>
+          </p:cNvPr>
+          <p:cNvSpPr txBox="1"/>
+          <p:nvPr/>
+        </p:nvSpPr>
+        <p:spPr>
+          <a:xfrm>
+            <a:off x="1758165" y="1769030"/>
+            <a:ext cx="882036" cy="369332"/>
+          </a:xfrm>
+          <a:prstGeom prst="rect">
+            <a:avLst/>
+          </a:prstGeom>
+          <a:noFill/>
+        </p:spPr>
+        <p:txBody>
+          <a:bodyPr wrap="none" rtlCol="0">
+            <a:spAutoFit/>
+          </a:bodyPr>
+          <a:lstStyle/>
+          <a:p>
+            <a:r>
+              <a:rPr lang="en-US" altLang="ko-KR" dirty="0" err="1"/>
+              <a:t>div.top</a:t>
+            </a:r>
+            <a:endParaRPr lang="ko-KR" altLang="en-US" dirty="0"/>
+          </a:p>
+        </p:txBody>
+      </p:sp>
+      <p:sp>
+        <p:nvSpPr>
+          <p:cNvPr id="25" name="TextBox 24">
+            <a:extLst>
+              <a:ext uri="{FF2B5EF4-FFF2-40B4-BE49-F238E27FC236}">
+                <a16:creationId xmlns:a16="http://schemas.microsoft.com/office/drawing/2014/main" id="{1E9531D9-9B42-44F1-A95A-1ACB449809FD}"/>
+              </a:ext>
+            </a:extLst>
+          </p:cNvPr>
+          <p:cNvSpPr txBox="1"/>
+          <p:nvPr/>
+        </p:nvSpPr>
+        <p:spPr>
+          <a:xfrm>
+            <a:off x="1766057" y="2076859"/>
+            <a:ext cx="550151" cy="369332"/>
+          </a:xfrm>
+          <a:prstGeom prst="rect">
+            <a:avLst/>
+          </a:prstGeom>
+          <a:noFill/>
+        </p:spPr>
+        <p:txBody>
+          <a:bodyPr wrap="none" rtlCol="0">
+            <a:spAutoFit/>
+          </a:bodyPr>
+          <a:lstStyle/>
+          <a:p>
             <a:r>
               <a:rPr lang="en-US" altLang="ko-KR" dirty="0">
                 <a:effectLst/>
               </a:rPr>
-              <a:t> &gt; li &gt; a</a:t>
+              <a:t>nav</a:t>
             </a:r>
             <a:endParaRPr lang="ko-KR" altLang="en-US" dirty="0"/>
           </a:p>
@@ -4136,10 +5179,10 @@
       </p:sp>
       <p:sp>
         <p:nvSpPr>
-          <p:cNvPr id="19" name="직사각형 18">
-            <a:extLst>
-              <a:ext uri="{FF2B5EF4-FFF2-40B4-BE49-F238E27FC236}">
-                <a16:creationId xmlns:a16="http://schemas.microsoft.com/office/drawing/2014/main" id="{874D6D4A-B66A-41B8-A2A5-30A45B21626E}"/>
+          <p:cNvPr id="17" name="직사각형 16">
+            <a:extLst>
+              <a:ext uri="{FF2B5EF4-FFF2-40B4-BE49-F238E27FC236}">
+                <a16:creationId xmlns:a16="http://schemas.microsoft.com/office/drawing/2014/main" id="{81B3C39A-CFD7-4D04-AC3F-6495968C2853}"/>
               </a:ext>
             </a:extLst>
           </p:cNvPr>
@@ -4148,8 +5191,8 @@
         </p:nvSpPr>
         <p:spPr>
           <a:xfrm>
-            <a:off x="6857721" y="2641574"/>
-            <a:ext cx="937260" cy="494559"/>
+            <a:off x="1704582" y="2521026"/>
+            <a:ext cx="7200000" cy="2611089"/>
           </a:xfrm>
           <a:prstGeom prst="rect">
             <a:avLst/>
@@ -4157,7 +5200,7 @@
           <a:noFill/>
           <a:ln w="38100">
             <a:solidFill>
-              <a:srgbClr val="00B050"/>
+              <a:srgbClr val="FF0000"/>
             </a:solidFill>
           </a:ln>
         </p:spPr>
@@ -4188,10 +5231,10 @@
       </p:sp>
       <p:sp>
         <p:nvSpPr>
-          <p:cNvPr id="20" name="TextBox 19">
-            <a:extLst>
-              <a:ext uri="{FF2B5EF4-FFF2-40B4-BE49-F238E27FC236}">
-                <a16:creationId xmlns:a16="http://schemas.microsoft.com/office/drawing/2014/main" id="{3AD3C6DF-3DFB-4EB0-97C9-83C5F7D808E2}"/>
+          <p:cNvPr id="22" name="TextBox 21">
+            <a:extLst>
+              <a:ext uri="{FF2B5EF4-FFF2-40B4-BE49-F238E27FC236}">
+                <a16:creationId xmlns:a16="http://schemas.microsoft.com/office/drawing/2014/main" id="{84F9FD94-E769-4B2D-9291-BF53D5A914DF}"/>
               </a:ext>
             </a:extLst>
           </p:cNvPr>
@@ -4200,8 +5243,46 @@
         </p:nvSpPr>
         <p:spPr>
           <a:xfrm>
-            <a:off x="6857721" y="3138193"/>
-            <a:ext cx="3552576" cy="369332"/>
+            <a:off x="733962" y="2348837"/>
+            <a:ext cx="1117550" cy="369332"/>
+          </a:xfrm>
+          <a:prstGeom prst="rect">
+            <a:avLst/>
+          </a:prstGeom>
+          <a:noFill/>
+        </p:spPr>
+        <p:txBody>
+          <a:bodyPr wrap="none" rtlCol="0">
+            <a:spAutoFit/>
+          </a:bodyPr>
+          <a:lstStyle/>
+          <a:p>
+            <a:r>
+              <a:rPr lang="en-US" altLang="ko-KR" dirty="0" err="1">
+                <a:effectLst/>
+              </a:rPr>
+              <a:t>div#intro</a:t>
+            </a:r>
+            <a:endParaRPr lang="ko-KR" altLang="en-US" dirty="0"/>
+          </a:p>
+        </p:txBody>
+      </p:sp>
+      <p:sp>
+        <p:nvSpPr>
+          <p:cNvPr id="16" name="TextBox 15">
+            <a:extLst>
+              <a:ext uri="{FF2B5EF4-FFF2-40B4-BE49-F238E27FC236}">
+                <a16:creationId xmlns:a16="http://schemas.microsoft.com/office/drawing/2014/main" id="{5ACCD810-E8FD-4758-9A5C-6AE6F58D9D94}"/>
+              </a:ext>
+            </a:extLst>
+          </p:cNvPr>
+          <p:cNvSpPr txBox="1"/>
+          <p:nvPr/>
+        </p:nvSpPr>
+        <p:spPr>
+          <a:xfrm>
+            <a:off x="2874568" y="2533503"/>
+            <a:ext cx="2409634" cy="369332"/>
           </a:xfrm>
           <a:prstGeom prst="rect">
             <a:avLst/>
@@ -4230,21 +5311,7 @@
               <a:rPr lang="en-US" altLang="ko-KR" dirty="0">
                 <a:effectLst/>
               </a:rPr>
-              <a:t> &gt; li &gt; a, </a:t>
-            </a:r>
-            <a:r>
-              <a:rPr lang="en-US" altLang="ko-KR" dirty="0" err="1">
-                <a:effectLst/>
-              </a:rPr>
-              <a:t>ol.</a:t>
-            </a:r>
-            <a:r>
-              <a:rPr lang="en-US" altLang="ko-KR" dirty="0" err="1"/>
-              <a:t>lnb</a:t>
-            </a:r>
-            <a:r>
-              <a:rPr lang="en-US" altLang="ko-KR"/>
-              <a:t> &gt; li</a:t>
+              <a:t> &gt; li &gt; a</a:t>
             </a:r>
             <a:endParaRPr lang="ko-KR" altLang="en-US" dirty="0"/>
           </a:p>
@@ -4252,195 +5319,10 @@
       </p:sp>
       <p:sp>
         <p:nvSpPr>
-          <p:cNvPr id="21" name="TextBox 20">
-            <a:extLst>
-              <a:ext uri="{FF2B5EF4-FFF2-40B4-BE49-F238E27FC236}">
-                <a16:creationId xmlns:a16="http://schemas.microsoft.com/office/drawing/2014/main" id="{5EC87925-6E0C-4596-91E7-31FAF2CB39E2}"/>
-              </a:ext>
-            </a:extLst>
-          </p:cNvPr>
-          <p:cNvSpPr txBox="1"/>
-          <p:nvPr/>
-        </p:nvSpPr>
-        <p:spPr>
-          <a:xfrm>
-            <a:off x="7688319" y="1855501"/>
-            <a:ext cx="2056973" cy="646331"/>
-          </a:xfrm>
-          <a:prstGeom prst="rect">
-            <a:avLst/>
-          </a:prstGeom>
-          <a:solidFill>
-            <a:srgbClr val="FFC000"/>
-          </a:solidFill>
-        </p:spPr>
-        <p:txBody>
-          <a:bodyPr wrap="none" rtlCol="0">
-            <a:spAutoFit/>
-          </a:bodyPr>
-          <a:lstStyle/>
-          <a:p>
-            <a:r>
-              <a:rPr lang="en-US" altLang="ko-KR" dirty="0">
-                <a:effectLst/>
-              </a:rPr>
-              <a:t>nav &gt; a:hover</a:t>
-            </a:r>
-          </a:p>
-          <a:p>
-            <a:r>
-              <a:rPr lang="en-US" altLang="ko-KR" dirty="0"/>
-              <a:t>- </a:t>
-            </a:r>
-            <a:r>
-              <a:rPr lang="ko-KR" altLang="en-US" dirty="0"/>
-              <a:t>하단에 </a:t>
-            </a:r>
-            <a:r>
-              <a:rPr lang="en-US" altLang="ko-KR" dirty="0"/>
-              <a:t>.</a:t>
-            </a:r>
-            <a:r>
-              <a:rPr lang="en-US" altLang="ko-KR" dirty="0" err="1"/>
-              <a:t>lnb</a:t>
-            </a:r>
-            <a:r>
-              <a:rPr lang="en-US" altLang="ko-KR" dirty="0"/>
-              <a:t> </a:t>
-            </a:r>
-            <a:r>
-              <a:rPr lang="ko-KR" altLang="en-US" dirty="0"/>
-              <a:t>노출</a:t>
-            </a:r>
-            <a:endParaRPr lang="en-US" altLang="ko-KR" dirty="0">
-              <a:effectLst/>
-            </a:endParaRPr>
-          </a:p>
-        </p:txBody>
-      </p:sp>
-      <p:sp>
-        <p:nvSpPr>
-          <p:cNvPr id="23" name="TextBox 22">
-            <a:extLst>
-              <a:ext uri="{FF2B5EF4-FFF2-40B4-BE49-F238E27FC236}">
-                <a16:creationId xmlns:a16="http://schemas.microsoft.com/office/drawing/2014/main" id="{553C34BD-4EEA-4027-852C-D9266FCD7A0B}"/>
-              </a:ext>
-            </a:extLst>
-          </p:cNvPr>
-          <p:cNvSpPr txBox="1"/>
-          <p:nvPr/>
-        </p:nvSpPr>
-        <p:spPr>
-          <a:xfrm>
-            <a:off x="10771418" y="0"/>
-            <a:ext cx="1420582" cy="369332"/>
-          </a:xfrm>
-          <a:prstGeom prst="rect">
-            <a:avLst/>
-          </a:prstGeom>
-          <a:solidFill>
-            <a:srgbClr val="FFFF00"/>
-          </a:solidFill>
-        </p:spPr>
-        <p:txBody>
-          <a:bodyPr wrap="none" rtlCol="0">
-            <a:spAutoFit/>
-          </a:bodyPr>
-          <a:lstStyle/>
-          <a:p>
-            <a:pPr algn="r"/>
-            <a:r>
-              <a:rPr lang="ko-KR" altLang="en-US" dirty="0">
-                <a:effectLst/>
-              </a:rPr>
-              <a:t>로고 이미지</a:t>
-            </a:r>
-            <a:endParaRPr lang="en-US" altLang="ko-KR" dirty="0">
-              <a:effectLst/>
-            </a:endParaRPr>
-          </a:p>
-        </p:txBody>
-      </p:sp>
-      <p:sp>
-        <p:nvSpPr>
-          <p:cNvPr id="24" name="TextBox 23">
-            <a:extLst>
-              <a:ext uri="{FF2B5EF4-FFF2-40B4-BE49-F238E27FC236}">
-                <a16:creationId xmlns:a16="http://schemas.microsoft.com/office/drawing/2014/main" id="{E5A277F2-82E4-4F2C-B001-05F98F2F2FAC}"/>
-              </a:ext>
-            </a:extLst>
-          </p:cNvPr>
-          <p:cNvSpPr txBox="1"/>
-          <p:nvPr/>
-        </p:nvSpPr>
-        <p:spPr>
-          <a:xfrm>
-            <a:off x="1704581" y="2018621"/>
-            <a:ext cx="882036" cy="369332"/>
-          </a:xfrm>
-          <a:prstGeom prst="rect">
-            <a:avLst/>
-          </a:prstGeom>
-          <a:noFill/>
-        </p:spPr>
-        <p:txBody>
-          <a:bodyPr wrap="none" rtlCol="0">
-            <a:spAutoFit/>
-          </a:bodyPr>
-          <a:lstStyle/>
-          <a:p>
-            <a:r>
-              <a:rPr lang="en-US" altLang="ko-KR" dirty="0" err="1"/>
-              <a:t>div.top</a:t>
-            </a:r>
-            <a:endParaRPr lang="ko-KR" altLang="en-US" dirty="0"/>
-          </a:p>
-        </p:txBody>
-      </p:sp>
-      <p:sp>
-        <p:nvSpPr>
-          <p:cNvPr id="25" name="TextBox 24">
-            <a:extLst>
-              <a:ext uri="{FF2B5EF4-FFF2-40B4-BE49-F238E27FC236}">
-                <a16:creationId xmlns:a16="http://schemas.microsoft.com/office/drawing/2014/main" id="{1E9531D9-9B42-44F1-A95A-1ACB449809FD}"/>
-              </a:ext>
-            </a:extLst>
-          </p:cNvPr>
-          <p:cNvSpPr txBox="1"/>
-          <p:nvPr/>
-        </p:nvSpPr>
-        <p:spPr>
-          <a:xfrm>
-            <a:off x="1704581" y="2317166"/>
-            <a:ext cx="550151" cy="369332"/>
-          </a:xfrm>
-          <a:prstGeom prst="rect">
-            <a:avLst/>
-          </a:prstGeom>
-          <a:noFill/>
-        </p:spPr>
-        <p:txBody>
-          <a:bodyPr wrap="none" rtlCol="0">
-            <a:spAutoFit/>
-          </a:bodyPr>
-          <a:lstStyle/>
-          <a:p>
-            <a:r>
-              <a:rPr lang="en-US" altLang="ko-KR" dirty="0">
-                <a:effectLst/>
-              </a:rPr>
-              <a:t>nav</a:t>
-            </a:r>
-            <a:endParaRPr lang="ko-KR" altLang="en-US" dirty="0"/>
-          </a:p>
-        </p:txBody>
-      </p:sp>
-      <p:sp>
-        <p:nvSpPr>
-          <p:cNvPr id="17" name="직사각형 16">
-            <a:extLst>
-              <a:ext uri="{FF2B5EF4-FFF2-40B4-BE49-F238E27FC236}">
-                <a16:creationId xmlns:a16="http://schemas.microsoft.com/office/drawing/2014/main" id="{81B3C39A-CFD7-4D04-AC3F-6495968C2853}"/>
+          <p:cNvPr id="19" name="직사각형 18">
+            <a:extLst>
+              <a:ext uri="{FF2B5EF4-FFF2-40B4-BE49-F238E27FC236}">
+                <a16:creationId xmlns:a16="http://schemas.microsoft.com/office/drawing/2014/main" id="{874D6D4A-B66A-41B8-A2A5-30A45B21626E}"/>
               </a:ext>
             </a:extLst>
           </p:cNvPr>
@@ -4449,8 +5331,8 @@
         </p:nvSpPr>
         <p:spPr>
           <a:xfrm>
-            <a:off x="1704582" y="2671253"/>
-            <a:ext cx="7200000" cy="2174696"/>
+            <a:off x="6975475" y="2521025"/>
+            <a:ext cx="1035049" cy="536500"/>
           </a:xfrm>
           <a:prstGeom prst="rect">
             <a:avLst/>
@@ -4458,7 +5340,7 @@
           <a:noFill/>
           <a:ln w="38100">
             <a:solidFill>
-              <a:srgbClr val="FF0000"/>
+              <a:srgbClr val="00B050"/>
             </a:solidFill>
           </a:ln>
         </p:spPr>
@@ -4489,10 +5371,10 @@
       </p:sp>
       <p:sp>
         <p:nvSpPr>
-          <p:cNvPr id="22" name="TextBox 21">
-            <a:extLst>
-              <a:ext uri="{FF2B5EF4-FFF2-40B4-BE49-F238E27FC236}">
-                <a16:creationId xmlns:a16="http://schemas.microsoft.com/office/drawing/2014/main" id="{84F9FD94-E769-4B2D-9291-BF53D5A914DF}"/>
+          <p:cNvPr id="20" name="TextBox 19">
+            <a:extLst>
+              <a:ext uri="{FF2B5EF4-FFF2-40B4-BE49-F238E27FC236}">
+                <a16:creationId xmlns:a16="http://schemas.microsoft.com/office/drawing/2014/main" id="{3AD3C6DF-3DFB-4EB0-97C9-83C5F7D808E2}"/>
               </a:ext>
             </a:extLst>
           </p:cNvPr>
@@ -4501,8 +5383,8 @@
         </p:nvSpPr>
         <p:spPr>
           <a:xfrm>
-            <a:off x="733962" y="2641574"/>
-            <a:ext cx="1117550" cy="369332"/>
+            <a:off x="7000596" y="3059668"/>
+            <a:ext cx="3552576" cy="369332"/>
           </a:xfrm>
           <a:prstGeom prst="rect">
             <a:avLst/>
@@ -4516,12 +5398,194 @@
           <a:lstStyle/>
           <a:p>
             <a:r>
+              <a:rPr lang="en-US" altLang="ko-KR" dirty="0">
+                <a:effectLst/>
+              </a:rPr>
+              <a:t>nav &gt; </a:t>
+            </a:r>
+            <a:r>
               <a:rPr lang="en-US" altLang="ko-KR" dirty="0" err="1">
                 <a:effectLst/>
               </a:rPr>
-              <a:t>div#intro</a:t>
+              <a:t>ul.gnb</a:t>
+            </a:r>
+            <a:r>
+              <a:rPr lang="en-US" altLang="ko-KR" dirty="0">
+                <a:effectLst/>
+              </a:rPr>
+              <a:t> &gt; li &gt; a, </a:t>
+            </a:r>
+            <a:r>
+              <a:rPr lang="en-US" altLang="ko-KR" dirty="0" err="1">
+                <a:effectLst/>
+              </a:rPr>
+              <a:t>ol.</a:t>
+            </a:r>
+            <a:r>
+              <a:rPr lang="en-US" altLang="ko-KR" dirty="0" err="1"/>
+              <a:t>lnb</a:t>
+            </a:r>
+            <a:r>
+              <a:rPr lang="en-US" altLang="ko-KR" dirty="0"/>
+              <a:t> &gt; li</a:t>
             </a:r>
             <a:endParaRPr lang="ko-KR" altLang="en-US" dirty="0"/>
+          </a:p>
+        </p:txBody>
+      </p:sp>
+      <p:sp>
+        <p:nvSpPr>
+          <p:cNvPr id="26" name="직사각형 25">
+            <a:extLst>
+              <a:ext uri="{FF2B5EF4-FFF2-40B4-BE49-F238E27FC236}">
+                <a16:creationId xmlns:a16="http://schemas.microsoft.com/office/drawing/2014/main" id="{947564CE-2930-4EA4-B386-772071BA876C}"/>
+              </a:ext>
+            </a:extLst>
+          </p:cNvPr>
+          <p:cNvSpPr/>
+          <p:nvPr/>
+        </p:nvSpPr>
+        <p:spPr>
+          <a:xfrm>
+            <a:off x="8298180" y="3743072"/>
+            <a:ext cx="605232" cy="653667"/>
+          </a:xfrm>
+          <a:prstGeom prst="rect">
+            <a:avLst/>
+          </a:prstGeom>
+          <a:noFill/>
+          <a:ln w="38100">
+            <a:solidFill>
+              <a:srgbClr val="FF0000"/>
+            </a:solidFill>
+          </a:ln>
+        </p:spPr>
+        <p:style>
+          <a:lnRef idx="2">
+            <a:schemeClr val="accent1">
+              <a:shade val="50000"/>
+            </a:schemeClr>
+          </a:lnRef>
+          <a:fillRef idx="1">
+            <a:schemeClr val="accent1"/>
+          </a:fillRef>
+          <a:effectRef idx="0">
+            <a:schemeClr val="accent1"/>
+          </a:effectRef>
+          <a:fontRef idx="minor">
+            <a:schemeClr val="lt1"/>
+          </a:fontRef>
+        </p:style>
+        <p:txBody>
+          <a:bodyPr rtlCol="0" anchor="ctr"/>
+          <a:lstStyle/>
+          <a:p>
+            <a:pPr algn="ctr"/>
+            <a:endParaRPr lang="ko-KR" altLang="en-US"/>
+          </a:p>
+        </p:txBody>
+      </p:sp>
+      <p:sp>
+        <p:nvSpPr>
+          <p:cNvPr id="27" name="TextBox 26">
+            <a:extLst>
+              <a:ext uri="{FF2B5EF4-FFF2-40B4-BE49-F238E27FC236}">
+                <a16:creationId xmlns:a16="http://schemas.microsoft.com/office/drawing/2014/main" id="{06B2B681-2378-4CCB-BD80-5DD53C47548F}"/>
+              </a:ext>
+            </a:extLst>
+          </p:cNvPr>
+          <p:cNvSpPr txBox="1"/>
+          <p:nvPr/>
+        </p:nvSpPr>
+        <p:spPr>
+          <a:xfrm>
+            <a:off x="7200900" y="4522857"/>
+            <a:ext cx="4344459" cy="1200329"/>
+          </a:xfrm>
+          <a:prstGeom prst="rect">
+            <a:avLst/>
+          </a:prstGeom>
+          <a:solidFill>
+            <a:srgbClr val="FFC000"/>
+          </a:solidFill>
+        </p:spPr>
+        <p:txBody>
+          <a:bodyPr wrap="none" rtlCol="0">
+            <a:spAutoFit/>
+          </a:bodyPr>
+          <a:lstStyle/>
+          <a:p>
+            <a:r>
+              <a:rPr lang="en-US" altLang="ko-KR" dirty="0"/>
+              <a:t>.scroll</a:t>
+            </a:r>
+          </a:p>
+          <a:p>
+            <a:pPr marL="285750" indent="-285750">
+              <a:buFontTx/>
+              <a:buChar char="-"/>
+            </a:pPr>
+            <a:r>
+              <a:rPr lang="ko-KR" altLang="en-US" dirty="0">
+                <a:effectLst/>
+              </a:rPr>
+              <a:t>화면 우측에 섹션 이동 버튼</a:t>
+            </a:r>
+            <a:endParaRPr lang="en-US" altLang="ko-KR" dirty="0">
+              <a:effectLst/>
+            </a:endParaRPr>
+          </a:p>
+          <a:p>
+            <a:pPr marL="285750" indent="-285750">
+              <a:buFontTx/>
+              <a:buChar char="-"/>
+            </a:pPr>
+            <a:r>
+              <a:rPr lang="ko-KR" altLang="en-US" dirty="0">
+                <a:effectLst/>
+              </a:rPr>
+              <a:t>클릭 시</a:t>
+            </a:r>
+            <a:r>
+              <a:rPr lang="en-US" altLang="ko-KR" dirty="0">
+                <a:effectLst/>
+              </a:rPr>
+              <a:t>, </a:t>
+            </a:r>
+            <a:r>
+              <a:rPr lang="ko-KR" altLang="en-US" dirty="0">
+                <a:effectLst/>
+              </a:rPr>
+              <a:t>해당 </a:t>
+            </a:r>
+            <a:r>
+              <a:rPr lang="ko-KR" altLang="en-US" dirty="0" err="1">
+                <a:effectLst/>
+              </a:rPr>
+              <a:t>섹션으로</a:t>
+            </a:r>
+            <a:r>
+              <a:rPr lang="ko-KR" altLang="en-US" dirty="0">
+                <a:effectLst/>
+              </a:rPr>
+              <a:t> 스크롤 이동</a:t>
+            </a:r>
+            <a:endParaRPr lang="en-US" altLang="ko-KR" dirty="0">
+              <a:effectLst/>
+            </a:endParaRPr>
+          </a:p>
+          <a:p>
+            <a:pPr marL="285750" indent="-285750">
+              <a:buFontTx/>
+              <a:buChar char="-"/>
+            </a:pPr>
+            <a:r>
+              <a:rPr lang="ko-KR" altLang="en-US" dirty="0"/>
+              <a:t>화면에 나오는 섹션에 따라 색상 표시</a:t>
+            </a:r>
+            <a:endParaRPr lang="en-US" altLang="ko-KR" dirty="0">
+              <a:effectLst/>
+            </a:endParaRPr>
           </a:p>
         </p:txBody>
       </p:sp>
@@ -4726,7 +5790,7 @@
         <p:spPr>
           <a:xfrm>
             <a:off x="3674377" y="4369839"/>
-            <a:ext cx="4025076" cy="646331"/>
+            <a:ext cx="4318875" cy="1477328"/>
           </a:xfrm>
           <a:prstGeom prst="rect">
             <a:avLst/>
@@ -4770,7 +5834,52 @@
             </a:r>
             <a:r>
               <a:rPr lang="ko-KR" altLang="en-US" dirty="0"/>
-              <a:t>크기 확장</a:t>
+              <a:t>높이 확장</a:t>
+            </a:r>
+            <a:endParaRPr lang="en-US" altLang="ko-KR" dirty="0"/>
+          </a:p>
+          <a:p>
+            <a:pPr marL="285750" indent="-285750">
+              <a:buFontTx/>
+              <a:buChar char="-"/>
+            </a:pPr>
+            <a:r>
+              <a:rPr lang="en-US" altLang="ko-KR" dirty="0"/>
+              <a:t>flex-direction </a:t>
+            </a:r>
+            <a:r>
+              <a:rPr lang="ko-KR" altLang="en-US" dirty="0"/>
+              <a:t>활용하여 높이 고정</a:t>
+            </a:r>
+            <a:endParaRPr lang="en-US" altLang="ko-KR" dirty="0"/>
+          </a:p>
+          <a:p>
+            <a:pPr marL="285750" indent="-285750">
+              <a:buFontTx/>
+              <a:buChar char="-"/>
+            </a:pPr>
+            <a:r>
+              <a:rPr lang="en-US" altLang="ko-KR" dirty="0"/>
+              <a:t>overflow: hidden</a:t>
+            </a:r>
+            <a:r>
+              <a:rPr lang="ko-KR" altLang="en-US" dirty="0"/>
+              <a:t>으로 버튼 노출 방지</a:t>
+            </a:r>
+            <a:endParaRPr lang="en-US" altLang="ko-KR" dirty="0"/>
+          </a:p>
+          <a:p>
+            <a:pPr marL="285750" indent="-285750">
+              <a:buFontTx/>
+              <a:buChar char="-"/>
+            </a:pPr>
+            <a:r>
+              <a:rPr lang="en-US" altLang="ko-KR" dirty="0"/>
+              <a:t>transition</a:t>
+            </a:r>
+            <a:r>
+              <a:rPr lang="ko-KR" altLang="en-US" dirty="0"/>
+              <a:t>으로 서서히 나타나는 효과</a:t>
             </a:r>
             <a:endParaRPr lang="en-US" altLang="ko-KR" dirty="0"/>
           </a:p>
@@ -5111,7 +6220,7 @@
             <a:avLst/>
           </a:prstGeom>
           <a:solidFill>
-            <a:srgbClr val="FFC000"/>
+            <a:srgbClr val="FFFF00"/>
           </a:solidFill>
         </p:spPr>
         <p:txBody>
@@ -5122,29 +6231,44 @@
           <a:p>
             <a:r>
               <a:rPr lang="en-US" altLang="ko-KR" b="1" dirty="0">
+                <a:solidFill>
+                  <a:srgbClr val="FF0000"/>
+                </a:solidFill>
                 <a:effectLst/>
               </a:rPr>
               <a:t>(</a:t>
             </a:r>
             <a:r>
               <a:rPr lang="ko-KR" altLang="en-US" b="1" dirty="0">
+                <a:solidFill>
+                  <a:srgbClr val="FF0000"/>
+                </a:solidFill>
                 <a:effectLst/>
               </a:rPr>
               <a:t>수정</a:t>
             </a:r>
             <a:r>
               <a:rPr lang="en-US" altLang="ko-KR" b="1" dirty="0">
+                <a:solidFill>
+                  <a:srgbClr val="FF0000"/>
+                </a:solidFill>
                 <a:effectLst/>
               </a:rPr>
               <a:t>) </a:t>
             </a:r>
             <a:r>
               <a:rPr lang="ko-KR" altLang="en-US" b="1" dirty="0">
+                <a:solidFill>
+                  <a:srgbClr val="FF0000"/>
+                </a:solidFill>
                 <a:effectLst/>
               </a:rPr>
               <a:t>좌측 정렬</a:t>
             </a:r>
             <a:endParaRPr lang="en-US" altLang="ko-KR" b="1" dirty="0">
+              <a:solidFill>
+                <a:srgbClr val="FF0000"/>
+              </a:solidFill>
               <a:effectLst/>
             </a:endParaRPr>
           </a:p>
@@ -5655,8 +6779,8 @@
         </p:nvSpPr>
         <p:spPr>
           <a:xfrm>
-            <a:off x="2041582" y="2648604"/>
-            <a:ext cx="7919999" cy="1861199"/>
+            <a:off x="2041582" y="2794809"/>
+            <a:ext cx="7919999" cy="1567642"/>
           </a:xfrm>
           <a:prstGeom prst="rect">
             <a:avLst/>
@@ -5751,8 +6875,8 @@
         </p:nvSpPr>
         <p:spPr>
           <a:xfrm>
-            <a:off x="7831115" y="2481556"/>
-            <a:ext cx="2555058" cy="369332"/>
+            <a:off x="7697880" y="2163630"/>
+            <a:ext cx="2555058" cy="646331"/>
           </a:xfrm>
           <a:prstGeom prst="rect">
             <a:avLst/>
@@ -5768,7 +6892,7 @@
           <a:lstStyle/>
           <a:p>
             <a:r>
-              <a:rPr lang="ko-KR" altLang="en-US"/>
+              <a:rPr lang="ko-KR" altLang="en-US" dirty="0"/>
               <a:t>클릭 </a:t>
             </a:r>
             <a:r>
@@ -5786,6 +6910,17 @@
                 <a:effectLst/>
               </a:rPr>
               <a:t>내용 저장</a:t>
+            </a:r>
+            <a:endParaRPr lang="en-US" altLang="ko-KR" dirty="0">
+              <a:effectLst/>
+            </a:endParaRPr>
+          </a:p>
+          <a:p>
+            <a:r>
+              <a:rPr lang="en-US" altLang="ko-KR" dirty="0">
+                <a:effectLst/>
+              </a:rPr>
+              <a:t>- alert</a:t>
             </a:r>
             <a:endParaRPr lang="ko-KR" altLang="en-US" dirty="0"/>
           </a:p>
@@ -6099,51 +7234,6 @@
       </p:sp>
       <p:sp>
         <p:nvSpPr>
-          <p:cNvPr id="18" name="TextBox 17">
-            <a:extLst>
-              <a:ext uri="{FF2B5EF4-FFF2-40B4-BE49-F238E27FC236}">
-                <a16:creationId xmlns:a16="http://schemas.microsoft.com/office/drawing/2014/main" id="{C39F5892-36FB-44D0-95BB-30A9FB2F3F9A}"/>
-              </a:ext>
-            </a:extLst>
-          </p:cNvPr>
-          <p:cNvSpPr txBox="1"/>
-          <p:nvPr/>
-        </p:nvSpPr>
-        <p:spPr>
-          <a:xfrm>
-            <a:off x="5572473" y="3619374"/>
-            <a:ext cx="3574568" cy="369332"/>
-          </a:xfrm>
-          <a:prstGeom prst="rect">
-            <a:avLst/>
-          </a:prstGeom>
-          <a:noFill/>
-        </p:spPr>
-        <p:txBody>
-          <a:bodyPr wrap="none" rtlCol="0">
-            <a:spAutoFit/>
-          </a:bodyPr>
-          <a:lstStyle/>
-          <a:p>
-            <a:r>
-              <a:rPr lang="en-US" altLang="ko-KR" dirty="0">
-                <a:solidFill>
-                  <a:schemeClr val="bg1"/>
-                </a:solidFill>
-                <a:effectLst/>
-              </a:rPr>
-              <a:t>form &gt; .name, .phone, .question</a:t>
-            </a:r>
-            <a:endParaRPr lang="ko-KR" altLang="en-US" dirty="0">
-              <a:solidFill>
-                <a:schemeClr val="bg1"/>
-              </a:solidFill>
-            </a:endParaRPr>
-          </a:p>
-        </p:txBody>
-      </p:sp>
-      <p:sp>
-        <p:nvSpPr>
           <p:cNvPr id="23" name="TextBox 22">
             <a:extLst>
               <a:ext uri="{FF2B5EF4-FFF2-40B4-BE49-F238E27FC236}">
@@ -6273,6 +7363,51 @@
           <a:p>
             <a:pPr algn="ctr"/>
             <a:endParaRPr lang="ko-KR" altLang="en-US" dirty="0"/>
+          </a:p>
+        </p:txBody>
+      </p:sp>
+      <p:sp>
+        <p:nvSpPr>
+          <p:cNvPr id="18" name="TextBox 17">
+            <a:extLst>
+              <a:ext uri="{FF2B5EF4-FFF2-40B4-BE49-F238E27FC236}">
+                <a16:creationId xmlns:a16="http://schemas.microsoft.com/office/drawing/2014/main" id="{C39F5892-36FB-44D0-95BB-30A9FB2F3F9A}"/>
+              </a:ext>
+            </a:extLst>
+          </p:cNvPr>
+          <p:cNvSpPr txBox="1"/>
+          <p:nvPr/>
+        </p:nvSpPr>
+        <p:spPr>
+          <a:xfrm>
+            <a:off x="5572473" y="3619374"/>
+            <a:ext cx="3466846" cy="369332"/>
+          </a:xfrm>
+          <a:prstGeom prst="rect">
+            <a:avLst/>
+          </a:prstGeom>
+          <a:noFill/>
+        </p:spPr>
+        <p:txBody>
+          <a:bodyPr wrap="none" rtlCol="0">
+            <a:spAutoFit/>
+          </a:bodyPr>
+          <a:lstStyle/>
+          <a:p>
+            <a:r>
+              <a:rPr lang="en-US" altLang="ko-KR" dirty="0">
+                <a:solidFill>
+                  <a:schemeClr val="bg1"/>
+                </a:solidFill>
+                <a:effectLst/>
+              </a:rPr>
+              <a:t>form &gt; .name, .phone, .content</a:t>
+            </a:r>
+            <a:endParaRPr lang="ko-KR" altLang="en-US" dirty="0">
+              <a:solidFill>
+                <a:schemeClr val="bg1"/>
+              </a:solidFill>
+            </a:endParaRPr>
           </a:p>
         </p:txBody>
       </p:sp>
@@ -6734,24 +7869,24 @@
           <a:p>
             <a:pPr algn="r"/>
             <a:r>
-              <a:rPr lang="ko-KR" altLang="en-US" dirty="0">
+              <a:rPr lang="ko-KR" altLang="en-US" strike="sngStrike" dirty="0">
                 <a:effectLst/>
               </a:rPr>
               <a:t>봉사 사진</a:t>
             </a:r>
-            <a:endParaRPr lang="en-US" altLang="ko-KR" dirty="0">
+            <a:endParaRPr lang="en-US" altLang="ko-KR" strike="sngStrike" dirty="0">
               <a:effectLst/>
             </a:endParaRPr>
           </a:p>
           <a:p>
             <a:pPr algn="r"/>
             <a:r>
-              <a:rPr lang="ko-KR" altLang="en-US" dirty="0">
+              <a:rPr lang="ko-KR" altLang="en-US" strike="sngStrike" dirty="0">
                 <a:effectLst/>
               </a:rPr>
               <a:t>미디어 사진</a:t>
             </a:r>
-            <a:endParaRPr lang="en-US" altLang="ko-KR" dirty="0">
+            <a:endParaRPr lang="en-US" altLang="ko-KR" strike="sngStrike" dirty="0">
               <a:effectLst/>
             </a:endParaRPr>
           </a:p>
@@ -7318,7 +8453,7 @@
         </p:nvSpPr>
         <p:spPr>
           <a:xfrm>
-            <a:off x="7193697" y="2426141"/>
+            <a:off x="7193697" y="2454716"/>
             <a:ext cx="3682418" cy="369332"/>
           </a:xfrm>
           <a:prstGeom prst="rect">
@@ -7837,6 +8972,125 @@
           <a:chExt cx="0" cy="0"/>
         </a:xfrm>
       </p:grpSpPr>
+      <p:pic>
+        <p:nvPicPr>
+          <p:cNvPr id="18" name="그림 17">
+            <a:extLst>
+              <a:ext uri="{FF2B5EF4-FFF2-40B4-BE49-F238E27FC236}">
+                <a16:creationId xmlns:a16="http://schemas.microsoft.com/office/drawing/2014/main" id="{9315D243-230A-4CCC-AA6A-665E4CB1E08C}"/>
+              </a:ext>
+            </a:extLst>
+          </p:cNvPr>
+          <p:cNvPicPr>
+            <a:picLocks noChangeAspect="1"/>
+          </p:cNvPicPr>
+          <p:nvPr/>
+        </p:nvPicPr>
+        <p:blipFill rotWithShape="1">
+          <a:blip r:embed="rId2"/>
+          <a:srcRect t="40466"/>
+          <a:stretch/>
+        </p:blipFill>
+        <p:spPr>
+          <a:xfrm>
+            <a:off x="2496000" y="2467556"/>
+            <a:ext cx="7200000" cy="1095668"/>
+          </a:xfrm>
+          <a:prstGeom prst="rect">
+            <a:avLst/>
+          </a:prstGeom>
+        </p:spPr>
+      </p:pic>
+      <p:sp>
+        <p:nvSpPr>
+          <p:cNvPr id="6" name="TextBox 5">
+            <a:extLst>
+              <a:ext uri="{FF2B5EF4-FFF2-40B4-BE49-F238E27FC236}">
+                <a16:creationId xmlns:a16="http://schemas.microsoft.com/office/drawing/2014/main" id="{EC551EAF-4888-4B34-8AD8-E412BA28D415}"/>
+              </a:ext>
+            </a:extLst>
+          </p:cNvPr>
+          <p:cNvSpPr txBox="1"/>
+          <p:nvPr/>
+        </p:nvSpPr>
+        <p:spPr>
+          <a:xfrm>
+            <a:off x="2496002" y="2098224"/>
+            <a:ext cx="1683602" cy="369332"/>
+          </a:xfrm>
+          <a:prstGeom prst="rect">
+            <a:avLst/>
+          </a:prstGeom>
+          <a:noFill/>
+        </p:spPr>
+        <p:txBody>
+          <a:bodyPr wrap="none" rtlCol="0">
+            <a:spAutoFit/>
+          </a:bodyPr>
+          <a:lstStyle/>
+          <a:p>
+            <a:r>
+              <a:rPr lang="en-US" altLang="ko-KR" dirty="0">
+                <a:effectLst/>
+              </a:rPr>
+              <a:t>side scroll box</a:t>
+            </a:r>
+            <a:endParaRPr lang="ko-KR" altLang="en-US" dirty="0"/>
+          </a:p>
+        </p:txBody>
+      </p:sp>
+      <p:sp>
+        <p:nvSpPr>
+          <p:cNvPr id="7" name="직사각형 6">
+            <a:extLst>
+              <a:ext uri="{FF2B5EF4-FFF2-40B4-BE49-F238E27FC236}">
+                <a16:creationId xmlns:a16="http://schemas.microsoft.com/office/drawing/2014/main" id="{0ACF9210-9B20-4535-BE59-34C9B3ADB900}"/>
+              </a:ext>
+            </a:extLst>
+          </p:cNvPr>
+          <p:cNvSpPr/>
+          <p:nvPr/>
+        </p:nvSpPr>
+        <p:spPr>
+          <a:xfrm>
+            <a:off x="2496001" y="2471970"/>
+            <a:ext cx="7199999" cy="1091254"/>
+          </a:xfrm>
+          <a:prstGeom prst="rect">
+            <a:avLst/>
+          </a:prstGeom>
+          <a:noFill/>
+          <a:ln w="38100">
+            <a:solidFill>
+              <a:srgbClr val="FF0000"/>
+            </a:solidFill>
+          </a:ln>
+        </p:spPr>
+        <p:style>
+          <a:lnRef idx="2">
+            <a:schemeClr val="accent1">
+              <a:shade val="50000"/>
+            </a:schemeClr>
+          </a:lnRef>
+          <a:fillRef idx="1">
+            <a:schemeClr val="accent1"/>
+          </a:fillRef>
+          <a:effectRef idx="0">
+            <a:schemeClr val="accent1"/>
+          </a:effectRef>
+          <a:fontRef idx="minor">
+            <a:schemeClr val="lt1"/>
+          </a:fontRef>
+        </p:style>
+        <p:txBody>
+          <a:bodyPr rtlCol="0" anchor="ctr"/>
+          <a:lstStyle/>
+          <a:p>
+            <a:pPr algn="ctr"/>
+            <a:endParaRPr lang="ko-KR" altLang="en-US" dirty="0"/>
+          </a:p>
+        </p:txBody>
+      </p:sp>
       <p:sp>
         <p:nvSpPr>
           <p:cNvPr id="26" name="TextBox 25">
@@ -7880,42 +9134,64 @@
           </a:p>
         </p:txBody>
       </p:sp>
-      <p:pic>
-        <p:nvPicPr>
-          <p:cNvPr id="3" name="그림 2">
-            <a:extLst>
-              <a:ext uri="{FF2B5EF4-FFF2-40B4-BE49-F238E27FC236}">
-                <a16:creationId xmlns:a16="http://schemas.microsoft.com/office/drawing/2014/main" id="{EBECA62B-95AD-4D6C-9F72-B01E9D647BED}"/>
-              </a:ext>
-            </a:extLst>
-          </p:cNvPr>
-          <p:cNvPicPr>
-            <a:picLocks noChangeAspect="1"/>
-          </p:cNvPicPr>
-          <p:nvPr/>
-        </p:nvPicPr>
-        <p:blipFill>
-          <a:blip r:embed="rId2"/>
-          <a:stretch>
-            <a:fillRect/>
-          </a:stretch>
-        </p:blipFill>
-        <p:spPr>
-          <a:xfrm>
-            <a:off x="3340609" y="1018830"/>
-            <a:ext cx="3600000" cy="4820339"/>
-          </a:xfrm>
-          <a:prstGeom prst="rect">
-            <a:avLst/>
-          </a:prstGeom>
-        </p:spPr>
-      </p:pic>
-      <p:sp>
-        <p:nvSpPr>
-          <p:cNvPr id="24" name="TextBox 23">
-            <a:extLst>
-              <a:ext uri="{FF2B5EF4-FFF2-40B4-BE49-F238E27FC236}">
-                <a16:creationId xmlns:a16="http://schemas.microsoft.com/office/drawing/2014/main" id="{1074B669-EB79-490D-A564-46053BCE654B}"/>
+      <p:sp>
+        <p:nvSpPr>
+          <p:cNvPr id="9" name="직사각형 8">
+            <a:extLst>
+              <a:ext uri="{FF2B5EF4-FFF2-40B4-BE49-F238E27FC236}">
+                <a16:creationId xmlns:a16="http://schemas.microsoft.com/office/drawing/2014/main" id="{43EE3A2A-F7C1-4849-93AC-0B385410B2EB}"/>
+              </a:ext>
+            </a:extLst>
+          </p:cNvPr>
+          <p:cNvSpPr/>
+          <p:nvPr/>
+        </p:nvSpPr>
+        <p:spPr>
+          <a:xfrm>
+            <a:off x="3527848" y="2624370"/>
+            <a:ext cx="2043855" cy="789484"/>
+          </a:xfrm>
+          <a:prstGeom prst="rect">
+            <a:avLst/>
+          </a:prstGeom>
+          <a:noFill/>
+          <a:ln w="38100">
+            <a:solidFill>
+              <a:srgbClr val="FFFF00"/>
+            </a:solidFill>
+          </a:ln>
+        </p:spPr>
+        <p:style>
+          <a:lnRef idx="2">
+            <a:schemeClr val="accent1">
+              <a:shade val="50000"/>
+            </a:schemeClr>
+          </a:lnRef>
+          <a:fillRef idx="1">
+            <a:schemeClr val="accent1"/>
+          </a:fillRef>
+          <a:effectRef idx="0">
+            <a:schemeClr val="accent1"/>
+          </a:effectRef>
+          <a:fontRef idx="minor">
+            <a:schemeClr val="lt1"/>
+          </a:fontRef>
+        </p:style>
+        <p:txBody>
+          <a:bodyPr rtlCol="0" anchor="ctr"/>
+          <a:lstStyle/>
+          <a:p>
+            <a:pPr algn="ctr"/>
+            <a:endParaRPr lang="ko-KR" altLang="en-US" dirty="0"/>
+          </a:p>
+        </p:txBody>
+      </p:sp>
+      <p:sp>
+        <p:nvSpPr>
+          <p:cNvPr id="12" name="TextBox 11">
+            <a:extLst>
+              <a:ext uri="{FF2B5EF4-FFF2-40B4-BE49-F238E27FC236}">
+                <a16:creationId xmlns:a16="http://schemas.microsoft.com/office/drawing/2014/main" id="{41F0E787-4A72-4412-99CB-7A858DD21543}"/>
               </a:ext>
             </a:extLst>
           </p:cNvPr>
@@ -7924,8 +9200,8 @@
         </p:nvSpPr>
         <p:spPr>
           <a:xfrm>
-            <a:off x="6258750" y="1606060"/>
-            <a:ext cx="2712602" cy="923330"/>
+            <a:off x="7663336" y="3932556"/>
+            <a:ext cx="2353465" cy="369332"/>
           </a:xfrm>
           <a:prstGeom prst="rect">
             <a:avLst/>
@@ -7941,57 +9217,25 @@
           <a:lstStyle/>
           <a:p>
             <a:r>
-              <a:rPr lang="ko-KR" altLang="en-US" dirty="0"/>
-              <a:t>햄버거버튼</a:t>
-            </a:r>
-            <a:endParaRPr lang="en-US" altLang="ko-KR" dirty="0"/>
-          </a:p>
-          <a:p>
-            <a:pPr marL="285750" indent="-285750">
-              <a:buFontTx/>
-              <a:buChar char="-"/>
-            </a:pPr>
-            <a:r>
-              <a:rPr lang="en-US" altLang="ko-KR" dirty="0" err="1"/>
-              <a:t>div.btn</a:t>
-            </a:r>
-            <a:r>
               <a:rPr lang="en-US" altLang="ko-KR" dirty="0"/>
-              <a:t>-nav &gt; </a:t>
-            </a:r>
-            <a:r>
-              <a:rPr lang="en-US" altLang="ko-KR" dirty="0" err="1"/>
-              <a:t>i</a:t>
-            </a:r>
-            <a:endParaRPr lang="en-US" altLang="ko-KR" dirty="0"/>
-          </a:p>
-          <a:p>
-            <a:pPr marL="285750" indent="-285750">
-              <a:buFontTx/>
-              <a:buChar char="-"/>
-            </a:pPr>
-            <a:r>
-              <a:rPr lang="ko-KR" altLang="en-US" dirty="0"/>
-              <a:t>클릭 </a:t>
-            </a:r>
-            <a:r>
-              <a:rPr lang="en-US" altLang="ko-KR" dirty="0"/>
-              <a:t>&gt; nav </a:t>
-            </a:r>
-            <a:r>
-              <a:rPr lang="ko-KR" altLang="en-US" dirty="0"/>
-              <a:t>영역 등장</a:t>
-            </a:r>
-            <a:endParaRPr lang="en-US" altLang="ko-KR" dirty="0">
-              <a:effectLst/>
-            </a:endParaRPr>
+              <a:t>span </a:t>
+            </a:r>
+            <a:r>
+              <a:rPr lang="en-US" altLang="ko-KR"/>
+              <a:t>: </a:t>
+            </a:r>
+            <a:r>
+              <a:rPr lang="ko-KR" altLang="en-US"/>
+              <a:t>전화번호 크게</a:t>
+            </a:r>
+            <a:endParaRPr lang="ko-KR" altLang="en-US" dirty="0"/>
           </a:p>
         </p:txBody>
       </p:sp>
     </p:spTree>
     <p:extLst>
       <p:ext uri="{BB962C8B-B14F-4D97-AF65-F5344CB8AC3E}">
-        <p14:creationId xmlns:p14="http://schemas.microsoft.com/office/powerpoint/2010/main" val="3893693923"/>
+        <p14:creationId xmlns:p14="http://schemas.microsoft.com/office/powerpoint/2010/main" val="3340573278"/>
       </p:ext>
     </p:extLst>
   </p:cSld>

--- a/[참고] lawfirm/(노트) lawfirm.pptx
+++ b/[참고] lawfirm/(노트) lawfirm.pptx
@@ -131,6 +131,10 @@
             <p14:sldId id="261"/>
             <p14:sldId id="262"/>
             <p14:sldId id="263"/>
+          </p14:sldIdLst>
+        </p14:section>
+        <p14:section name="서브페이지 (자료실)" id="{2A1AECDF-39E3-4AAB-A07F-21FB4E0C13CA}">
+          <p14:sldIdLst>
             <p14:sldId id="267"/>
           </p14:sldIdLst>
         </p14:section>
@@ -296,7 +300,7 @@
           <a:p>
             <a:fld id="{4D217293-0FE5-4C44-B6CF-2C7B9F2C9204}" type="datetimeFigureOut">
               <a:rPr lang="ko-KR" altLang="en-US" smtClean="0"/>
-              <a:t>2022-01-14</a:t>
+              <a:t>2022-01-15</a:t>
             </a:fld>
             <a:endParaRPr lang="ko-KR" altLang="en-US"/>
           </a:p>
@@ -494,7 +498,7 @@
           <a:p>
             <a:fld id="{4D217293-0FE5-4C44-B6CF-2C7B9F2C9204}" type="datetimeFigureOut">
               <a:rPr lang="ko-KR" altLang="en-US" smtClean="0"/>
-              <a:t>2022-01-14</a:t>
+              <a:t>2022-01-15</a:t>
             </a:fld>
             <a:endParaRPr lang="ko-KR" altLang="en-US"/>
           </a:p>
@@ -702,7 +706,7 @@
           <a:p>
             <a:fld id="{4D217293-0FE5-4C44-B6CF-2C7B9F2C9204}" type="datetimeFigureOut">
               <a:rPr lang="ko-KR" altLang="en-US" smtClean="0"/>
-              <a:t>2022-01-14</a:t>
+              <a:t>2022-01-15</a:t>
             </a:fld>
             <a:endParaRPr lang="ko-KR" altLang="en-US"/>
           </a:p>
@@ -900,7 +904,7 @@
           <a:p>
             <a:fld id="{4D217293-0FE5-4C44-B6CF-2C7B9F2C9204}" type="datetimeFigureOut">
               <a:rPr lang="ko-KR" altLang="en-US" smtClean="0"/>
-              <a:t>2022-01-14</a:t>
+              <a:t>2022-01-15</a:t>
             </a:fld>
             <a:endParaRPr lang="ko-KR" altLang="en-US"/>
           </a:p>
@@ -1175,7 +1179,7 @@
           <a:p>
             <a:fld id="{4D217293-0FE5-4C44-B6CF-2C7B9F2C9204}" type="datetimeFigureOut">
               <a:rPr lang="ko-KR" altLang="en-US" smtClean="0"/>
-              <a:t>2022-01-14</a:t>
+              <a:t>2022-01-15</a:t>
             </a:fld>
             <a:endParaRPr lang="ko-KR" altLang="en-US"/>
           </a:p>
@@ -1440,7 +1444,7 @@
           <a:p>
             <a:fld id="{4D217293-0FE5-4C44-B6CF-2C7B9F2C9204}" type="datetimeFigureOut">
               <a:rPr lang="ko-KR" altLang="en-US" smtClean="0"/>
-              <a:t>2022-01-14</a:t>
+              <a:t>2022-01-15</a:t>
             </a:fld>
             <a:endParaRPr lang="ko-KR" altLang="en-US"/>
           </a:p>
@@ -1852,7 +1856,7 @@
           <a:p>
             <a:fld id="{4D217293-0FE5-4C44-B6CF-2C7B9F2C9204}" type="datetimeFigureOut">
               <a:rPr lang="ko-KR" altLang="en-US" smtClean="0"/>
-              <a:t>2022-01-14</a:t>
+              <a:t>2022-01-15</a:t>
             </a:fld>
             <a:endParaRPr lang="ko-KR" altLang="en-US"/>
           </a:p>
@@ -1993,7 +1997,7 @@
           <a:p>
             <a:fld id="{4D217293-0FE5-4C44-B6CF-2C7B9F2C9204}" type="datetimeFigureOut">
               <a:rPr lang="ko-KR" altLang="en-US" smtClean="0"/>
-              <a:t>2022-01-14</a:t>
+              <a:t>2022-01-15</a:t>
             </a:fld>
             <a:endParaRPr lang="ko-KR" altLang="en-US"/>
           </a:p>
@@ -2106,7 +2110,7 @@
           <a:p>
             <a:fld id="{4D217293-0FE5-4C44-B6CF-2C7B9F2C9204}" type="datetimeFigureOut">
               <a:rPr lang="ko-KR" altLang="en-US" smtClean="0"/>
-              <a:t>2022-01-14</a:t>
+              <a:t>2022-01-15</a:t>
             </a:fld>
             <a:endParaRPr lang="ko-KR" altLang="en-US"/>
           </a:p>
@@ -2417,7 +2421,7 @@
           <a:p>
             <a:fld id="{4D217293-0FE5-4C44-B6CF-2C7B9F2C9204}" type="datetimeFigureOut">
               <a:rPr lang="ko-KR" altLang="en-US" smtClean="0"/>
-              <a:t>2022-01-14</a:t>
+              <a:t>2022-01-15</a:t>
             </a:fld>
             <a:endParaRPr lang="ko-KR" altLang="en-US"/>
           </a:p>
@@ -2705,7 +2709,7 @@
           <a:p>
             <a:fld id="{4D217293-0FE5-4C44-B6CF-2C7B9F2C9204}" type="datetimeFigureOut">
               <a:rPr lang="ko-KR" altLang="en-US" smtClean="0"/>
-              <a:t>2022-01-14</a:t>
+              <a:t>2022-01-15</a:t>
             </a:fld>
             <a:endParaRPr lang="ko-KR" altLang="en-US"/>
           </a:p>
@@ -2946,7 +2950,7 @@
           <a:p>
             <a:fld id="{4D217293-0FE5-4C44-B6CF-2C7B9F2C9204}" type="datetimeFigureOut">
               <a:rPr lang="ko-KR" altLang="en-US" smtClean="0"/>
-              <a:t>2022-01-14</a:t>
+              <a:t>2022-01-15</a:t>
             </a:fld>
             <a:endParaRPr lang="ko-KR" altLang="en-US"/>
           </a:p>
@@ -3744,6 +3748,82 @@
           </a:p>
         </p:txBody>
       </p:sp>
+      <p:sp>
+        <p:nvSpPr>
+          <p:cNvPr id="7" name="TextBox 6">
+            <a:extLst>
+              <a:ext uri="{FF2B5EF4-FFF2-40B4-BE49-F238E27FC236}">
+                <a16:creationId xmlns:a16="http://schemas.microsoft.com/office/drawing/2014/main" id="{F4C3AF29-93CE-4401-B6CF-E789BAAA282D}"/>
+              </a:ext>
+            </a:extLst>
+          </p:cNvPr>
+          <p:cNvSpPr txBox="1"/>
+          <p:nvPr/>
+        </p:nvSpPr>
+        <p:spPr>
+          <a:xfrm>
+            <a:off x="3081701" y="4454622"/>
+            <a:ext cx="2739981" cy="369332"/>
+          </a:xfrm>
+          <a:prstGeom prst="rect">
+            <a:avLst/>
+          </a:prstGeom>
+          <a:noFill/>
+        </p:spPr>
+        <p:txBody>
+          <a:bodyPr wrap="none" rtlCol="0">
+            <a:spAutoFit/>
+          </a:bodyPr>
+          <a:lstStyle/>
+          <a:p>
+            <a:r>
+              <a:rPr lang="en-US" altLang="ko-KR" dirty="0">
+                <a:effectLst/>
+              </a:rPr>
+              <a:t>https://placeholder.com/</a:t>
+            </a:r>
+            <a:endParaRPr lang="ko-KR" altLang="en-US" dirty="0"/>
+          </a:p>
+        </p:txBody>
+      </p:sp>
+      <p:sp>
+        <p:nvSpPr>
+          <p:cNvPr id="8" name="TextBox 7">
+            <a:extLst>
+              <a:ext uri="{FF2B5EF4-FFF2-40B4-BE49-F238E27FC236}">
+                <a16:creationId xmlns:a16="http://schemas.microsoft.com/office/drawing/2014/main" id="{24B67853-D945-4BD4-995E-E03F969CB44B}"/>
+              </a:ext>
+            </a:extLst>
+          </p:cNvPr>
+          <p:cNvSpPr txBox="1"/>
+          <p:nvPr/>
+        </p:nvSpPr>
+        <p:spPr>
+          <a:xfrm>
+            <a:off x="5199866" y="3244334"/>
+            <a:ext cx="2739981" cy="369332"/>
+          </a:xfrm>
+          <a:prstGeom prst="rect">
+            <a:avLst/>
+          </a:prstGeom>
+          <a:noFill/>
+        </p:spPr>
+        <p:txBody>
+          <a:bodyPr wrap="none" rtlCol="0">
+            <a:spAutoFit/>
+          </a:bodyPr>
+          <a:lstStyle/>
+          <a:p>
+            <a:r>
+              <a:rPr lang="en-US" altLang="ko-KR" dirty="0">
+                <a:effectLst/>
+              </a:rPr>
+              <a:t>background-attachment</a:t>
+            </a:r>
+            <a:endParaRPr lang="ko-KR" altLang="en-US" dirty="0"/>
+          </a:p>
+        </p:txBody>
+      </p:sp>
     </p:spTree>
     <p:extLst>
       <p:ext uri="{BB962C8B-B14F-4D97-AF65-F5344CB8AC3E}">
@@ -8972,12 +9052,55 @@
           <a:chExt cx="0" cy="0"/>
         </a:xfrm>
       </p:grpSpPr>
+      <p:sp>
+        <p:nvSpPr>
+          <p:cNvPr id="26" name="TextBox 25">
+            <a:extLst>
+              <a:ext uri="{FF2B5EF4-FFF2-40B4-BE49-F238E27FC236}">
+                <a16:creationId xmlns:a16="http://schemas.microsoft.com/office/drawing/2014/main" id="{78120F51-566B-4B15-B1D3-B763216263ED}"/>
+              </a:ext>
+            </a:extLst>
+          </p:cNvPr>
+          <p:cNvSpPr txBox="1"/>
+          <p:nvPr/>
+        </p:nvSpPr>
+        <p:spPr>
+          <a:xfrm>
+            <a:off x="10771418" y="0"/>
+            <a:ext cx="1420582" cy="369332"/>
+          </a:xfrm>
+          <a:prstGeom prst="rect">
+            <a:avLst/>
+          </a:prstGeom>
+          <a:solidFill>
+            <a:srgbClr val="FFFF00"/>
+          </a:solidFill>
+        </p:spPr>
+        <p:txBody>
+          <a:bodyPr wrap="none" rtlCol="0">
+            <a:spAutoFit/>
+          </a:bodyPr>
+          <a:lstStyle/>
+          <a:p>
+            <a:pPr algn="r"/>
+            <a:r>
+              <a:rPr lang="ko-KR" altLang="en-US" dirty="0">
+                <a:effectLst/>
+              </a:rPr>
+              <a:t>상단 이미지</a:t>
+            </a:r>
+            <a:endParaRPr lang="en-US" altLang="ko-KR" dirty="0">
+              <a:effectLst/>
+            </a:endParaRPr>
+          </a:p>
+        </p:txBody>
+      </p:sp>
       <p:pic>
         <p:nvPicPr>
-          <p:cNvPr id="18" name="그림 17">
-            <a:extLst>
-              <a:ext uri="{FF2B5EF4-FFF2-40B4-BE49-F238E27FC236}">
-                <a16:creationId xmlns:a16="http://schemas.microsoft.com/office/drawing/2014/main" id="{9315D243-230A-4CCC-AA6A-665E4CB1E08C}"/>
+          <p:cNvPr id="3" name="그림 2">
+            <a:extLst>
+              <a:ext uri="{FF2B5EF4-FFF2-40B4-BE49-F238E27FC236}">
+                <a16:creationId xmlns:a16="http://schemas.microsoft.com/office/drawing/2014/main" id="{3AB00F19-79E8-4BEE-88DB-C950B53C5EC8}"/>
               </a:ext>
             </a:extLst>
           </p:cNvPr>
@@ -8986,15 +9109,16 @@
           </p:cNvPicPr>
           <p:nvPr/>
         </p:nvPicPr>
-        <p:blipFill rotWithShape="1">
+        <p:blipFill>
           <a:blip r:embed="rId2"/>
-          <a:srcRect t="40466"/>
-          <a:stretch/>
+          <a:stretch>
+            <a:fillRect/>
+          </a:stretch>
         </p:blipFill>
         <p:spPr>
           <a:xfrm>
-            <a:off x="2496000" y="2467556"/>
-            <a:ext cx="7200000" cy="1095668"/>
+            <a:off x="3396000" y="701728"/>
+            <a:ext cx="5400000" cy="5454545"/>
           </a:xfrm>
           <a:prstGeom prst="rect">
             <a:avLst/>
@@ -9003,48 +9127,10 @@
       </p:pic>
       <p:sp>
         <p:nvSpPr>
-          <p:cNvPr id="6" name="TextBox 5">
-            <a:extLst>
-              <a:ext uri="{FF2B5EF4-FFF2-40B4-BE49-F238E27FC236}">
-                <a16:creationId xmlns:a16="http://schemas.microsoft.com/office/drawing/2014/main" id="{EC551EAF-4888-4B34-8AD8-E412BA28D415}"/>
-              </a:ext>
-            </a:extLst>
-          </p:cNvPr>
-          <p:cNvSpPr txBox="1"/>
-          <p:nvPr/>
-        </p:nvSpPr>
-        <p:spPr>
-          <a:xfrm>
-            <a:off x="2496002" y="2098224"/>
-            <a:ext cx="1683602" cy="369332"/>
-          </a:xfrm>
-          <a:prstGeom prst="rect">
-            <a:avLst/>
-          </a:prstGeom>
-          <a:noFill/>
-        </p:spPr>
-        <p:txBody>
-          <a:bodyPr wrap="none" rtlCol="0">
-            <a:spAutoFit/>
-          </a:bodyPr>
-          <a:lstStyle/>
-          <a:p>
-            <a:r>
-              <a:rPr lang="en-US" altLang="ko-KR" dirty="0">
-                <a:effectLst/>
-              </a:rPr>
-              <a:t>side scroll box</a:t>
-            </a:r>
-            <a:endParaRPr lang="ko-KR" altLang="en-US" dirty="0"/>
-          </a:p>
-        </p:txBody>
-      </p:sp>
-      <p:sp>
-        <p:nvSpPr>
-          <p:cNvPr id="7" name="직사각형 6">
-            <a:extLst>
-              <a:ext uri="{FF2B5EF4-FFF2-40B4-BE49-F238E27FC236}">
-                <a16:creationId xmlns:a16="http://schemas.microsoft.com/office/drawing/2014/main" id="{0ACF9210-9B20-4535-BE59-34C9B3ADB900}"/>
+          <p:cNvPr id="4" name="직사각형 3">
+            <a:extLst>
+              <a:ext uri="{FF2B5EF4-FFF2-40B4-BE49-F238E27FC236}">
+                <a16:creationId xmlns:a16="http://schemas.microsoft.com/office/drawing/2014/main" id="{D79B64C5-AB64-464D-9A65-9E81FB328683}"/>
               </a:ext>
             </a:extLst>
           </p:cNvPr>
@@ -9053,8 +9139,8 @@
         </p:nvSpPr>
         <p:spPr>
           <a:xfrm>
-            <a:off x="2496001" y="2471970"/>
-            <a:ext cx="7199999" cy="1091254"/>
+            <a:off x="3398519" y="1335510"/>
+            <a:ext cx="5397481" cy="986209"/>
           </a:xfrm>
           <a:prstGeom prst="rect">
             <a:avLst/>
@@ -9093,53 +9179,10 @@
       </p:sp>
       <p:sp>
         <p:nvSpPr>
-          <p:cNvPr id="26" name="TextBox 25">
-            <a:extLst>
-              <a:ext uri="{FF2B5EF4-FFF2-40B4-BE49-F238E27FC236}">
-                <a16:creationId xmlns:a16="http://schemas.microsoft.com/office/drawing/2014/main" id="{78120F51-566B-4B15-B1D3-B763216263ED}"/>
-              </a:ext>
-            </a:extLst>
-          </p:cNvPr>
-          <p:cNvSpPr txBox="1"/>
-          <p:nvPr/>
-        </p:nvSpPr>
-        <p:spPr>
-          <a:xfrm>
-            <a:off x="10771418" y="0"/>
-            <a:ext cx="1420582" cy="369332"/>
-          </a:xfrm>
-          <a:prstGeom prst="rect">
-            <a:avLst/>
-          </a:prstGeom>
-          <a:solidFill>
-            <a:srgbClr val="FFFF00"/>
-          </a:solidFill>
-        </p:spPr>
-        <p:txBody>
-          <a:bodyPr wrap="none" rtlCol="0">
-            <a:spAutoFit/>
-          </a:bodyPr>
-          <a:lstStyle/>
-          <a:p>
-            <a:pPr algn="r"/>
-            <a:r>
-              <a:rPr lang="ko-KR" altLang="en-US" dirty="0">
-                <a:effectLst/>
-              </a:rPr>
-              <a:t>로고 이미지</a:t>
-            </a:r>
-            <a:endParaRPr lang="en-US" altLang="ko-KR" dirty="0">
-              <a:effectLst/>
-            </a:endParaRPr>
-          </a:p>
-        </p:txBody>
-      </p:sp>
-      <p:sp>
-        <p:nvSpPr>
-          <p:cNvPr id="9" name="직사각형 8">
-            <a:extLst>
-              <a:ext uri="{FF2B5EF4-FFF2-40B4-BE49-F238E27FC236}">
-                <a16:creationId xmlns:a16="http://schemas.microsoft.com/office/drawing/2014/main" id="{43EE3A2A-F7C1-4849-93AC-0B385410B2EB}"/>
+          <p:cNvPr id="13" name="직사각형 12">
+            <a:extLst>
+              <a:ext uri="{FF2B5EF4-FFF2-40B4-BE49-F238E27FC236}">
+                <a16:creationId xmlns:a16="http://schemas.microsoft.com/office/drawing/2014/main" id="{42FB220F-B395-4BCF-ADF4-AD49AD7C4F45}"/>
               </a:ext>
             </a:extLst>
           </p:cNvPr>
@@ -9148,8 +9191,8 @@
         </p:nvSpPr>
         <p:spPr>
           <a:xfrm>
-            <a:off x="3527848" y="2624370"/>
-            <a:ext cx="2043855" cy="789484"/>
+            <a:off x="3396000" y="701728"/>
+            <a:ext cx="5400000" cy="579385"/>
           </a:xfrm>
           <a:prstGeom prst="rect">
             <a:avLst/>
@@ -9157,7 +9200,7 @@
           <a:noFill/>
           <a:ln w="38100">
             <a:solidFill>
-              <a:srgbClr val="FFFF00"/>
+              <a:srgbClr val="FF0000"/>
             </a:solidFill>
           </a:ln>
         </p:spPr>
@@ -9182,16 +9225,156 @@
           <a:lstStyle/>
           <a:p>
             <a:pPr algn="ctr"/>
+            <a:endParaRPr lang="ko-KR" altLang="en-US"/>
+          </a:p>
+        </p:txBody>
+      </p:sp>
+      <p:sp>
+        <p:nvSpPr>
+          <p:cNvPr id="14" name="직사각형 13">
+            <a:extLst>
+              <a:ext uri="{FF2B5EF4-FFF2-40B4-BE49-F238E27FC236}">
+                <a16:creationId xmlns:a16="http://schemas.microsoft.com/office/drawing/2014/main" id="{E0B014D7-E6A9-4A8C-83A0-E68D863D16E9}"/>
+              </a:ext>
+            </a:extLst>
+          </p:cNvPr>
+          <p:cNvSpPr/>
+          <p:nvPr/>
+        </p:nvSpPr>
+        <p:spPr>
+          <a:xfrm>
+            <a:off x="3435423" y="1058774"/>
+            <a:ext cx="5319699" cy="179688"/>
+          </a:xfrm>
+          <a:prstGeom prst="rect">
+            <a:avLst/>
+          </a:prstGeom>
+          <a:noFill/>
+          <a:ln w="38100">
+            <a:solidFill>
+              <a:srgbClr val="FFFF00"/>
+            </a:solidFill>
+          </a:ln>
+        </p:spPr>
+        <p:style>
+          <a:lnRef idx="2">
+            <a:schemeClr val="accent1">
+              <a:shade val="50000"/>
+            </a:schemeClr>
+          </a:lnRef>
+          <a:fillRef idx="1">
+            <a:schemeClr val="accent1"/>
+          </a:fillRef>
+          <a:effectRef idx="0">
+            <a:schemeClr val="accent1"/>
+          </a:effectRef>
+          <a:fontRef idx="minor">
+            <a:schemeClr val="lt1"/>
+          </a:fontRef>
+        </p:style>
+        <p:txBody>
+          <a:bodyPr rtlCol="0" anchor="ctr"/>
+          <a:lstStyle/>
+          <a:p>
+            <a:pPr algn="ctr"/>
+            <a:endParaRPr lang="ko-KR" altLang="en-US"/>
+          </a:p>
+        </p:txBody>
+      </p:sp>
+      <p:sp>
+        <p:nvSpPr>
+          <p:cNvPr id="15" name="직사각형 14">
+            <a:extLst>
+              <a:ext uri="{FF2B5EF4-FFF2-40B4-BE49-F238E27FC236}">
+                <a16:creationId xmlns:a16="http://schemas.microsoft.com/office/drawing/2014/main" id="{96D97C1E-AB1F-4D68-A905-DE59D27F2EED}"/>
+              </a:ext>
+            </a:extLst>
+          </p:cNvPr>
+          <p:cNvSpPr/>
+          <p:nvPr/>
+        </p:nvSpPr>
+        <p:spPr>
+          <a:xfrm>
+            <a:off x="4277628" y="1108408"/>
+            <a:ext cx="3606175" cy="101462"/>
+          </a:xfrm>
+          <a:prstGeom prst="rect">
+            <a:avLst/>
+          </a:prstGeom>
+          <a:noFill/>
+          <a:ln w="38100">
+            <a:solidFill>
+              <a:srgbClr val="00B050"/>
+            </a:solidFill>
+          </a:ln>
+        </p:spPr>
+        <p:style>
+          <a:lnRef idx="2">
+            <a:schemeClr val="accent1">
+              <a:shade val="50000"/>
+            </a:schemeClr>
+          </a:lnRef>
+          <a:fillRef idx="1">
+            <a:schemeClr val="accent1"/>
+          </a:fillRef>
+          <a:effectRef idx="0">
+            <a:schemeClr val="accent1"/>
+          </a:effectRef>
+          <a:fontRef idx="minor">
+            <a:schemeClr val="lt1"/>
+          </a:fontRef>
+        </p:style>
+        <p:txBody>
+          <a:bodyPr rtlCol="0" anchor="ctr"/>
+          <a:lstStyle/>
+          <a:p>
+            <a:pPr algn="ctr"/>
+            <a:endParaRPr lang="ko-KR" altLang="en-US"/>
+          </a:p>
+        </p:txBody>
+      </p:sp>
+      <p:sp>
+        <p:nvSpPr>
+          <p:cNvPr id="16" name="TextBox 15">
+            <a:extLst>
+              <a:ext uri="{FF2B5EF4-FFF2-40B4-BE49-F238E27FC236}">
+                <a16:creationId xmlns:a16="http://schemas.microsoft.com/office/drawing/2014/main" id="{9D7B03FE-0B09-4B44-9381-8CA2F564DA17}"/>
+              </a:ext>
+            </a:extLst>
+          </p:cNvPr>
+          <p:cNvSpPr txBox="1"/>
+          <p:nvPr/>
+        </p:nvSpPr>
+        <p:spPr>
+          <a:xfrm>
+            <a:off x="3435423" y="698060"/>
+            <a:ext cx="882036" cy="369332"/>
+          </a:xfrm>
+          <a:prstGeom prst="rect">
+            <a:avLst/>
+          </a:prstGeom>
+          <a:noFill/>
+        </p:spPr>
+        <p:txBody>
+          <a:bodyPr wrap="none" rtlCol="0">
+            <a:spAutoFit/>
+          </a:bodyPr>
+          <a:lstStyle/>
+          <a:p>
+            <a:r>
+              <a:rPr lang="en-US" altLang="ko-KR" dirty="0" err="1"/>
+              <a:t>div.top</a:t>
+            </a:r>
             <a:endParaRPr lang="ko-KR" altLang="en-US" dirty="0"/>
           </a:p>
         </p:txBody>
       </p:sp>
       <p:sp>
         <p:nvSpPr>
-          <p:cNvPr id="12" name="TextBox 11">
-            <a:extLst>
-              <a:ext uri="{FF2B5EF4-FFF2-40B4-BE49-F238E27FC236}">
-                <a16:creationId xmlns:a16="http://schemas.microsoft.com/office/drawing/2014/main" id="{41F0E787-4A72-4412-99CB-7A858DD21543}"/>
+          <p:cNvPr id="17" name="TextBox 16">
+            <a:extLst>
+              <a:ext uri="{FF2B5EF4-FFF2-40B4-BE49-F238E27FC236}">
+                <a16:creationId xmlns:a16="http://schemas.microsoft.com/office/drawing/2014/main" id="{4AB737D5-0FB8-4436-87A1-E1FA37ED40C7}"/>
               </a:ext>
             </a:extLst>
           </p:cNvPr>
@@ -9200,8 +9383,834 @@
         </p:nvSpPr>
         <p:spPr>
           <a:xfrm>
-            <a:off x="7663336" y="3932556"/>
-            <a:ext cx="2353465" cy="369332"/>
+            <a:off x="3435423" y="974473"/>
+            <a:ext cx="550151" cy="369332"/>
+          </a:xfrm>
+          <a:prstGeom prst="rect">
+            <a:avLst/>
+          </a:prstGeom>
+          <a:noFill/>
+        </p:spPr>
+        <p:txBody>
+          <a:bodyPr wrap="none" rtlCol="0">
+            <a:spAutoFit/>
+          </a:bodyPr>
+          <a:lstStyle/>
+          <a:p>
+            <a:r>
+              <a:rPr lang="en-US" altLang="ko-KR" dirty="0">
+                <a:effectLst/>
+              </a:rPr>
+              <a:t>nav</a:t>
+            </a:r>
+            <a:endParaRPr lang="ko-KR" altLang="en-US" dirty="0"/>
+          </a:p>
+        </p:txBody>
+      </p:sp>
+      <p:sp>
+        <p:nvSpPr>
+          <p:cNvPr id="19" name="직사각형 18">
+            <a:extLst>
+              <a:ext uri="{FF2B5EF4-FFF2-40B4-BE49-F238E27FC236}">
+                <a16:creationId xmlns:a16="http://schemas.microsoft.com/office/drawing/2014/main" id="{22185601-AB3F-45AE-8A16-59406EE5CC2E}"/>
+              </a:ext>
+            </a:extLst>
+          </p:cNvPr>
+          <p:cNvSpPr/>
+          <p:nvPr/>
+        </p:nvSpPr>
+        <p:spPr>
+          <a:xfrm>
+            <a:off x="3398519" y="2376116"/>
+            <a:ext cx="5397481" cy="2755477"/>
+          </a:xfrm>
+          <a:prstGeom prst="rect">
+            <a:avLst/>
+          </a:prstGeom>
+          <a:noFill/>
+          <a:ln w="38100">
+            <a:solidFill>
+              <a:srgbClr val="FF0000"/>
+            </a:solidFill>
+          </a:ln>
+        </p:spPr>
+        <p:style>
+          <a:lnRef idx="2">
+            <a:schemeClr val="accent1">
+              <a:shade val="50000"/>
+            </a:schemeClr>
+          </a:lnRef>
+          <a:fillRef idx="1">
+            <a:schemeClr val="accent1"/>
+          </a:fillRef>
+          <a:effectRef idx="0">
+            <a:schemeClr val="accent1"/>
+          </a:effectRef>
+          <a:fontRef idx="minor">
+            <a:schemeClr val="lt1"/>
+          </a:fontRef>
+        </p:style>
+        <p:txBody>
+          <a:bodyPr rtlCol="0" anchor="ctr"/>
+          <a:lstStyle/>
+          <a:p>
+            <a:pPr algn="ctr"/>
+            <a:endParaRPr lang="ko-KR" altLang="en-US" dirty="0"/>
+          </a:p>
+        </p:txBody>
+      </p:sp>
+      <p:sp>
+        <p:nvSpPr>
+          <p:cNvPr id="20" name="직사각형 19">
+            <a:extLst>
+              <a:ext uri="{FF2B5EF4-FFF2-40B4-BE49-F238E27FC236}">
+                <a16:creationId xmlns:a16="http://schemas.microsoft.com/office/drawing/2014/main" id="{488012DE-B434-44BB-98DC-BDF0882B1768}"/>
+              </a:ext>
+            </a:extLst>
+          </p:cNvPr>
+          <p:cNvSpPr/>
+          <p:nvPr/>
+        </p:nvSpPr>
+        <p:spPr>
+          <a:xfrm>
+            <a:off x="3398519" y="5131594"/>
+            <a:ext cx="5397481" cy="1024678"/>
+          </a:xfrm>
+          <a:prstGeom prst="rect">
+            <a:avLst/>
+          </a:prstGeom>
+          <a:noFill/>
+          <a:ln w="38100">
+            <a:solidFill>
+              <a:srgbClr val="FF0000"/>
+            </a:solidFill>
+          </a:ln>
+        </p:spPr>
+        <p:style>
+          <a:lnRef idx="2">
+            <a:schemeClr val="accent1">
+              <a:shade val="50000"/>
+            </a:schemeClr>
+          </a:lnRef>
+          <a:fillRef idx="1">
+            <a:schemeClr val="accent1"/>
+          </a:fillRef>
+          <a:effectRef idx="0">
+            <a:schemeClr val="accent1"/>
+          </a:effectRef>
+          <a:fontRef idx="minor">
+            <a:schemeClr val="lt1"/>
+          </a:fontRef>
+        </p:style>
+        <p:txBody>
+          <a:bodyPr rtlCol="0" anchor="ctr"/>
+          <a:lstStyle/>
+          <a:p>
+            <a:pPr algn="ctr"/>
+            <a:endParaRPr lang="ko-KR" altLang="en-US" dirty="0"/>
+          </a:p>
+        </p:txBody>
+      </p:sp>
+      <p:sp>
+        <p:nvSpPr>
+          <p:cNvPr id="22" name="TextBox 21">
+            <a:extLst>
+              <a:ext uri="{FF2B5EF4-FFF2-40B4-BE49-F238E27FC236}">
+                <a16:creationId xmlns:a16="http://schemas.microsoft.com/office/drawing/2014/main" id="{CB940C98-4CA6-4B75-B224-1FC87A7F100E}"/>
+              </a:ext>
+            </a:extLst>
+          </p:cNvPr>
+          <p:cNvSpPr txBox="1"/>
+          <p:nvPr/>
+        </p:nvSpPr>
+        <p:spPr>
+          <a:xfrm>
+            <a:off x="1445167" y="2379944"/>
+            <a:ext cx="1949573" cy="369332"/>
+          </a:xfrm>
+          <a:prstGeom prst="rect">
+            <a:avLst/>
+          </a:prstGeom>
+          <a:noFill/>
+        </p:spPr>
+        <p:txBody>
+          <a:bodyPr wrap="none" rtlCol="0">
+            <a:spAutoFit/>
+          </a:bodyPr>
+          <a:lstStyle/>
+          <a:p>
+            <a:r>
+              <a:rPr lang="en-US" altLang="ko-KR" dirty="0" err="1">
+                <a:effectLst/>
+              </a:rPr>
+              <a:t>section.container</a:t>
+            </a:r>
+            <a:endParaRPr lang="ko-KR" altLang="en-US" dirty="0"/>
+          </a:p>
+        </p:txBody>
+      </p:sp>
+      <p:sp>
+        <p:nvSpPr>
+          <p:cNvPr id="24" name="TextBox 23">
+            <a:extLst>
+              <a:ext uri="{FF2B5EF4-FFF2-40B4-BE49-F238E27FC236}">
+                <a16:creationId xmlns:a16="http://schemas.microsoft.com/office/drawing/2014/main" id="{53183680-A3FC-42E7-A571-C6F77F33678B}"/>
+              </a:ext>
+            </a:extLst>
+          </p:cNvPr>
+          <p:cNvSpPr txBox="1"/>
+          <p:nvPr/>
+        </p:nvSpPr>
+        <p:spPr>
+          <a:xfrm>
+            <a:off x="2023852" y="1330747"/>
+            <a:ext cx="1370888" cy="369332"/>
+          </a:xfrm>
+          <a:prstGeom prst="rect">
+            <a:avLst/>
+          </a:prstGeom>
+          <a:noFill/>
+        </p:spPr>
+        <p:txBody>
+          <a:bodyPr wrap="none" rtlCol="0">
+            <a:spAutoFit/>
+          </a:bodyPr>
+          <a:lstStyle/>
+          <a:p>
+            <a:r>
+              <a:rPr lang="en-US" altLang="ko-KR" dirty="0" err="1">
+                <a:effectLst/>
+              </a:rPr>
+              <a:t>section.title</a:t>
+            </a:r>
+            <a:endParaRPr lang="ko-KR" altLang="en-US" dirty="0"/>
+          </a:p>
+        </p:txBody>
+      </p:sp>
+      <p:sp>
+        <p:nvSpPr>
+          <p:cNvPr id="25" name="직사각형 24">
+            <a:extLst>
+              <a:ext uri="{FF2B5EF4-FFF2-40B4-BE49-F238E27FC236}">
+                <a16:creationId xmlns:a16="http://schemas.microsoft.com/office/drawing/2014/main" id="{ED97288C-B3D6-40FE-A57C-BAC8EAC496C9}"/>
+              </a:ext>
+            </a:extLst>
+          </p:cNvPr>
+          <p:cNvSpPr/>
+          <p:nvPr/>
+        </p:nvSpPr>
+        <p:spPr>
+          <a:xfrm>
+            <a:off x="3435423" y="1363258"/>
+            <a:ext cx="5319699" cy="598056"/>
+          </a:xfrm>
+          <a:prstGeom prst="rect">
+            <a:avLst/>
+          </a:prstGeom>
+          <a:noFill/>
+          <a:ln w="38100">
+            <a:solidFill>
+              <a:srgbClr val="FFFF00"/>
+            </a:solidFill>
+          </a:ln>
+        </p:spPr>
+        <p:style>
+          <a:lnRef idx="2">
+            <a:schemeClr val="accent1">
+              <a:shade val="50000"/>
+            </a:schemeClr>
+          </a:lnRef>
+          <a:fillRef idx="1">
+            <a:schemeClr val="accent1"/>
+          </a:fillRef>
+          <a:effectRef idx="0">
+            <a:schemeClr val="accent1"/>
+          </a:effectRef>
+          <a:fontRef idx="minor">
+            <a:schemeClr val="lt1"/>
+          </a:fontRef>
+        </p:style>
+        <p:txBody>
+          <a:bodyPr rtlCol="0" anchor="ctr"/>
+          <a:lstStyle/>
+          <a:p>
+            <a:pPr algn="ctr"/>
+            <a:endParaRPr lang="ko-KR" altLang="en-US"/>
+          </a:p>
+        </p:txBody>
+      </p:sp>
+      <p:sp>
+        <p:nvSpPr>
+          <p:cNvPr id="28" name="직사각형 27">
+            <a:extLst>
+              <a:ext uri="{FF2B5EF4-FFF2-40B4-BE49-F238E27FC236}">
+                <a16:creationId xmlns:a16="http://schemas.microsoft.com/office/drawing/2014/main" id="{6CD50CCE-AFA0-4175-B66E-F01C47FCF618}"/>
+              </a:ext>
+            </a:extLst>
+          </p:cNvPr>
+          <p:cNvSpPr/>
+          <p:nvPr/>
+        </p:nvSpPr>
+        <p:spPr>
+          <a:xfrm>
+            <a:off x="3435423" y="2015711"/>
+            <a:ext cx="5319699" cy="248858"/>
+          </a:xfrm>
+          <a:prstGeom prst="rect">
+            <a:avLst/>
+          </a:prstGeom>
+          <a:noFill/>
+          <a:ln w="38100">
+            <a:solidFill>
+              <a:srgbClr val="FFFF00"/>
+            </a:solidFill>
+          </a:ln>
+        </p:spPr>
+        <p:style>
+          <a:lnRef idx="2">
+            <a:schemeClr val="accent1">
+              <a:shade val="50000"/>
+            </a:schemeClr>
+          </a:lnRef>
+          <a:fillRef idx="1">
+            <a:schemeClr val="accent1"/>
+          </a:fillRef>
+          <a:effectRef idx="0">
+            <a:schemeClr val="accent1"/>
+          </a:effectRef>
+          <a:fontRef idx="minor">
+            <a:schemeClr val="lt1"/>
+          </a:fontRef>
+        </p:style>
+        <p:txBody>
+          <a:bodyPr rtlCol="0" anchor="ctr"/>
+          <a:lstStyle/>
+          <a:p>
+            <a:pPr algn="ctr"/>
+            <a:endParaRPr lang="ko-KR" altLang="en-US"/>
+          </a:p>
+        </p:txBody>
+      </p:sp>
+      <p:sp>
+        <p:nvSpPr>
+          <p:cNvPr id="29" name="직사각형 28">
+            <a:extLst>
+              <a:ext uri="{FF2B5EF4-FFF2-40B4-BE49-F238E27FC236}">
+                <a16:creationId xmlns:a16="http://schemas.microsoft.com/office/drawing/2014/main" id="{EF601F6B-FFCB-4148-B702-6DBF8C9BE194}"/>
+              </a:ext>
+            </a:extLst>
+          </p:cNvPr>
+          <p:cNvSpPr/>
+          <p:nvPr/>
+        </p:nvSpPr>
+        <p:spPr>
+          <a:xfrm>
+            <a:off x="5203419" y="1439640"/>
+            <a:ext cx="1754594" cy="411934"/>
+          </a:xfrm>
+          <a:prstGeom prst="rect">
+            <a:avLst/>
+          </a:prstGeom>
+          <a:noFill/>
+          <a:ln w="38100">
+            <a:solidFill>
+              <a:srgbClr val="00B050"/>
+            </a:solidFill>
+          </a:ln>
+        </p:spPr>
+        <p:style>
+          <a:lnRef idx="2">
+            <a:schemeClr val="accent1">
+              <a:shade val="50000"/>
+            </a:schemeClr>
+          </a:lnRef>
+          <a:fillRef idx="1">
+            <a:schemeClr val="accent1"/>
+          </a:fillRef>
+          <a:effectRef idx="0">
+            <a:schemeClr val="accent1"/>
+          </a:effectRef>
+          <a:fontRef idx="minor">
+            <a:schemeClr val="lt1"/>
+          </a:fontRef>
+        </p:style>
+        <p:txBody>
+          <a:bodyPr rtlCol="0" anchor="ctr"/>
+          <a:lstStyle/>
+          <a:p>
+            <a:pPr algn="ctr"/>
+            <a:endParaRPr lang="ko-KR" altLang="en-US"/>
+          </a:p>
+        </p:txBody>
+      </p:sp>
+      <p:sp>
+        <p:nvSpPr>
+          <p:cNvPr id="30" name="TextBox 29">
+            <a:extLst>
+              <a:ext uri="{FF2B5EF4-FFF2-40B4-BE49-F238E27FC236}">
+                <a16:creationId xmlns:a16="http://schemas.microsoft.com/office/drawing/2014/main" id="{C2D2746D-9129-49B3-86F6-F46C3E1C31E4}"/>
+              </a:ext>
+            </a:extLst>
+          </p:cNvPr>
+          <p:cNvSpPr txBox="1"/>
+          <p:nvPr/>
+        </p:nvSpPr>
+        <p:spPr>
+          <a:xfrm>
+            <a:off x="6957934" y="1477620"/>
+            <a:ext cx="1093504" cy="369332"/>
+          </a:xfrm>
+          <a:prstGeom prst="rect">
+            <a:avLst/>
+          </a:prstGeom>
+          <a:noFill/>
+        </p:spPr>
+        <p:txBody>
+          <a:bodyPr wrap="none" rtlCol="0">
+            <a:spAutoFit/>
+          </a:bodyPr>
+          <a:lstStyle/>
+          <a:p>
+            <a:r>
+              <a:rPr lang="en-US" altLang="ko-KR">
+                <a:effectLst/>
+              </a:rPr>
+              <a:t>h1&gt;span</a:t>
+            </a:r>
+            <a:endParaRPr lang="ko-KR" altLang="en-US" dirty="0"/>
+          </a:p>
+        </p:txBody>
+      </p:sp>
+      <p:sp>
+        <p:nvSpPr>
+          <p:cNvPr id="31" name="직사각형 30">
+            <a:extLst>
+              <a:ext uri="{FF2B5EF4-FFF2-40B4-BE49-F238E27FC236}">
+                <a16:creationId xmlns:a16="http://schemas.microsoft.com/office/drawing/2014/main" id="{CDBB8993-7DB7-46D5-8982-B0CCF25529DE}"/>
+              </a:ext>
+            </a:extLst>
+          </p:cNvPr>
+          <p:cNvSpPr/>
+          <p:nvPr/>
+        </p:nvSpPr>
+        <p:spPr>
+          <a:xfrm>
+            <a:off x="4027081" y="2084181"/>
+            <a:ext cx="1040219" cy="111918"/>
+          </a:xfrm>
+          <a:prstGeom prst="rect">
+            <a:avLst/>
+          </a:prstGeom>
+          <a:noFill/>
+          <a:ln w="38100">
+            <a:solidFill>
+              <a:srgbClr val="00B050"/>
+            </a:solidFill>
+          </a:ln>
+        </p:spPr>
+        <p:style>
+          <a:lnRef idx="2">
+            <a:schemeClr val="accent1">
+              <a:shade val="50000"/>
+            </a:schemeClr>
+          </a:lnRef>
+          <a:fillRef idx="1">
+            <a:schemeClr val="accent1"/>
+          </a:fillRef>
+          <a:effectRef idx="0">
+            <a:schemeClr val="accent1"/>
+          </a:effectRef>
+          <a:fontRef idx="minor">
+            <a:schemeClr val="lt1"/>
+          </a:fontRef>
+        </p:style>
+        <p:txBody>
+          <a:bodyPr rtlCol="0" anchor="ctr"/>
+          <a:lstStyle/>
+          <a:p>
+            <a:pPr algn="ctr"/>
+            <a:endParaRPr lang="ko-KR" altLang="en-US"/>
+          </a:p>
+        </p:txBody>
+      </p:sp>
+      <p:sp>
+        <p:nvSpPr>
+          <p:cNvPr id="32" name="직사각형 31">
+            <a:extLst>
+              <a:ext uri="{FF2B5EF4-FFF2-40B4-BE49-F238E27FC236}">
+                <a16:creationId xmlns:a16="http://schemas.microsoft.com/office/drawing/2014/main" id="{783CD2C6-D637-4985-ABC2-68A789EA3083}"/>
+              </a:ext>
+            </a:extLst>
+          </p:cNvPr>
+          <p:cNvSpPr/>
+          <p:nvPr/>
+        </p:nvSpPr>
+        <p:spPr>
+          <a:xfrm>
+            <a:off x="3956693" y="2436082"/>
+            <a:ext cx="4257032" cy="2308446"/>
+          </a:xfrm>
+          <a:prstGeom prst="rect">
+            <a:avLst/>
+          </a:prstGeom>
+          <a:noFill/>
+          <a:ln w="38100">
+            <a:solidFill>
+              <a:srgbClr val="FFFF00"/>
+            </a:solidFill>
+          </a:ln>
+        </p:spPr>
+        <p:style>
+          <a:lnRef idx="2">
+            <a:schemeClr val="accent1">
+              <a:shade val="50000"/>
+            </a:schemeClr>
+          </a:lnRef>
+          <a:fillRef idx="1">
+            <a:schemeClr val="accent1"/>
+          </a:fillRef>
+          <a:effectRef idx="0">
+            <a:schemeClr val="accent1"/>
+          </a:effectRef>
+          <a:fontRef idx="minor">
+            <a:schemeClr val="lt1"/>
+          </a:fontRef>
+        </p:style>
+        <p:txBody>
+          <a:bodyPr rtlCol="0" anchor="ctr"/>
+          <a:lstStyle/>
+          <a:p>
+            <a:pPr algn="ctr"/>
+            <a:endParaRPr lang="ko-KR" altLang="en-US"/>
+          </a:p>
+        </p:txBody>
+      </p:sp>
+      <p:sp>
+        <p:nvSpPr>
+          <p:cNvPr id="33" name="직사각형 32">
+            <a:extLst>
+              <a:ext uri="{FF2B5EF4-FFF2-40B4-BE49-F238E27FC236}">
+                <a16:creationId xmlns:a16="http://schemas.microsoft.com/office/drawing/2014/main" id="{450118BB-7EDD-4870-8193-DC111DF1E64A}"/>
+              </a:ext>
+            </a:extLst>
+          </p:cNvPr>
+          <p:cNvSpPr/>
+          <p:nvPr/>
+        </p:nvSpPr>
+        <p:spPr>
+          <a:xfrm>
+            <a:off x="4048081" y="2686050"/>
+            <a:ext cx="4073569" cy="1672590"/>
+          </a:xfrm>
+          <a:prstGeom prst="rect">
+            <a:avLst/>
+          </a:prstGeom>
+          <a:noFill/>
+          <a:ln w="38100">
+            <a:solidFill>
+              <a:srgbClr val="00B050"/>
+            </a:solidFill>
+          </a:ln>
+        </p:spPr>
+        <p:style>
+          <a:lnRef idx="2">
+            <a:schemeClr val="accent1">
+              <a:shade val="50000"/>
+            </a:schemeClr>
+          </a:lnRef>
+          <a:fillRef idx="1">
+            <a:schemeClr val="accent1"/>
+          </a:fillRef>
+          <a:effectRef idx="0">
+            <a:schemeClr val="accent1"/>
+          </a:effectRef>
+          <a:fontRef idx="minor">
+            <a:schemeClr val="lt1"/>
+          </a:fontRef>
+        </p:style>
+        <p:txBody>
+          <a:bodyPr rtlCol="0" anchor="ctr"/>
+          <a:lstStyle/>
+          <a:p>
+            <a:pPr algn="ctr"/>
+            <a:endParaRPr lang="ko-KR" altLang="en-US"/>
+          </a:p>
+        </p:txBody>
+      </p:sp>
+      <p:sp>
+        <p:nvSpPr>
+          <p:cNvPr id="34" name="직사각형 33">
+            <a:extLst>
+              <a:ext uri="{FF2B5EF4-FFF2-40B4-BE49-F238E27FC236}">
+                <a16:creationId xmlns:a16="http://schemas.microsoft.com/office/drawing/2014/main" id="{1A385AEB-8E44-40D7-8735-6F6DFA80D747}"/>
+              </a:ext>
+            </a:extLst>
+          </p:cNvPr>
+          <p:cNvSpPr/>
+          <p:nvPr/>
+        </p:nvSpPr>
+        <p:spPr>
+          <a:xfrm>
+            <a:off x="7108825" y="2514537"/>
+            <a:ext cx="1012825" cy="104838"/>
+          </a:xfrm>
+          <a:prstGeom prst="rect">
+            <a:avLst/>
+          </a:prstGeom>
+          <a:noFill/>
+          <a:ln w="38100">
+            <a:solidFill>
+              <a:srgbClr val="00B050"/>
+            </a:solidFill>
+          </a:ln>
+        </p:spPr>
+        <p:style>
+          <a:lnRef idx="2">
+            <a:schemeClr val="accent1">
+              <a:shade val="50000"/>
+            </a:schemeClr>
+          </a:lnRef>
+          <a:fillRef idx="1">
+            <a:schemeClr val="accent1"/>
+          </a:fillRef>
+          <a:effectRef idx="0">
+            <a:schemeClr val="accent1"/>
+          </a:effectRef>
+          <a:fontRef idx="minor">
+            <a:schemeClr val="lt1"/>
+          </a:fontRef>
+        </p:style>
+        <p:txBody>
+          <a:bodyPr rtlCol="0" anchor="ctr"/>
+          <a:lstStyle/>
+          <a:p>
+            <a:pPr algn="ctr"/>
+            <a:endParaRPr lang="ko-KR" altLang="en-US"/>
+          </a:p>
+        </p:txBody>
+      </p:sp>
+      <p:sp>
+        <p:nvSpPr>
+          <p:cNvPr id="35" name="직사각형 34">
+            <a:extLst>
+              <a:ext uri="{FF2B5EF4-FFF2-40B4-BE49-F238E27FC236}">
+                <a16:creationId xmlns:a16="http://schemas.microsoft.com/office/drawing/2014/main" id="{B813F346-6573-4F1B-8323-2F07A15AF636}"/>
+              </a:ext>
+            </a:extLst>
+          </p:cNvPr>
+          <p:cNvSpPr/>
+          <p:nvPr/>
+        </p:nvSpPr>
+        <p:spPr>
+          <a:xfrm>
+            <a:off x="5394325" y="4446746"/>
+            <a:ext cx="1374775" cy="104838"/>
+          </a:xfrm>
+          <a:prstGeom prst="rect">
+            <a:avLst/>
+          </a:prstGeom>
+          <a:noFill/>
+          <a:ln w="38100">
+            <a:solidFill>
+              <a:srgbClr val="00B050"/>
+            </a:solidFill>
+          </a:ln>
+        </p:spPr>
+        <p:style>
+          <a:lnRef idx="2">
+            <a:schemeClr val="accent1">
+              <a:shade val="50000"/>
+            </a:schemeClr>
+          </a:lnRef>
+          <a:fillRef idx="1">
+            <a:schemeClr val="accent1"/>
+          </a:fillRef>
+          <a:effectRef idx="0">
+            <a:schemeClr val="accent1"/>
+          </a:effectRef>
+          <a:fontRef idx="minor">
+            <a:schemeClr val="lt1"/>
+          </a:fontRef>
+        </p:style>
+        <p:txBody>
+          <a:bodyPr rtlCol="0" anchor="ctr"/>
+          <a:lstStyle/>
+          <a:p>
+            <a:pPr algn="ctr"/>
+            <a:endParaRPr lang="ko-KR" altLang="en-US"/>
+          </a:p>
+        </p:txBody>
+      </p:sp>
+      <p:sp>
+        <p:nvSpPr>
+          <p:cNvPr id="21" name="TextBox 20">
+            <a:extLst>
+              <a:ext uri="{FF2B5EF4-FFF2-40B4-BE49-F238E27FC236}">
+                <a16:creationId xmlns:a16="http://schemas.microsoft.com/office/drawing/2014/main" id="{24F85435-1CC7-4C18-A027-FA473C1A3786}"/>
+              </a:ext>
+            </a:extLst>
+          </p:cNvPr>
+          <p:cNvSpPr txBox="1"/>
+          <p:nvPr/>
+        </p:nvSpPr>
+        <p:spPr>
+          <a:xfrm>
+            <a:off x="3952914" y="2413278"/>
+            <a:ext cx="1134028" cy="369332"/>
+          </a:xfrm>
+          <a:prstGeom prst="rect">
+            <a:avLst/>
+          </a:prstGeom>
+          <a:noFill/>
+        </p:spPr>
+        <p:txBody>
+          <a:bodyPr wrap="none" rtlCol="0">
+            <a:spAutoFit/>
+          </a:bodyPr>
+          <a:lstStyle/>
+          <a:p>
+            <a:r>
+              <a:rPr lang="en-US" altLang="ko-KR" dirty="0">
+                <a:effectLst/>
+              </a:rPr>
+              <a:t>.inner-list</a:t>
+            </a:r>
+            <a:endParaRPr lang="ko-KR" altLang="en-US" dirty="0"/>
+          </a:p>
+        </p:txBody>
+      </p:sp>
+      <p:sp>
+        <p:nvSpPr>
+          <p:cNvPr id="38" name="TextBox 37">
+            <a:extLst>
+              <a:ext uri="{FF2B5EF4-FFF2-40B4-BE49-F238E27FC236}">
+                <a16:creationId xmlns:a16="http://schemas.microsoft.com/office/drawing/2014/main" id="{DA7F3A1C-4362-4B6F-ADD3-DDB428679F63}"/>
+              </a:ext>
+            </a:extLst>
+          </p:cNvPr>
+          <p:cNvSpPr txBox="1"/>
+          <p:nvPr/>
+        </p:nvSpPr>
+        <p:spPr>
+          <a:xfrm>
+            <a:off x="5602348" y="3337679"/>
+            <a:ext cx="1154483" cy="369332"/>
+          </a:xfrm>
+          <a:prstGeom prst="rect">
+            <a:avLst/>
+          </a:prstGeom>
+          <a:noFill/>
+        </p:spPr>
+        <p:txBody>
+          <a:bodyPr wrap="none" rtlCol="0">
+            <a:spAutoFit/>
+          </a:bodyPr>
+          <a:lstStyle/>
+          <a:p>
+            <a:r>
+              <a:rPr lang="en-US" altLang="ko-KR" dirty="0" err="1">
+                <a:effectLst/>
+              </a:rPr>
+              <a:t>ul.list</a:t>
+            </a:r>
+            <a:r>
+              <a:rPr lang="en-US" altLang="ko-KR" dirty="0">
+                <a:effectLst/>
+              </a:rPr>
+              <a:t> &gt; li</a:t>
+            </a:r>
+            <a:endParaRPr lang="ko-KR" altLang="en-US" dirty="0"/>
+          </a:p>
+        </p:txBody>
+      </p:sp>
+      <p:sp>
+        <p:nvSpPr>
+          <p:cNvPr id="39" name="TextBox 38">
+            <a:extLst>
+              <a:ext uri="{FF2B5EF4-FFF2-40B4-BE49-F238E27FC236}">
+                <a16:creationId xmlns:a16="http://schemas.microsoft.com/office/drawing/2014/main" id="{4DFC9517-D477-4452-8884-F03942CB5451}"/>
+              </a:ext>
+            </a:extLst>
+          </p:cNvPr>
+          <p:cNvSpPr txBox="1"/>
+          <p:nvPr/>
+        </p:nvSpPr>
+        <p:spPr>
+          <a:xfrm>
+            <a:off x="8213038" y="2491769"/>
+            <a:ext cx="899542" cy="369332"/>
+          </a:xfrm>
+          <a:prstGeom prst="rect">
+            <a:avLst/>
+          </a:prstGeom>
+          <a:noFill/>
+        </p:spPr>
+        <p:txBody>
+          <a:bodyPr wrap="none" rtlCol="0">
+            <a:spAutoFit/>
+          </a:bodyPr>
+          <a:lstStyle/>
+          <a:p>
+            <a:r>
+              <a:rPr lang="en-US" altLang="ko-KR" dirty="0"/>
+              <a:t>.search</a:t>
+            </a:r>
+            <a:endParaRPr lang="ko-KR" altLang="en-US" dirty="0"/>
+          </a:p>
+        </p:txBody>
+      </p:sp>
+      <p:sp>
+        <p:nvSpPr>
+          <p:cNvPr id="40" name="TextBox 39">
+            <a:extLst>
+              <a:ext uri="{FF2B5EF4-FFF2-40B4-BE49-F238E27FC236}">
+                <a16:creationId xmlns:a16="http://schemas.microsoft.com/office/drawing/2014/main" id="{DBB98BD1-E9E4-4A5B-A581-2F30931B8FE7}"/>
+              </a:ext>
+            </a:extLst>
+          </p:cNvPr>
+          <p:cNvSpPr txBox="1"/>
+          <p:nvPr/>
+        </p:nvSpPr>
+        <p:spPr>
+          <a:xfrm>
+            <a:off x="5602348" y="4559862"/>
+            <a:ext cx="958852" cy="369332"/>
+          </a:xfrm>
+          <a:prstGeom prst="rect">
+            <a:avLst/>
+          </a:prstGeom>
+          <a:noFill/>
+        </p:spPr>
+        <p:txBody>
+          <a:bodyPr wrap="none" rtlCol="0">
+            <a:spAutoFit/>
+          </a:bodyPr>
+          <a:lstStyle/>
+          <a:p>
+            <a:r>
+              <a:rPr lang="en-US" altLang="ko-KR" dirty="0"/>
+              <a:t>.paging</a:t>
+            </a:r>
+            <a:endParaRPr lang="ko-KR" altLang="en-US" dirty="0"/>
+          </a:p>
+        </p:txBody>
+      </p:sp>
+      <p:sp>
+        <p:nvSpPr>
+          <p:cNvPr id="41" name="TextBox 40">
+            <a:extLst>
+              <a:ext uri="{FF2B5EF4-FFF2-40B4-BE49-F238E27FC236}">
+                <a16:creationId xmlns:a16="http://schemas.microsoft.com/office/drawing/2014/main" id="{6D6565C9-3496-4CDA-BFE3-BF0985C49454}"/>
+              </a:ext>
+            </a:extLst>
+          </p:cNvPr>
+          <p:cNvSpPr txBox="1"/>
+          <p:nvPr/>
+        </p:nvSpPr>
+        <p:spPr>
+          <a:xfrm>
+            <a:off x="6913913" y="4446746"/>
+            <a:ext cx="3549370" cy="369332"/>
           </a:xfrm>
           <a:prstGeom prst="rect">
             <a:avLst/>
@@ -9218,17 +10227,153 @@
           <a:p>
             <a:r>
               <a:rPr lang="en-US" altLang="ko-KR" dirty="0"/>
-              <a:t>span </a:t>
+              <a:t>1</a:t>
+            </a:r>
+            <a:r>
+              <a:rPr lang="ko-KR" altLang="en-US" dirty="0"/>
+              <a:t>부터 숫자 나열 </a:t>
+            </a:r>
+            <a:r>
+              <a:rPr lang="en-US" altLang="ko-KR" dirty="0"/>
+              <a:t>(</a:t>
+            </a:r>
+            <a:r>
+              <a:rPr lang="ko-KR" altLang="en-US" dirty="0"/>
+              <a:t>게시판 </a:t>
+            </a:r>
+            <a:r>
+              <a:rPr lang="ko-KR" altLang="en-US" dirty="0" err="1"/>
+              <a:t>페이징</a:t>
+            </a:r>
+            <a:r>
+              <a:rPr lang="en-US" altLang="ko-KR" dirty="0"/>
+              <a:t>)</a:t>
+            </a:r>
+            <a:endParaRPr lang="ko-KR" altLang="en-US" dirty="0"/>
+          </a:p>
+        </p:txBody>
+      </p:sp>
+      <p:sp>
+        <p:nvSpPr>
+          <p:cNvPr id="42" name="TextBox 41">
+            <a:extLst>
+              <a:ext uri="{FF2B5EF4-FFF2-40B4-BE49-F238E27FC236}">
+                <a16:creationId xmlns:a16="http://schemas.microsoft.com/office/drawing/2014/main" id="{07390CA3-397E-4E1D-B3D4-0745D273A853}"/>
+              </a:ext>
+            </a:extLst>
+          </p:cNvPr>
+          <p:cNvSpPr txBox="1"/>
+          <p:nvPr/>
+        </p:nvSpPr>
+        <p:spPr>
+          <a:xfrm>
+            <a:off x="8305113" y="2848804"/>
+            <a:ext cx="2343911" cy="369332"/>
+          </a:xfrm>
+          <a:prstGeom prst="rect">
+            <a:avLst/>
+          </a:prstGeom>
+          <a:solidFill>
+            <a:srgbClr val="FFC000"/>
+          </a:solidFill>
+        </p:spPr>
+        <p:txBody>
+          <a:bodyPr wrap="none" rtlCol="0">
+            <a:spAutoFit/>
+          </a:bodyPr>
+          <a:lstStyle/>
+          <a:p>
+            <a:r>
+              <a:rPr lang="ko-KR" altLang="en-US" dirty="0"/>
+              <a:t>검색어를 입력하세요</a:t>
+            </a:r>
+            <a:endParaRPr lang="en-US" altLang="ko-KR" dirty="0"/>
+          </a:p>
+        </p:txBody>
+      </p:sp>
+      <p:sp>
+        <p:nvSpPr>
+          <p:cNvPr id="43" name="TextBox 42">
+            <a:extLst>
+              <a:ext uri="{FF2B5EF4-FFF2-40B4-BE49-F238E27FC236}">
+                <a16:creationId xmlns:a16="http://schemas.microsoft.com/office/drawing/2014/main" id="{B39B8AA7-D32D-4E6A-822E-69F26E58C300}"/>
+              </a:ext>
+            </a:extLst>
+          </p:cNvPr>
+          <p:cNvSpPr txBox="1"/>
+          <p:nvPr/>
+        </p:nvSpPr>
+        <p:spPr>
+          <a:xfrm>
+            <a:off x="1629200" y="1952387"/>
+            <a:ext cx="1725922" cy="369332"/>
+          </a:xfrm>
+          <a:prstGeom prst="rect">
+            <a:avLst/>
+          </a:prstGeom>
+          <a:noFill/>
+        </p:spPr>
+        <p:txBody>
+          <a:bodyPr wrap="none" rtlCol="0">
+            <a:spAutoFit/>
+          </a:bodyPr>
+          <a:lstStyle/>
+          <a:p>
+            <a:r>
+              <a:rPr lang="en-US" altLang="ko-KR" dirty="0" err="1">
+                <a:effectLst/>
+              </a:rPr>
+              <a:t>div.inner</a:t>
+            </a:r>
+            <a:r>
+              <a:rPr lang="en-US" altLang="ko-KR" dirty="0">
+                <a:effectLst/>
+              </a:rPr>
+              <a:t>-select</a:t>
+            </a:r>
+            <a:endParaRPr lang="ko-KR" altLang="en-US" dirty="0"/>
+          </a:p>
+        </p:txBody>
+      </p:sp>
+      <p:sp>
+        <p:nvSpPr>
+          <p:cNvPr id="44" name="TextBox 43">
+            <a:extLst>
+              <a:ext uri="{FF2B5EF4-FFF2-40B4-BE49-F238E27FC236}">
+                <a16:creationId xmlns:a16="http://schemas.microsoft.com/office/drawing/2014/main" id="{3D0CADBF-0FE0-4396-AF79-D40AD8319457}"/>
+              </a:ext>
+            </a:extLst>
+          </p:cNvPr>
+          <p:cNvSpPr txBox="1"/>
+          <p:nvPr/>
+        </p:nvSpPr>
+        <p:spPr>
+          <a:xfrm>
+            <a:off x="5597144" y="3721395"/>
+            <a:ext cx="1375698" cy="369332"/>
+          </a:xfrm>
+          <a:prstGeom prst="rect">
+            <a:avLst/>
+          </a:prstGeom>
+          <a:solidFill>
+            <a:srgbClr val="FFC000"/>
+          </a:solidFill>
+        </p:spPr>
+        <p:txBody>
+          <a:bodyPr wrap="none" rtlCol="0">
+            <a:spAutoFit/>
+          </a:bodyPr>
+          <a:lstStyle/>
+          <a:p>
+            <a:r>
+              <a:rPr lang="en-US" altLang="ko-KR" dirty="0"/>
+              <a:t>li &gt; a </a:t>
             </a:r>
             <a:r>
               <a:rPr lang="en-US" altLang="ko-KR"/>
-              <a:t>: </a:t>
-            </a:r>
-            <a:r>
-              <a:rPr lang="ko-KR" altLang="en-US"/>
-              <a:t>전화번호 크게</a:t>
-            </a:r>
-            <a:endParaRPr lang="ko-KR" altLang="en-US" dirty="0"/>
+              <a:t>&gt; div</a:t>
+            </a:r>
+            <a:endParaRPr lang="en-US" altLang="ko-KR" dirty="0"/>
           </a:p>
         </p:txBody>
       </p:sp>
